--- a/文档资料/MindSpore_PPT.pptx
+++ b/文档资料/MindSpore_PPT.pptx
@@ -1,24 +1,33 @@
 
 <file path=ppt/presentation.xml><?xml version="1.0" encoding="utf-8"?>
-<p:presentation xmlns:a="http://schemas.openxmlformats.org/drawingml/2006/main" xmlns:r="http://schemas.openxmlformats.org/officeDocument/2006/relationships" xmlns:p="http://schemas.openxmlformats.org/presentationml/2006/main">
+<p:presentation xmlns:a="http://schemas.openxmlformats.org/drawingml/2006/main" xmlns:r="http://schemas.openxmlformats.org/officeDocument/2006/relationships" xmlns:p="http://schemas.openxmlformats.org/presentationml/2006/main" saveSubsetFonts="1">
   <p:sldMasterIdLst>
     <p:sldMasterId id="2147483648" r:id="rId1"/>
   </p:sldMasterIdLst>
   <p:notesMasterIdLst>
-    <p:notesMasterId r:id="rId7"/>
+    <p:notesMasterId r:id="rId13"/>
   </p:notesMasterIdLst>
   <p:handoutMasterIdLst>
-    <p:handoutMasterId r:id="rId8"/>
+    <p:handoutMasterId r:id="rId14"/>
   </p:handoutMasterIdLst>
   <p:sldIdLst>
     <p:sldId id="284" r:id="rId2"/>
     <p:sldId id="285" r:id="rId3"/>
     <p:sldId id="286" r:id="rId4"/>
     <p:sldId id="287" r:id="rId5"/>
-    <p:sldId id="288" r:id="rId6"/>
+    <p:sldId id="293" r:id="rId6"/>
+    <p:sldId id="289" r:id="rId7"/>
+    <p:sldId id="290" r:id="rId8"/>
+    <p:sldId id="291" r:id="rId9"/>
+    <p:sldId id="292" r:id="rId10"/>
+    <p:sldId id="294" r:id="rId11"/>
+    <p:sldId id="288" r:id="rId12"/>
   </p:sldIdLst>
   <p:sldSz cx="12192000" cy="6858000"/>
   <p:notesSz cx="6858000" cy="9144000"/>
+  <p:custDataLst>
+    <p:tags r:id="rId15"/>
+  </p:custDataLst>
   <p:defaultTextStyle>
     <a:defPPr>
       <a:defRPr lang="zh-CN"/>
@@ -117,12 +126,38 @@
   <p:extLst>
     <p:ext uri="{521415D9-36F7-43E2-AB2F-B90AF26B5E84}">
       <p14:sectionLst xmlns:p14="http://schemas.microsoft.com/office/powerpoint/2010/main">
-        <p14:section name="默认节" id="{BA908E3D-23C4-43F2-B887-78CC23A3E67B}">
+        <p14:section name="封面" id="{BA908E3D-23C4-43F2-B887-78CC23A3E67B}">
           <p14:sldIdLst>
             <p14:sldId id="284"/>
+          </p14:sldIdLst>
+        </p14:section>
+        <p14:section name="目录" id="{FB1D50F4-6099-4530-AA1A-5D342A5B502D}">
+          <p14:sldIdLst>
             <p14:sldId id="285"/>
+          </p14:sldIdLst>
+        </p14:section>
+        <p14:section name="1-项目背景" id="{9C55C5A8-F99E-4F7A-BEA2-0199CFF86D0F}">
+          <p14:sldIdLst>
             <p14:sldId id="286"/>
             <p14:sldId id="287"/>
+            <p14:sldId id="293"/>
+          </p14:sldIdLst>
+        </p14:section>
+        <p14:section name="2-项目简介" id="{1C9C4AF2-E259-46F5-ACB8-07D06897909E}">
+          <p14:sldIdLst>
+            <p14:sldId id="289"/>
+            <p14:sldId id="290"/>
+          </p14:sldIdLst>
+        </p14:section>
+        <p14:section name="3-技术方案" id="{053C3097-9572-4D09-ACC0-DADB0F197126}">
+          <p14:sldIdLst>
+            <p14:sldId id="291"/>
+            <p14:sldId id="292"/>
+            <p14:sldId id="294"/>
+          </p14:sldIdLst>
+        </p14:section>
+        <p14:section name="结束页" id="{2E9CC7BC-59AA-4266-8EB1-79819C09111E}">
+          <p14:sldIdLst>
             <p14:sldId id="288"/>
           </p14:sldIdLst>
         </p14:section>
@@ -147,6 +182,3403 @@
     </p:ext>
   </p:extLst>
 </p:presentation>
+</file>
+
+<file path=ppt/diagrams/colors1.xml><?xml version="1.0" encoding="utf-8"?>
+<dgm:colorsDef xmlns:dgm="http://schemas.openxmlformats.org/drawingml/2006/diagram" xmlns:a="http://schemas.openxmlformats.org/drawingml/2006/main" uniqueId="urn:microsoft.com/office/officeart/2005/8/colors/accent1_2">
+  <dgm:title val=""/>
+  <dgm:desc val=""/>
+  <dgm:catLst>
+    <dgm:cat type="accent1" pri="11200"/>
+  </dgm:catLst>
+  <dgm:styleLbl name="node0">
+    <dgm:fillClrLst meth="repeat">
+      <a:schemeClr val="accent1"/>
+    </dgm:fillClrLst>
+    <dgm:linClrLst meth="repeat">
+      <a:schemeClr val="lt1"/>
+    </dgm:linClrLst>
+    <dgm:effectClrLst/>
+    <dgm:txLinClrLst/>
+    <dgm:txFillClrLst/>
+    <dgm:txEffectClrLst/>
+  </dgm:styleLbl>
+  <dgm:styleLbl name="alignNode1">
+    <dgm:fillClrLst meth="repeat">
+      <a:schemeClr val="accent1"/>
+    </dgm:fillClrLst>
+    <dgm:linClrLst meth="repeat">
+      <a:schemeClr val="accent1"/>
+    </dgm:linClrLst>
+    <dgm:effectClrLst/>
+    <dgm:txLinClrLst/>
+    <dgm:txFillClrLst/>
+    <dgm:txEffectClrLst/>
+  </dgm:styleLbl>
+  <dgm:styleLbl name="node1">
+    <dgm:fillClrLst meth="repeat">
+      <a:schemeClr val="accent1"/>
+    </dgm:fillClrLst>
+    <dgm:linClrLst meth="repeat">
+      <a:schemeClr val="lt1"/>
+    </dgm:linClrLst>
+    <dgm:effectClrLst/>
+    <dgm:txLinClrLst/>
+    <dgm:txFillClrLst/>
+    <dgm:txEffectClrLst/>
+  </dgm:styleLbl>
+  <dgm:styleLbl name="lnNode1">
+    <dgm:fillClrLst meth="repeat">
+      <a:schemeClr val="accent1"/>
+    </dgm:fillClrLst>
+    <dgm:linClrLst meth="repeat">
+      <a:schemeClr val="lt1"/>
+    </dgm:linClrLst>
+    <dgm:effectClrLst/>
+    <dgm:txLinClrLst/>
+    <dgm:txFillClrLst/>
+    <dgm:txEffectClrLst/>
+  </dgm:styleLbl>
+  <dgm:styleLbl name="vennNode1">
+    <dgm:fillClrLst meth="repeat">
+      <a:schemeClr val="accent1">
+        <a:alpha val="50000"/>
+      </a:schemeClr>
+    </dgm:fillClrLst>
+    <dgm:linClrLst meth="repeat">
+      <a:schemeClr val="lt1"/>
+    </dgm:linClrLst>
+    <dgm:effectClrLst/>
+    <dgm:txLinClrLst/>
+    <dgm:txFillClrLst/>
+    <dgm:txEffectClrLst/>
+  </dgm:styleLbl>
+  <dgm:styleLbl name="node2">
+    <dgm:fillClrLst meth="repeat">
+      <a:schemeClr val="accent1"/>
+    </dgm:fillClrLst>
+    <dgm:linClrLst meth="repeat">
+      <a:schemeClr val="lt1"/>
+    </dgm:linClrLst>
+    <dgm:effectClrLst/>
+    <dgm:txLinClrLst/>
+    <dgm:txFillClrLst/>
+    <dgm:txEffectClrLst/>
+  </dgm:styleLbl>
+  <dgm:styleLbl name="node3">
+    <dgm:fillClrLst meth="repeat">
+      <a:schemeClr val="accent1"/>
+    </dgm:fillClrLst>
+    <dgm:linClrLst meth="repeat">
+      <a:schemeClr val="lt1"/>
+    </dgm:linClrLst>
+    <dgm:effectClrLst/>
+    <dgm:txLinClrLst/>
+    <dgm:txFillClrLst/>
+    <dgm:txEffectClrLst/>
+  </dgm:styleLbl>
+  <dgm:styleLbl name="node4">
+    <dgm:fillClrLst meth="repeat">
+      <a:schemeClr val="accent1"/>
+    </dgm:fillClrLst>
+    <dgm:linClrLst meth="repeat">
+      <a:schemeClr val="lt1"/>
+    </dgm:linClrLst>
+    <dgm:effectClrLst/>
+    <dgm:txLinClrLst/>
+    <dgm:txFillClrLst/>
+    <dgm:txEffectClrLst/>
+  </dgm:styleLbl>
+  <dgm:styleLbl name="fgImgPlace1">
+    <dgm:fillClrLst meth="repeat">
+      <a:schemeClr val="accent1">
+        <a:tint val="50000"/>
+      </a:schemeClr>
+    </dgm:fillClrLst>
+    <dgm:linClrLst meth="repeat">
+      <a:schemeClr val="lt1"/>
+    </dgm:linClrLst>
+    <dgm:effectClrLst/>
+    <dgm:txLinClrLst/>
+    <dgm:txFillClrLst meth="repeat">
+      <a:schemeClr val="lt1"/>
+    </dgm:txFillClrLst>
+    <dgm:txEffectClrLst/>
+  </dgm:styleLbl>
+  <dgm:styleLbl name="alignImgPlace1">
+    <dgm:fillClrLst meth="repeat">
+      <a:schemeClr val="accent1">
+        <a:tint val="50000"/>
+      </a:schemeClr>
+    </dgm:fillClrLst>
+    <dgm:linClrLst meth="repeat">
+      <a:schemeClr val="lt1"/>
+    </dgm:linClrLst>
+    <dgm:effectClrLst/>
+    <dgm:txLinClrLst/>
+    <dgm:txFillClrLst meth="repeat">
+      <a:schemeClr val="lt1"/>
+    </dgm:txFillClrLst>
+    <dgm:txEffectClrLst/>
+  </dgm:styleLbl>
+  <dgm:styleLbl name="bgImgPlace1">
+    <dgm:fillClrLst meth="repeat">
+      <a:schemeClr val="accent1">
+        <a:tint val="50000"/>
+      </a:schemeClr>
+    </dgm:fillClrLst>
+    <dgm:linClrLst meth="repeat">
+      <a:schemeClr val="lt1"/>
+    </dgm:linClrLst>
+    <dgm:effectClrLst/>
+    <dgm:txLinClrLst/>
+    <dgm:txFillClrLst meth="repeat">
+      <a:schemeClr val="lt1"/>
+    </dgm:txFillClrLst>
+    <dgm:txEffectClrLst/>
+  </dgm:styleLbl>
+  <dgm:styleLbl name="sibTrans2D1">
+    <dgm:fillClrLst meth="repeat">
+      <a:schemeClr val="accent1">
+        <a:tint val="60000"/>
+      </a:schemeClr>
+    </dgm:fillClrLst>
+    <dgm:linClrLst meth="repeat">
+      <a:schemeClr val="accent1">
+        <a:tint val="60000"/>
+      </a:schemeClr>
+    </dgm:linClrLst>
+    <dgm:effectClrLst/>
+    <dgm:txLinClrLst/>
+    <dgm:txFillClrLst/>
+    <dgm:txEffectClrLst/>
+  </dgm:styleLbl>
+  <dgm:styleLbl name="fgSibTrans2D1">
+    <dgm:fillClrLst meth="repeat">
+      <a:schemeClr val="accent1">
+        <a:tint val="60000"/>
+      </a:schemeClr>
+    </dgm:fillClrLst>
+    <dgm:linClrLst meth="repeat">
+      <a:schemeClr val="accent1">
+        <a:tint val="60000"/>
+      </a:schemeClr>
+    </dgm:linClrLst>
+    <dgm:effectClrLst/>
+    <dgm:txLinClrLst/>
+    <dgm:txFillClrLst/>
+    <dgm:txEffectClrLst/>
+  </dgm:styleLbl>
+  <dgm:styleLbl name="bgSibTrans2D1">
+    <dgm:fillClrLst meth="repeat">
+      <a:schemeClr val="accent1">
+        <a:tint val="60000"/>
+      </a:schemeClr>
+    </dgm:fillClrLst>
+    <dgm:linClrLst meth="repeat">
+      <a:schemeClr val="accent1">
+        <a:tint val="60000"/>
+      </a:schemeClr>
+    </dgm:linClrLst>
+    <dgm:effectClrLst/>
+    <dgm:txLinClrLst/>
+    <dgm:txFillClrLst/>
+    <dgm:txEffectClrLst/>
+  </dgm:styleLbl>
+  <dgm:styleLbl name="sibTrans1D1">
+    <dgm:fillClrLst meth="repeat">
+      <a:schemeClr val="accent1"/>
+    </dgm:fillClrLst>
+    <dgm:linClrLst meth="repeat">
+      <a:schemeClr val="accent1"/>
+    </dgm:linClrLst>
+    <dgm:effectClrLst/>
+    <dgm:txLinClrLst/>
+    <dgm:txFillClrLst meth="repeat">
+      <a:schemeClr val="tx1"/>
+    </dgm:txFillClrLst>
+    <dgm:txEffectClrLst/>
+  </dgm:styleLbl>
+  <dgm:styleLbl name="callout">
+    <dgm:fillClrLst meth="repeat">
+      <a:schemeClr val="accent1"/>
+    </dgm:fillClrLst>
+    <dgm:linClrLst meth="repeat">
+      <a:schemeClr val="accent1">
+        <a:tint val="50000"/>
+      </a:schemeClr>
+    </dgm:linClrLst>
+    <dgm:effectClrLst/>
+    <dgm:txLinClrLst/>
+    <dgm:txFillClrLst meth="repeat">
+      <a:schemeClr val="tx1"/>
+    </dgm:txFillClrLst>
+    <dgm:txEffectClrLst/>
+  </dgm:styleLbl>
+  <dgm:styleLbl name="asst0">
+    <dgm:fillClrLst meth="repeat">
+      <a:schemeClr val="accent1"/>
+    </dgm:fillClrLst>
+    <dgm:linClrLst meth="repeat">
+      <a:schemeClr val="lt1"/>
+    </dgm:linClrLst>
+    <dgm:effectClrLst/>
+    <dgm:txLinClrLst/>
+    <dgm:txFillClrLst/>
+    <dgm:txEffectClrLst/>
+  </dgm:styleLbl>
+  <dgm:styleLbl name="asst1">
+    <dgm:fillClrLst meth="repeat">
+      <a:schemeClr val="accent1"/>
+    </dgm:fillClrLst>
+    <dgm:linClrLst meth="repeat">
+      <a:schemeClr val="lt1"/>
+    </dgm:linClrLst>
+    <dgm:effectClrLst/>
+    <dgm:txLinClrLst/>
+    <dgm:txFillClrLst/>
+    <dgm:txEffectClrLst/>
+  </dgm:styleLbl>
+  <dgm:styleLbl name="asst2">
+    <dgm:fillClrLst meth="repeat">
+      <a:schemeClr val="accent1"/>
+    </dgm:fillClrLst>
+    <dgm:linClrLst meth="repeat">
+      <a:schemeClr val="lt1"/>
+    </dgm:linClrLst>
+    <dgm:effectClrLst/>
+    <dgm:txLinClrLst/>
+    <dgm:txFillClrLst/>
+    <dgm:txEffectClrLst/>
+  </dgm:styleLbl>
+  <dgm:styleLbl name="asst3">
+    <dgm:fillClrLst meth="repeat">
+      <a:schemeClr val="accent1"/>
+    </dgm:fillClrLst>
+    <dgm:linClrLst meth="repeat">
+      <a:schemeClr val="lt1"/>
+    </dgm:linClrLst>
+    <dgm:effectClrLst/>
+    <dgm:txLinClrLst/>
+    <dgm:txFillClrLst/>
+    <dgm:txEffectClrLst/>
+  </dgm:styleLbl>
+  <dgm:styleLbl name="asst4">
+    <dgm:fillClrLst meth="repeat">
+      <a:schemeClr val="accent1"/>
+    </dgm:fillClrLst>
+    <dgm:linClrLst meth="repeat">
+      <a:schemeClr val="lt1"/>
+    </dgm:linClrLst>
+    <dgm:effectClrLst/>
+    <dgm:txLinClrLst/>
+    <dgm:txFillClrLst/>
+    <dgm:txEffectClrLst/>
+  </dgm:styleLbl>
+  <dgm:styleLbl name="parChTrans2D1">
+    <dgm:fillClrLst meth="repeat">
+      <a:schemeClr val="accent1">
+        <a:tint val="60000"/>
+      </a:schemeClr>
+    </dgm:fillClrLst>
+    <dgm:linClrLst meth="repeat">
+      <a:schemeClr val="accent1">
+        <a:tint val="60000"/>
+      </a:schemeClr>
+    </dgm:linClrLst>
+    <dgm:effectClrLst/>
+    <dgm:txLinClrLst/>
+    <dgm:txFillClrLst meth="repeat">
+      <a:schemeClr val="lt1"/>
+    </dgm:txFillClrLst>
+    <dgm:txEffectClrLst/>
+  </dgm:styleLbl>
+  <dgm:styleLbl name="parChTrans2D2">
+    <dgm:fillClrLst meth="repeat">
+      <a:schemeClr val="accent1"/>
+    </dgm:fillClrLst>
+    <dgm:linClrLst meth="repeat">
+      <a:schemeClr val="accent1"/>
+    </dgm:linClrLst>
+    <dgm:effectClrLst/>
+    <dgm:txLinClrLst/>
+    <dgm:txFillClrLst meth="repeat">
+      <a:schemeClr val="lt1"/>
+    </dgm:txFillClrLst>
+    <dgm:txEffectClrLst/>
+  </dgm:styleLbl>
+  <dgm:styleLbl name="parChTrans2D3">
+    <dgm:fillClrLst meth="repeat">
+      <a:schemeClr val="accent1"/>
+    </dgm:fillClrLst>
+    <dgm:linClrLst meth="repeat">
+      <a:schemeClr val="accent1"/>
+    </dgm:linClrLst>
+    <dgm:effectClrLst/>
+    <dgm:txLinClrLst/>
+    <dgm:txFillClrLst meth="repeat">
+      <a:schemeClr val="lt1"/>
+    </dgm:txFillClrLst>
+    <dgm:txEffectClrLst/>
+  </dgm:styleLbl>
+  <dgm:styleLbl name="parChTrans2D4">
+    <dgm:fillClrLst meth="repeat">
+      <a:schemeClr val="accent1"/>
+    </dgm:fillClrLst>
+    <dgm:linClrLst meth="repeat">
+      <a:schemeClr val="accent1"/>
+    </dgm:linClrLst>
+    <dgm:effectClrLst/>
+    <dgm:txLinClrLst/>
+    <dgm:txFillClrLst meth="repeat">
+      <a:schemeClr val="lt1"/>
+    </dgm:txFillClrLst>
+    <dgm:txEffectClrLst/>
+  </dgm:styleLbl>
+  <dgm:styleLbl name="parChTrans1D1">
+    <dgm:fillClrLst meth="repeat">
+      <a:schemeClr val="accent1"/>
+    </dgm:fillClrLst>
+    <dgm:linClrLst meth="repeat">
+      <a:schemeClr val="accent1">
+        <a:shade val="60000"/>
+      </a:schemeClr>
+    </dgm:linClrLst>
+    <dgm:effectClrLst/>
+    <dgm:txLinClrLst/>
+    <dgm:txFillClrLst meth="repeat">
+      <a:schemeClr val="tx1"/>
+    </dgm:txFillClrLst>
+    <dgm:txEffectClrLst/>
+  </dgm:styleLbl>
+  <dgm:styleLbl name="parChTrans1D2">
+    <dgm:fillClrLst meth="repeat">
+      <a:schemeClr val="accent1"/>
+    </dgm:fillClrLst>
+    <dgm:linClrLst meth="repeat">
+      <a:schemeClr val="accent1">
+        <a:shade val="60000"/>
+      </a:schemeClr>
+    </dgm:linClrLst>
+    <dgm:effectClrLst/>
+    <dgm:txLinClrLst/>
+    <dgm:txFillClrLst meth="repeat">
+      <a:schemeClr val="tx1"/>
+    </dgm:txFillClrLst>
+    <dgm:txEffectClrLst/>
+  </dgm:styleLbl>
+  <dgm:styleLbl name="parChTrans1D3">
+    <dgm:fillClrLst meth="repeat">
+      <a:schemeClr val="accent1"/>
+    </dgm:fillClrLst>
+    <dgm:linClrLst meth="repeat">
+      <a:schemeClr val="accent1">
+        <a:shade val="80000"/>
+      </a:schemeClr>
+    </dgm:linClrLst>
+    <dgm:effectClrLst/>
+    <dgm:txLinClrLst/>
+    <dgm:txFillClrLst meth="repeat">
+      <a:schemeClr val="tx1"/>
+    </dgm:txFillClrLst>
+    <dgm:txEffectClrLst/>
+  </dgm:styleLbl>
+  <dgm:styleLbl name="parChTrans1D4">
+    <dgm:fillClrLst meth="repeat">
+      <a:schemeClr val="accent1"/>
+    </dgm:fillClrLst>
+    <dgm:linClrLst meth="repeat">
+      <a:schemeClr val="accent1">
+        <a:shade val="80000"/>
+      </a:schemeClr>
+    </dgm:linClrLst>
+    <dgm:effectClrLst/>
+    <dgm:txLinClrLst/>
+    <dgm:txFillClrLst meth="repeat">
+      <a:schemeClr val="tx1"/>
+    </dgm:txFillClrLst>
+    <dgm:txEffectClrLst/>
+  </dgm:styleLbl>
+  <dgm:styleLbl name="fgAcc1">
+    <dgm:fillClrLst meth="repeat">
+      <a:schemeClr val="lt1">
+        <a:alpha val="90000"/>
+      </a:schemeClr>
+    </dgm:fillClrLst>
+    <dgm:linClrLst meth="repeat">
+      <a:schemeClr val="accent1"/>
+    </dgm:linClrLst>
+    <dgm:effectClrLst/>
+    <dgm:txLinClrLst/>
+    <dgm:txFillClrLst meth="repeat">
+      <a:schemeClr val="dk1"/>
+    </dgm:txFillClrLst>
+    <dgm:txEffectClrLst/>
+  </dgm:styleLbl>
+  <dgm:styleLbl name="conFgAcc1">
+    <dgm:fillClrLst meth="repeat">
+      <a:schemeClr val="lt1">
+        <a:alpha val="90000"/>
+      </a:schemeClr>
+    </dgm:fillClrLst>
+    <dgm:linClrLst meth="repeat">
+      <a:schemeClr val="accent1"/>
+    </dgm:linClrLst>
+    <dgm:effectClrLst/>
+    <dgm:txLinClrLst/>
+    <dgm:txFillClrLst meth="repeat">
+      <a:schemeClr val="dk1"/>
+    </dgm:txFillClrLst>
+    <dgm:txEffectClrLst/>
+  </dgm:styleLbl>
+  <dgm:styleLbl name="alignAcc1">
+    <dgm:fillClrLst meth="repeat">
+      <a:schemeClr val="lt1">
+        <a:alpha val="90000"/>
+      </a:schemeClr>
+    </dgm:fillClrLst>
+    <dgm:linClrLst meth="repeat">
+      <a:schemeClr val="accent1"/>
+    </dgm:linClrLst>
+    <dgm:effectClrLst/>
+    <dgm:txLinClrLst/>
+    <dgm:txFillClrLst meth="repeat">
+      <a:schemeClr val="dk1"/>
+    </dgm:txFillClrLst>
+    <dgm:txEffectClrLst/>
+  </dgm:styleLbl>
+  <dgm:styleLbl name="trAlignAcc1">
+    <dgm:fillClrLst meth="repeat">
+      <a:schemeClr val="lt1">
+        <a:alpha val="40000"/>
+      </a:schemeClr>
+    </dgm:fillClrLst>
+    <dgm:linClrLst meth="repeat">
+      <a:schemeClr val="accent1"/>
+    </dgm:linClrLst>
+    <dgm:effectClrLst/>
+    <dgm:txLinClrLst/>
+    <dgm:txFillClrLst meth="repeat">
+      <a:schemeClr val="dk1"/>
+    </dgm:txFillClrLst>
+    <dgm:txEffectClrLst/>
+  </dgm:styleLbl>
+  <dgm:styleLbl name="bgAcc1">
+    <dgm:fillClrLst meth="repeat">
+      <a:schemeClr val="lt1">
+        <a:alpha val="90000"/>
+      </a:schemeClr>
+    </dgm:fillClrLst>
+    <dgm:linClrLst meth="repeat">
+      <a:schemeClr val="accent1"/>
+    </dgm:linClrLst>
+    <dgm:effectClrLst/>
+    <dgm:txLinClrLst/>
+    <dgm:txFillClrLst meth="repeat">
+      <a:schemeClr val="dk1"/>
+    </dgm:txFillClrLst>
+    <dgm:txEffectClrLst/>
+  </dgm:styleLbl>
+  <dgm:styleLbl name="solidFgAcc1">
+    <dgm:fillClrLst meth="repeat">
+      <a:schemeClr val="lt1"/>
+    </dgm:fillClrLst>
+    <dgm:linClrLst meth="repeat">
+      <a:schemeClr val="accent1"/>
+    </dgm:linClrLst>
+    <dgm:effectClrLst/>
+    <dgm:txLinClrLst/>
+    <dgm:txFillClrLst meth="repeat">
+      <a:schemeClr val="dk1"/>
+    </dgm:txFillClrLst>
+    <dgm:txEffectClrLst/>
+  </dgm:styleLbl>
+  <dgm:styleLbl name="solidAlignAcc1">
+    <dgm:fillClrLst meth="repeat">
+      <a:schemeClr val="lt1"/>
+    </dgm:fillClrLst>
+    <dgm:linClrLst meth="repeat">
+      <a:schemeClr val="accent1"/>
+    </dgm:linClrLst>
+    <dgm:effectClrLst/>
+    <dgm:txLinClrLst/>
+    <dgm:txFillClrLst meth="repeat">
+      <a:schemeClr val="dk1"/>
+    </dgm:txFillClrLst>
+    <dgm:txEffectClrLst/>
+  </dgm:styleLbl>
+  <dgm:styleLbl name="solidBgAcc1">
+    <dgm:fillClrLst meth="repeat">
+      <a:schemeClr val="lt1"/>
+    </dgm:fillClrLst>
+    <dgm:linClrLst meth="repeat">
+      <a:schemeClr val="accent1"/>
+    </dgm:linClrLst>
+    <dgm:effectClrLst/>
+    <dgm:txLinClrLst/>
+    <dgm:txFillClrLst meth="repeat">
+      <a:schemeClr val="dk1"/>
+    </dgm:txFillClrLst>
+    <dgm:txEffectClrLst/>
+  </dgm:styleLbl>
+  <dgm:styleLbl name="fgAccFollowNode1">
+    <dgm:fillClrLst meth="repeat">
+      <a:schemeClr val="accent1">
+        <a:alpha val="90000"/>
+        <a:tint val="40000"/>
+      </a:schemeClr>
+    </dgm:fillClrLst>
+    <dgm:linClrLst meth="repeat">
+      <a:schemeClr val="accent1">
+        <a:alpha val="90000"/>
+        <a:tint val="40000"/>
+      </a:schemeClr>
+    </dgm:linClrLst>
+    <dgm:effectClrLst/>
+    <dgm:txLinClrLst/>
+    <dgm:txFillClrLst meth="repeat">
+      <a:schemeClr val="dk1"/>
+    </dgm:txFillClrLst>
+    <dgm:txEffectClrLst/>
+  </dgm:styleLbl>
+  <dgm:styleLbl name="alignAccFollowNode1">
+    <dgm:fillClrLst meth="repeat">
+      <a:schemeClr val="accent1">
+        <a:alpha val="90000"/>
+        <a:tint val="40000"/>
+      </a:schemeClr>
+    </dgm:fillClrLst>
+    <dgm:linClrLst meth="repeat">
+      <a:schemeClr val="accent1">
+        <a:alpha val="90000"/>
+        <a:tint val="40000"/>
+      </a:schemeClr>
+    </dgm:linClrLst>
+    <dgm:effectClrLst/>
+    <dgm:txLinClrLst/>
+    <dgm:txFillClrLst meth="repeat">
+      <a:schemeClr val="dk1"/>
+    </dgm:txFillClrLst>
+    <dgm:txEffectClrLst/>
+  </dgm:styleLbl>
+  <dgm:styleLbl name="bgAccFollowNode1">
+    <dgm:fillClrLst meth="repeat">
+      <a:schemeClr val="accent1">
+        <a:alpha val="90000"/>
+        <a:tint val="40000"/>
+      </a:schemeClr>
+    </dgm:fillClrLst>
+    <dgm:linClrLst meth="repeat">
+      <a:schemeClr val="accent1">
+        <a:alpha val="90000"/>
+        <a:tint val="40000"/>
+      </a:schemeClr>
+    </dgm:linClrLst>
+    <dgm:effectClrLst/>
+    <dgm:txLinClrLst/>
+    <dgm:txFillClrLst meth="repeat">
+      <a:schemeClr val="dk1"/>
+    </dgm:txFillClrLst>
+    <dgm:txEffectClrLst/>
+  </dgm:styleLbl>
+  <dgm:styleLbl name="fgAcc0">
+    <dgm:fillClrLst meth="repeat">
+      <a:schemeClr val="lt1">
+        <a:alpha val="90000"/>
+      </a:schemeClr>
+    </dgm:fillClrLst>
+    <dgm:linClrLst meth="repeat">
+      <a:schemeClr val="accent1"/>
+    </dgm:linClrLst>
+    <dgm:effectClrLst/>
+    <dgm:txLinClrLst/>
+    <dgm:txFillClrLst meth="repeat">
+      <a:schemeClr val="dk1"/>
+    </dgm:txFillClrLst>
+    <dgm:txEffectClrLst/>
+  </dgm:styleLbl>
+  <dgm:styleLbl name="fgAcc2">
+    <dgm:fillClrLst meth="repeat">
+      <a:schemeClr val="lt1">
+        <a:alpha val="90000"/>
+      </a:schemeClr>
+    </dgm:fillClrLst>
+    <dgm:linClrLst meth="repeat">
+      <a:schemeClr val="accent1"/>
+    </dgm:linClrLst>
+    <dgm:effectClrLst/>
+    <dgm:txLinClrLst/>
+    <dgm:txFillClrLst meth="repeat">
+      <a:schemeClr val="dk1"/>
+    </dgm:txFillClrLst>
+    <dgm:txEffectClrLst/>
+  </dgm:styleLbl>
+  <dgm:styleLbl name="fgAcc3">
+    <dgm:fillClrLst meth="repeat">
+      <a:schemeClr val="lt1">
+        <a:alpha val="90000"/>
+      </a:schemeClr>
+    </dgm:fillClrLst>
+    <dgm:linClrLst meth="repeat">
+      <a:schemeClr val="accent1"/>
+    </dgm:linClrLst>
+    <dgm:effectClrLst/>
+    <dgm:txLinClrLst/>
+    <dgm:txFillClrLst meth="repeat">
+      <a:schemeClr val="dk1"/>
+    </dgm:txFillClrLst>
+    <dgm:txEffectClrLst/>
+  </dgm:styleLbl>
+  <dgm:styleLbl name="fgAcc4">
+    <dgm:fillClrLst meth="repeat">
+      <a:schemeClr val="lt1">
+        <a:alpha val="90000"/>
+      </a:schemeClr>
+    </dgm:fillClrLst>
+    <dgm:linClrLst meth="repeat">
+      <a:schemeClr val="accent1"/>
+    </dgm:linClrLst>
+    <dgm:effectClrLst/>
+    <dgm:txLinClrLst/>
+    <dgm:txFillClrLst meth="repeat">
+      <a:schemeClr val="dk1"/>
+    </dgm:txFillClrLst>
+    <dgm:txEffectClrLst/>
+  </dgm:styleLbl>
+  <dgm:styleLbl name="bgShp">
+    <dgm:fillClrLst meth="repeat">
+      <a:schemeClr val="accent1">
+        <a:tint val="40000"/>
+      </a:schemeClr>
+    </dgm:fillClrLst>
+    <dgm:linClrLst meth="repeat">
+      <a:schemeClr val="accent1"/>
+    </dgm:linClrLst>
+    <dgm:effectClrLst/>
+    <dgm:txLinClrLst/>
+    <dgm:txFillClrLst meth="repeat">
+      <a:schemeClr val="dk1"/>
+    </dgm:txFillClrLst>
+    <dgm:txEffectClrLst/>
+  </dgm:styleLbl>
+  <dgm:styleLbl name="dkBgShp">
+    <dgm:fillClrLst meth="repeat">
+      <a:schemeClr val="accent1">
+        <a:shade val="80000"/>
+      </a:schemeClr>
+    </dgm:fillClrLst>
+    <dgm:linClrLst meth="repeat">
+      <a:schemeClr val="accent1"/>
+    </dgm:linClrLst>
+    <dgm:effectClrLst/>
+    <dgm:txLinClrLst/>
+    <dgm:txFillClrLst meth="repeat">
+      <a:schemeClr val="lt1"/>
+    </dgm:txFillClrLst>
+    <dgm:txEffectClrLst/>
+  </dgm:styleLbl>
+  <dgm:styleLbl name="trBgShp">
+    <dgm:fillClrLst meth="repeat">
+      <a:schemeClr val="accent1">
+        <a:tint val="50000"/>
+        <a:alpha val="40000"/>
+      </a:schemeClr>
+    </dgm:fillClrLst>
+    <dgm:linClrLst meth="repeat">
+      <a:schemeClr val="accent1"/>
+    </dgm:linClrLst>
+    <dgm:effectClrLst/>
+    <dgm:txLinClrLst/>
+    <dgm:txFillClrLst meth="repeat">
+      <a:schemeClr val="lt1"/>
+    </dgm:txFillClrLst>
+    <dgm:txEffectClrLst/>
+  </dgm:styleLbl>
+  <dgm:styleLbl name="fgShp">
+    <dgm:fillClrLst meth="repeat">
+      <a:schemeClr val="accent1">
+        <a:tint val="60000"/>
+      </a:schemeClr>
+    </dgm:fillClrLst>
+    <dgm:linClrLst meth="repeat">
+      <a:schemeClr val="lt1"/>
+    </dgm:linClrLst>
+    <dgm:effectClrLst/>
+    <dgm:txLinClrLst/>
+    <dgm:txFillClrLst meth="repeat">
+      <a:schemeClr val="dk1"/>
+    </dgm:txFillClrLst>
+    <dgm:txEffectClrLst/>
+  </dgm:styleLbl>
+  <dgm:styleLbl name="revTx">
+    <dgm:fillClrLst meth="repeat">
+      <a:schemeClr val="lt1">
+        <a:alpha val="0"/>
+      </a:schemeClr>
+    </dgm:fillClrLst>
+    <dgm:linClrLst meth="repeat">
+      <a:schemeClr val="dk1">
+        <a:alpha val="0"/>
+      </a:schemeClr>
+    </dgm:linClrLst>
+    <dgm:effectClrLst/>
+    <dgm:txLinClrLst/>
+    <dgm:txFillClrLst meth="repeat">
+      <a:schemeClr val="tx1"/>
+    </dgm:txFillClrLst>
+    <dgm:txEffectClrLst/>
+  </dgm:styleLbl>
+</dgm:colorsDef>
+</file>
+
+<file path=ppt/diagrams/data1.xml><?xml version="1.0" encoding="utf-8"?>
+<dgm:dataModel xmlns:dgm="http://schemas.openxmlformats.org/drawingml/2006/diagram" xmlns:a="http://schemas.openxmlformats.org/drawingml/2006/main">
+  <dgm:ptLst>
+    <dgm:pt modelId="{D8EAC846-539B-444D-92D5-4C8BC5A5604C}" type="doc">
+      <dgm:prSet loTypeId="urn:microsoft.com/office/officeart/2005/8/layout/StepDownProcess" loCatId="process" qsTypeId="urn:microsoft.com/office/officeart/2005/8/quickstyle/simple1" qsCatId="simple" csTypeId="urn:microsoft.com/office/officeart/2005/8/colors/accent1_2" csCatId="accent1" phldr="1"/>
+      <dgm:spPr/>
+      <dgm:t>
+        <a:bodyPr/>
+        <a:lstStyle/>
+        <a:p>
+          <a:endParaRPr lang="zh-CN" altLang="en-US"/>
+        </a:p>
+      </dgm:t>
+    </dgm:pt>
+    <dgm:pt modelId="{10DC651D-2FF9-45D1-8D12-C86FA5876D7E}">
+      <dgm:prSet phldrT="[文本]"/>
+      <dgm:spPr/>
+      <dgm:t>
+        <a:bodyPr/>
+        <a:lstStyle/>
+        <a:p>
+          <a:r>
+            <a:rPr lang="zh-CN" altLang="en-US" dirty="0"/>
+            <a:t>基础模型</a:t>
+          </a:r>
+        </a:p>
+      </dgm:t>
+    </dgm:pt>
+    <dgm:pt modelId="{76F1BA64-BF7B-4472-8D89-999F16C87E32}" type="parTrans" cxnId="{77067FB3-0422-4C0E-849C-5D57CA6AEF09}">
+      <dgm:prSet/>
+      <dgm:spPr/>
+      <dgm:t>
+        <a:bodyPr/>
+        <a:lstStyle/>
+        <a:p>
+          <a:endParaRPr lang="zh-CN" altLang="en-US"/>
+        </a:p>
+      </dgm:t>
+    </dgm:pt>
+    <dgm:pt modelId="{7C1A6A42-3D8F-4EDF-B558-87BFD1D03345}" type="sibTrans" cxnId="{77067FB3-0422-4C0E-849C-5D57CA6AEF09}">
+      <dgm:prSet/>
+      <dgm:spPr/>
+      <dgm:t>
+        <a:bodyPr/>
+        <a:lstStyle/>
+        <a:p>
+          <a:endParaRPr lang="zh-CN" altLang="en-US"/>
+        </a:p>
+      </dgm:t>
+    </dgm:pt>
+    <dgm:pt modelId="{0189E691-7B6B-4A4E-BF89-EC8B98E0F7B1}">
+      <dgm:prSet phldrT="[文本]"/>
+      <dgm:spPr/>
+      <dgm:t>
+        <a:bodyPr/>
+        <a:lstStyle/>
+        <a:p>
+          <a:r>
+            <a:rPr lang="en-US" altLang="en-US" dirty="0"/>
+            <a:t>DeepSeek-R1-Distill-Qwen-1.5B</a:t>
+          </a:r>
+          <a:endParaRPr lang="zh-CN" altLang="en-US" dirty="0"/>
+        </a:p>
+      </dgm:t>
+    </dgm:pt>
+    <dgm:pt modelId="{4D72C042-DCB4-4482-AA84-602929169979}" type="parTrans" cxnId="{BB099E7E-2118-4D3F-94D0-51E960B9A7B2}">
+      <dgm:prSet/>
+      <dgm:spPr/>
+      <dgm:t>
+        <a:bodyPr/>
+        <a:lstStyle/>
+        <a:p>
+          <a:endParaRPr lang="zh-CN" altLang="en-US"/>
+        </a:p>
+      </dgm:t>
+    </dgm:pt>
+    <dgm:pt modelId="{6433B90A-41AC-4887-A1D8-3DCC82717F3A}" type="sibTrans" cxnId="{BB099E7E-2118-4D3F-94D0-51E960B9A7B2}">
+      <dgm:prSet/>
+      <dgm:spPr/>
+      <dgm:t>
+        <a:bodyPr/>
+        <a:lstStyle/>
+        <a:p>
+          <a:endParaRPr lang="zh-CN" altLang="en-US"/>
+        </a:p>
+      </dgm:t>
+    </dgm:pt>
+    <dgm:pt modelId="{75C731B4-5D65-4819-B5D4-8222AD49C35B}">
+      <dgm:prSet phldrT="[文本]"/>
+      <dgm:spPr/>
+      <dgm:t>
+        <a:bodyPr/>
+        <a:lstStyle/>
+        <a:p>
+          <a:r>
+            <a:rPr lang="zh-CN" altLang="en-US" dirty="0"/>
+            <a:t>数据处理</a:t>
+          </a:r>
+        </a:p>
+      </dgm:t>
+    </dgm:pt>
+    <dgm:pt modelId="{6098BCD9-0D5D-4DC4-81A9-5E31475032F0}" type="parTrans" cxnId="{8F87914E-493B-4C6A-BC18-419A0F2D4E43}">
+      <dgm:prSet/>
+      <dgm:spPr/>
+      <dgm:t>
+        <a:bodyPr/>
+        <a:lstStyle/>
+        <a:p>
+          <a:endParaRPr lang="zh-CN" altLang="en-US"/>
+        </a:p>
+      </dgm:t>
+    </dgm:pt>
+    <dgm:pt modelId="{DA87D9A3-EC34-460A-8CBB-35691C4AFDFA}" type="sibTrans" cxnId="{8F87914E-493B-4C6A-BC18-419A0F2D4E43}">
+      <dgm:prSet/>
+      <dgm:spPr/>
+      <dgm:t>
+        <a:bodyPr/>
+        <a:lstStyle/>
+        <a:p>
+          <a:endParaRPr lang="zh-CN" altLang="en-US"/>
+        </a:p>
+      </dgm:t>
+    </dgm:pt>
+    <dgm:pt modelId="{D3609769-BB82-4F7B-B578-BA88596091C4}">
+      <dgm:prSet phldrT="[文本]"/>
+      <dgm:spPr/>
+      <dgm:t>
+        <a:bodyPr/>
+        <a:lstStyle/>
+        <a:p>
+          <a:r>
+            <a:rPr lang="zh-CN" altLang="en-US" dirty="0"/>
+            <a:t>基于 </a:t>
+          </a:r>
+          <a:r>
+            <a:rPr lang="en-US" altLang="zh-CN" dirty="0"/>
+            <a:t>CDTB</a:t>
+          </a:r>
+          <a:r>
+            <a:rPr lang="zh-CN" altLang="en-US" dirty="0"/>
+            <a:t>数据集</a:t>
+          </a:r>
+        </a:p>
+      </dgm:t>
+    </dgm:pt>
+    <dgm:pt modelId="{750D62AA-BDC8-4F1E-B249-DDD191B6FD82}" type="parTrans" cxnId="{225A7822-BD8A-4A3A-838A-9CC4D35C274F}">
+      <dgm:prSet/>
+      <dgm:spPr/>
+      <dgm:t>
+        <a:bodyPr/>
+        <a:lstStyle/>
+        <a:p>
+          <a:endParaRPr lang="zh-CN" altLang="en-US"/>
+        </a:p>
+      </dgm:t>
+    </dgm:pt>
+    <dgm:pt modelId="{A01BC0CD-A663-4391-9036-61DEFF7C17AD}" type="sibTrans" cxnId="{225A7822-BD8A-4A3A-838A-9CC4D35C274F}">
+      <dgm:prSet/>
+      <dgm:spPr/>
+      <dgm:t>
+        <a:bodyPr/>
+        <a:lstStyle/>
+        <a:p>
+          <a:endParaRPr lang="zh-CN" altLang="en-US"/>
+        </a:p>
+      </dgm:t>
+    </dgm:pt>
+    <dgm:pt modelId="{27D7BA21-7386-442F-845A-8DD6343BC7A9}">
+      <dgm:prSet phldrT="[文本]"/>
+      <dgm:spPr/>
+      <dgm:t>
+        <a:bodyPr/>
+        <a:lstStyle/>
+        <a:p>
+          <a:r>
+            <a:rPr lang="zh-CN" altLang="en-US" dirty="0"/>
+            <a:t>技术框架</a:t>
+          </a:r>
+        </a:p>
+      </dgm:t>
+    </dgm:pt>
+    <dgm:pt modelId="{C802E7F4-DF02-4C81-A95B-3CE503447D8C}" type="parTrans" cxnId="{834EDB58-482F-4DDB-8E90-1F510EC7709E}">
+      <dgm:prSet/>
+      <dgm:spPr/>
+      <dgm:t>
+        <a:bodyPr/>
+        <a:lstStyle/>
+        <a:p>
+          <a:endParaRPr lang="zh-CN" altLang="en-US"/>
+        </a:p>
+      </dgm:t>
+    </dgm:pt>
+    <dgm:pt modelId="{D4D82CF3-CAAE-4A7C-88DD-2722830E0576}" type="sibTrans" cxnId="{834EDB58-482F-4DDB-8E90-1F510EC7709E}">
+      <dgm:prSet/>
+      <dgm:spPr/>
+      <dgm:t>
+        <a:bodyPr/>
+        <a:lstStyle/>
+        <a:p>
+          <a:endParaRPr lang="zh-CN" altLang="en-US"/>
+        </a:p>
+      </dgm:t>
+    </dgm:pt>
+    <dgm:pt modelId="{CEEE09D3-FC96-4CAA-9D36-EFA2ADD3B678}">
+      <dgm:prSet phldrT="[文本]"/>
+      <dgm:spPr/>
+      <dgm:t>
+        <a:bodyPr/>
+        <a:lstStyle/>
+        <a:p>
+          <a:r>
+            <a:rPr lang="en-US" altLang="zh-CN" dirty="0" err="1"/>
+            <a:t>MindNLP</a:t>
+          </a:r>
+          <a:endParaRPr lang="zh-CN" altLang="en-US" dirty="0"/>
+        </a:p>
+      </dgm:t>
+    </dgm:pt>
+    <dgm:pt modelId="{4C98B863-963F-499A-8AAC-59273FEAF99A}" type="parTrans" cxnId="{86B23B90-A5D4-4F2C-A7D1-E3E0EAB5C5DD}">
+      <dgm:prSet/>
+      <dgm:spPr/>
+      <dgm:t>
+        <a:bodyPr/>
+        <a:lstStyle/>
+        <a:p>
+          <a:endParaRPr lang="zh-CN" altLang="en-US"/>
+        </a:p>
+      </dgm:t>
+    </dgm:pt>
+    <dgm:pt modelId="{44A798E7-6AF1-408C-A7C1-02E1B8BD4818}" type="sibTrans" cxnId="{86B23B90-A5D4-4F2C-A7D1-E3E0EAB5C5DD}">
+      <dgm:prSet/>
+      <dgm:spPr/>
+      <dgm:t>
+        <a:bodyPr/>
+        <a:lstStyle/>
+        <a:p>
+          <a:endParaRPr lang="zh-CN" altLang="en-US"/>
+        </a:p>
+      </dgm:t>
+    </dgm:pt>
+    <dgm:pt modelId="{BA517F88-A093-41EC-AE10-005E0022682E}">
+      <dgm:prSet phldrT="[文本]"/>
+      <dgm:spPr/>
+      <dgm:t>
+        <a:bodyPr/>
+        <a:lstStyle/>
+        <a:p>
+          <a:r>
+            <a:rPr lang="en-US" altLang="zh-CN" dirty="0" err="1"/>
+            <a:t>MindSpore</a:t>
+          </a:r>
+          <a:r>
+            <a:rPr lang="zh-CN" altLang="en-US" dirty="0"/>
+            <a:t>等</a:t>
+          </a:r>
+        </a:p>
+      </dgm:t>
+    </dgm:pt>
+    <dgm:pt modelId="{5BDFC59F-4B60-4D81-99D0-35C0BDC944DC}" type="parTrans" cxnId="{FA2174F3-20B2-4330-83F4-4E81D82C64F5}">
+      <dgm:prSet/>
+      <dgm:spPr/>
+      <dgm:t>
+        <a:bodyPr/>
+        <a:lstStyle/>
+        <a:p>
+          <a:endParaRPr lang="zh-CN" altLang="en-US"/>
+        </a:p>
+      </dgm:t>
+    </dgm:pt>
+    <dgm:pt modelId="{21A91DA7-E5D9-4077-A44F-F72EFBEBB6A9}" type="sibTrans" cxnId="{FA2174F3-20B2-4330-83F4-4E81D82C64F5}">
+      <dgm:prSet/>
+      <dgm:spPr/>
+      <dgm:t>
+        <a:bodyPr/>
+        <a:lstStyle/>
+        <a:p>
+          <a:endParaRPr lang="zh-CN" altLang="en-US"/>
+        </a:p>
+      </dgm:t>
+    </dgm:pt>
+    <dgm:pt modelId="{644912B2-1AAF-438F-A337-159C762ABA36}">
+      <dgm:prSet phldrT="[文本]"/>
+      <dgm:spPr/>
+      <dgm:t>
+        <a:bodyPr/>
+        <a:lstStyle/>
+        <a:p>
+          <a:r>
+            <a:rPr lang="zh-CN" altLang="en-US" dirty="0"/>
+            <a:t>核心技术</a:t>
+          </a:r>
+        </a:p>
+      </dgm:t>
+    </dgm:pt>
+    <dgm:pt modelId="{4695AFF6-0561-48A8-9EEA-EE7439EEE65A}" type="sibTrans" cxnId="{50174111-EB22-4BFF-8B47-DAD917A81F84}">
+      <dgm:prSet/>
+      <dgm:spPr/>
+      <dgm:t>
+        <a:bodyPr/>
+        <a:lstStyle/>
+        <a:p>
+          <a:endParaRPr lang="zh-CN" altLang="en-US"/>
+        </a:p>
+      </dgm:t>
+    </dgm:pt>
+    <dgm:pt modelId="{BDFDE297-AFE9-4F14-BC14-74605D273145}" type="parTrans" cxnId="{50174111-EB22-4BFF-8B47-DAD917A81F84}">
+      <dgm:prSet/>
+      <dgm:spPr/>
+      <dgm:t>
+        <a:bodyPr/>
+        <a:lstStyle/>
+        <a:p>
+          <a:endParaRPr lang="zh-CN" altLang="en-US"/>
+        </a:p>
+      </dgm:t>
+    </dgm:pt>
+    <dgm:pt modelId="{E50C6D35-802A-4C01-BAD3-3C651A59762F}">
+      <dgm:prSet phldrT="[文本]"/>
+      <dgm:spPr/>
+      <dgm:t>
+        <a:bodyPr/>
+        <a:lstStyle/>
+        <a:p>
+          <a:r>
+            <a:rPr lang="en-US" altLang="zh-CN" dirty="0" err="1"/>
+            <a:t>LoRA</a:t>
+          </a:r>
+          <a:endParaRPr lang="zh-CN" altLang="en-US" dirty="0"/>
+        </a:p>
+      </dgm:t>
+    </dgm:pt>
+    <dgm:pt modelId="{70A207A2-C054-4DA8-AE6C-DB68B4674FC7}" type="parTrans" cxnId="{60BD0717-FE17-4E2E-BF44-302486EA78CE}">
+      <dgm:prSet/>
+      <dgm:spPr/>
+      <dgm:t>
+        <a:bodyPr/>
+        <a:lstStyle/>
+        <a:p>
+          <a:endParaRPr lang="zh-CN" altLang="en-US"/>
+        </a:p>
+      </dgm:t>
+    </dgm:pt>
+    <dgm:pt modelId="{9B0C7ADA-E752-4C0B-B01B-F3EFCFD837D1}" type="sibTrans" cxnId="{60BD0717-FE17-4E2E-BF44-302486EA78CE}">
+      <dgm:prSet/>
+      <dgm:spPr/>
+      <dgm:t>
+        <a:bodyPr/>
+        <a:lstStyle/>
+        <a:p>
+          <a:endParaRPr lang="zh-CN" altLang="en-US"/>
+        </a:p>
+      </dgm:t>
+    </dgm:pt>
+    <dgm:pt modelId="{CD66692A-2A3C-47CC-8073-1A9AC6ABCB42}" type="pres">
+      <dgm:prSet presAssocID="{D8EAC846-539B-444D-92D5-4C8BC5A5604C}" presName="rootnode" presStyleCnt="0">
+        <dgm:presLayoutVars>
+          <dgm:chMax/>
+          <dgm:chPref/>
+          <dgm:dir/>
+          <dgm:animLvl val="lvl"/>
+        </dgm:presLayoutVars>
+      </dgm:prSet>
+      <dgm:spPr/>
+    </dgm:pt>
+    <dgm:pt modelId="{7114C120-EB3B-4FE0-9390-65A4F13A0867}" type="pres">
+      <dgm:prSet presAssocID="{10DC651D-2FF9-45D1-8D12-C86FA5876D7E}" presName="composite" presStyleCnt="0"/>
+      <dgm:spPr/>
+    </dgm:pt>
+    <dgm:pt modelId="{07E4548A-0CFD-4C5D-B03B-43DD12B3C037}" type="pres">
+      <dgm:prSet presAssocID="{10DC651D-2FF9-45D1-8D12-C86FA5876D7E}" presName="bentUpArrow1" presStyleLbl="alignImgPlace1" presStyleIdx="0" presStyleCnt="3"/>
+      <dgm:spPr/>
+    </dgm:pt>
+    <dgm:pt modelId="{55789BE0-8B86-426F-96CD-249D3962FC8D}" type="pres">
+      <dgm:prSet presAssocID="{10DC651D-2FF9-45D1-8D12-C86FA5876D7E}" presName="ParentText" presStyleLbl="node1" presStyleIdx="0" presStyleCnt="4">
+        <dgm:presLayoutVars>
+          <dgm:chMax val="1"/>
+          <dgm:chPref val="1"/>
+          <dgm:bulletEnabled val="1"/>
+        </dgm:presLayoutVars>
+      </dgm:prSet>
+      <dgm:spPr/>
+    </dgm:pt>
+    <dgm:pt modelId="{E22DA1C7-AEC6-40A4-96E2-1908CA6E4247}" type="pres">
+      <dgm:prSet presAssocID="{10DC651D-2FF9-45D1-8D12-C86FA5876D7E}" presName="ChildText" presStyleLbl="revTx" presStyleIdx="0" presStyleCnt="4" custScaleX="412049" custLinFactX="54670" custLinFactNeighborX="100000" custLinFactNeighborY="650">
+        <dgm:presLayoutVars>
+          <dgm:chMax val="0"/>
+          <dgm:chPref val="0"/>
+          <dgm:bulletEnabled val="1"/>
+        </dgm:presLayoutVars>
+      </dgm:prSet>
+      <dgm:spPr/>
+    </dgm:pt>
+    <dgm:pt modelId="{DB7A99D5-D974-49C1-9F32-720416621413}" type="pres">
+      <dgm:prSet presAssocID="{7C1A6A42-3D8F-4EDF-B558-87BFD1D03345}" presName="sibTrans" presStyleCnt="0"/>
+      <dgm:spPr/>
+    </dgm:pt>
+    <dgm:pt modelId="{F2E3F2D1-3E0D-43EA-9DD2-B284C64926DD}" type="pres">
+      <dgm:prSet presAssocID="{75C731B4-5D65-4819-B5D4-8222AD49C35B}" presName="composite" presStyleCnt="0"/>
+      <dgm:spPr/>
+    </dgm:pt>
+    <dgm:pt modelId="{23933CAD-0A27-49D5-8437-281F8B60AEDC}" type="pres">
+      <dgm:prSet presAssocID="{75C731B4-5D65-4819-B5D4-8222AD49C35B}" presName="bentUpArrow1" presStyleLbl="alignImgPlace1" presStyleIdx="1" presStyleCnt="3" custLinFactNeighborX="-58712"/>
+      <dgm:spPr/>
+    </dgm:pt>
+    <dgm:pt modelId="{37ADF92E-E12A-4348-8297-96D96586E726}" type="pres">
+      <dgm:prSet presAssocID="{75C731B4-5D65-4819-B5D4-8222AD49C35B}" presName="ParentText" presStyleLbl="node1" presStyleIdx="1" presStyleCnt="4" custLinFactNeighborX="-39707">
+        <dgm:presLayoutVars>
+          <dgm:chMax val="1"/>
+          <dgm:chPref val="1"/>
+          <dgm:bulletEnabled val="1"/>
+        </dgm:presLayoutVars>
+      </dgm:prSet>
+      <dgm:spPr/>
+    </dgm:pt>
+    <dgm:pt modelId="{D461734E-48C7-4FFF-A7E2-5650157DCDB9}" type="pres">
+      <dgm:prSet presAssocID="{75C731B4-5D65-4819-B5D4-8222AD49C35B}" presName="ChildText" presStyleLbl="revTx" presStyleIdx="1" presStyleCnt="4" custScaleX="237558" custLinFactNeighborX="13183" custLinFactNeighborY="63">
+        <dgm:presLayoutVars>
+          <dgm:chMax val="0"/>
+          <dgm:chPref val="0"/>
+          <dgm:bulletEnabled val="1"/>
+        </dgm:presLayoutVars>
+      </dgm:prSet>
+      <dgm:spPr/>
+    </dgm:pt>
+    <dgm:pt modelId="{1E6BB1BE-3594-4745-9FDF-59B9AD2B7680}" type="pres">
+      <dgm:prSet presAssocID="{DA87D9A3-EC34-460A-8CBB-35691C4AFDFA}" presName="sibTrans" presStyleCnt="0"/>
+      <dgm:spPr/>
+    </dgm:pt>
+    <dgm:pt modelId="{EEFFAA02-BD8A-46FA-984F-6F512E3A8408}" type="pres">
+      <dgm:prSet presAssocID="{27D7BA21-7386-442F-845A-8DD6343BC7A9}" presName="composite" presStyleCnt="0"/>
+      <dgm:spPr/>
+    </dgm:pt>
+    <dgm:pt modelId="{748BD106-9506-45C6-8862-FF0F7DE51C85}" type="pres">
+      <dgm:prSet presAssocID="{27D7BA21-7386-442F-845A-8DD6343BC7A9}" presName="bentUpArrow1" presStyleLbl="alignImgPlace1" presStyleIdx="2" presStyleCnt="3" custLinFactX="-29756" custLinFactNeighborX="-100000"/>
+      <dgm:spPr/>
+    </dgm:pt>
+    <dgm:pt modelId="{D23D9D72-E93D-4181-BCCD-C55211E90337}" type="pres">
+      <dgm:prSet presAssocID="{27D7BA21-7386-442F-845A-8DD6343BC7A9}" presName="ParentText" presStyleLbl="node1" presStyleIdx="2" presStyleCnt="4" custLinFactNeighborX="-95016" custLinFactNeighborY="-1050">
+        <dgm:presLayoutVars>
+          <dgm:chMax val="1"/>
+          <dgm:chPref val="1"/>
+          <dgm:bulletEnabled val="1"/>
+        </dgm:presLayoutVars>
+      </dgm:prSet>
+      <dgm:spPr/>
+    </dgm:pt>
+    <dgm:pt modelId="{6D2E4789-78E8-4320-AB33-2BA23BFAF5B6}" type="pres">
+      <dgm:prSet presAssocID="{27D7BA21-7386-442F-845A-8DD6343BC7A9}" presName="ChildText" presStyleLbl="revTx" presStyleIdx="2" presStyleCnt="4" custScaleX="293184" custLinFactNeighborX="-36462" custLinFactNeighborY="0">
+        <dgm:presLayoutVars>
+          <dgm:chMax val="0"/>
+          <dgm:chPref val="0"/>
+          <dgm:bulletEnabled val="1"/>
+        </dgm:presLayoutVars>
+      </dgm:prSet>
+      <dgm:spPr/>
+    </dgm:pt>
+    <dgm:pt modelId="{78201BCE-C89A-4B68-BD6F-A1DD487D7888}" type="pres">
+      <dgm:prSet presAssocID="{D4D82CF3-CAAE-4A7C-88DD-2722830E0576}" presName="sibTrans" presStyleCnt="0"/>
+      <dgm:spPr/>
+    </dgm:pt>
+    <dgm:pt modelId="{6DF6A7F4-A3EF-4DF9-B697-46F1CDA72E45}" type="pres">
+      <dgm:prSet presAssocID="{644912B2-1AAF-438F-A337-159C762ABA36}" presName="composite" presStyleCnt="0"/>
+      <dgm:spPr/>
+    </dgm:pt>
+    <dgm:pt modelId="{49D891F7-694B-405F-A2B8-454571C9AD0C}" type="pres">
+      <dgm:prSet presAssocID="{644912B2-1AAF-438F-A337-159C762ABA36}" presName="ParentText" presStyleLbl="node1" presStyleIdx="3" presStyleCnt="4" custLinFactX="-47539" custLinFactNeighborX="-100000" custLinFactNeighborY="-689">
+        <dgm:presLayoutVars>
+          <dgm:chMax val="1"/>
+          <dgm:chPref val="1"/>
+          <dgm:bulletEnabled val="1"/>
+        </dgm:presLayoutVars>
+      </dgm:prSet>
+      <dgm:spPr/>
+    </dgm:pt>
+    <dgm:pt modelId="{C0E06407-B5B2-46C5-9489-B71B313D9527}" type="pres">
+      <dgm:prSet presAssocID="{644912B2-1AAF-438F-A337-159C762ABA36}" presName="FinalChildText" presStyleLbl="revTx" presStyleIdx="3" presStyleCnt="4" custLinFactX="-100000" custLinFactNeighborX="-102858" custLinFactNeighborY="-852">
+        <dgm:presLayoutVars>
+          <dgm:chMax val="0"/>
+          <dgm:chPref val="0"/>
+          <dgm:bulletEnabled val="1"/>
+        </dgm:presLayoutVars>
+      </dgm:prSet>
+      <dgm:spPr/>
+    </dgm:pt>
+  </dgm:ptLst>
+  <dgm:cxnLst>
+    <dgm:cxn modelId="{69D7F407-0614-4DB5-80B6-843F05E04179}" type="presOf" srcId="{D8EAC846-539B-444D-92D5-4C8BC5A5604C}" destId="{CD66692A-2A3C-47CC-8073-1A9AC6ABCB42}" srcOrd="0" destOrd="0" presId="urn:microsoft.com/office/officeart/2005/8/layout/StepDownProcess"/>
+    <dgm:cxn modelId="{EA86B908-AFB9-430A-A27E-2749D1FD3650}" type="presOf" srcId="{644912B2-1AAF-438F-A337-159C762ABA36}" destId="{49D891F7-694B-405F-A2B8-454571C9AD0C}" srcOrd="0" destOrd="0" presId="urn:microsoft.com/office/officeart/2005/8/layout/StepDownProcess"/>
+    <dgm:cxn modelId="{50174111-EB22-4BFF-8B47-DAD917A81F84}" srcId="{D8EAC846-539B-444D-92D5-4C8BC5A5604C}" destId="{644912B2-1AAF-438F-A337-159C762ABA36}" srcOrd="3" destOrd="0" parTransId="{BDFDE297-AFE9-4F14-BC14-74605D273145}" sibTransId="{4695AFF6-0561-48A8-9EEA-EE7439EEE65A}"/>
+    <dgm:cxn modelId="{60BD0717-FE17-4E2E-BF44-302486EA78CE}" srcId="{644912B2-1AAF-438F-A337-159C762ABA36}" destId="{E50C6D35-802A-4C01-BAD3-3C651A59762F}" srcOrd="0" destOrd="0" parTransId="{70A207A2-C054-4DA8-AE6C-DB68B4674FC7}" sibTransId="{9B0C7ADA-E752-4C0B-B01B-F3EFCFD837D1}"/>
+    <dgm:cxn modelId="{75FA041C-324B-4886-95EA-E960F9A3921D}" type="presOf" srcId="{BA517F88-A093-41EC-AE10-005E0022682E}" destId="{6D2E4789-78E8-4320-AB33-2BA23BFAF5B6}" srcOrd="0" destOrd="1" presId="urn:microsoft.com/office/officeart/2005/8/layout/StepDownProcess"/>
+    <dgm:cxn modelId="{65531F21-BAC6-4062-A54F-3600E40B711C}" type="presOf" srcId="{D3609769-BB82-4F7B-B578-BA88596091C4}" destId="{D461734E-48C7-4FFF-A7E2-5650157DCDB9}" srcOrd="0" destOrd="0" presId="urn:microsoft.com/office/officeart/2005/8/layout/StepDownProcess"/>
+    <dgm:cxn modelId="{225A7822-BD8A-4A3A-838A-9CC4D35C274F}" srcId="{75C731B4-5D65-4819-B5D4-8222AD49C35B}" destId="{D3609769-BB82-4F7B-B578-BA88596091C4}" srcOrd="0" destOrd="0" parTransId="{750D62AA-BDC8-4F1E-B249-DDD191B6FD82}" sibTransId="{A01BC0CD-A663-4391-9036-61DEFF7C17AD}"/>
+    <dgm:cxn modelId="{EE42A022-1D0A-4BF0-8AB7-28E5E5EBEADC}" type="presOf" srcId="{CEEE09D3-FC96-4CAA-9D36-EFA2ADD3B678}" destId="{6D2E4789-78E8-4320-AB33-2BA23BFAF5B6}" srcOrd="0" destOrd="0" presId="urn:microsoft.com/office/officeart/2005/8/layout/StepDownProcess"/>
+    <dgm:cxn modelId="{8F87914E-493B-4C6A-BC18-419A0F2D4E43}" srcId="{D8EAC846-539B-444D-92D5-4C8BC5A5604C}" destId="{75C731B4-5D65-4819-B5D4-8222AD49C35B}" srcOrd="1" destOrd="0" parTransId="{6098BCD9-0D5D-4DC4-81A9-5E31475032F0}" sibTransId="{DA87D9A3-EC34-460A-8CBB-35691C4AFDFA}"/>
+    <dgm:cxn modelId="{834EDB58-482F-4DDB-8E90-1F510EC7709E}" srcId="{D8EAC846-539B-444D-92D5-4C8BC5A5604C}" destId="{27D7BA21-7386-442F-845A-8DD6343BC7A9}" srcOrd="2" destOrd="0" parTransId="{C802E7F4-DF02-4C81-A95B-3CE503447D8C}" sibTransId="{D4D82CF3-CAAE-4A7C-88DD-2722830E0576}"/>
+    <dgm:cxn modelId="{BB099E7E-2118-4D3F-94D0-51E960B9A7B2}" srcId="{10DC651D-2FF9-45D1-8D12-C86FA5876D7E}" destId="{0189E691-7B6B-4A4E-BF89-EC8B98E0F7B1}" srcOrd="0" destOrd="0" parTransId="{4D72C042-DCB4-4482-AA84-602929169979}" sibTransId="{6433B90A-41AC-4887-A1D8-3DCC82717F3A}"/>
+    <dgm:cxn modelId="{86B23B90-A5D4-4F2C-A7D1-E3E0EAB5C5DD}" srcId="{27D7BA21-7386-442F-845A-8DD6343BC7A9}" destId="{CEEE09D3-FC96-4CAA-9D36-EFA2ADD3B678}" srcOrd="0" destOrd="0" parTransId="{4C98B863-963F-499A-8AAC-59273FEAF99A}" sibTransId="{44A798E7-6AF1-408C-A7C1-02E1B8BD4818}"/>
+    <dgm:cxn modelId="{8474C096-7B61-4D44-8F24-578BDDA99FC0}" type="presOf" srcId="{0189E691-7B6B-4A4E-BF89-EC8B98E0F7B1}" destId="{E22DA1C7-AEC6-40A4-96E2-1908CA6E4247}" srcOrd="0" destOrd="0" presId="urn:microsoft.com/office/officeart/2005/8/layout/StepDownProcess"/>
+    <dgm:cxn modelId="{CD76E6A7-7F6E-440C-98FF-F3DCC9C10DC3}" type="presOf" srcId="{E50C6D35-802A-4C01-BAD3-3C651A59762F}" destId="{C0E06407-B5B2-46C5-9489-B71B313D9527}" srcOrd="0" destOrd="0" presId="urn:microsoft.com/office/officeart/2005/8/layout/StepDownProcess"/>
+    <dgm:cxn modelId="{77067FB3-0422-4C0E-849C-5D57CA6AEF09}" srcId="{D8EAC846-539B-444D-92D5-4C8BC5A5604C}" destId="{10DC651D-2FF9-45D1-8D12-C86FA5876D7E}" srcOrd="0" destOrd="0" parTransId="{76F1BA64-BF7B-4472-8D89-999F16C87E32}" sibTransId="{7C1A6A42-3D8F-4EDF-B558-87BFD1D03345}"/>
+    <dgm:cxn modelId="{4EC912E8-C538-4C00-B440-6A97FF8E9776}" type="presOf" srcId="{27D7BA21-7386-442F-845A-8DD6343BC7A9}" destId="{D23D9D72-E93D-4181-BCCD-C55211E90337}" srcOrd="0" destOrd="0" presId="urn:microsoft.com/office/officeart/2005/8/layout/StepDownProcess"/>
+    <dgm:cxn modelId="{BD11F1E9-E046-4085-BFA4-4E5E079A6678}" type="presOf" srcId="{10DC651D-2FF9-45D1-8D12-C86FA5876D7E}" destId="{55789BE0-8B86-426F-96CD-249D3962FC8D}" srcOrd="0" destOrd="0" presId="urn:microsoft.com/office/officeart/2005/8/layout/StepDownProcess"/>
+    <dgm:cxn modelId="{FA2174F3-20B2-4330-83F4-4E81D82C64F5}" srcId="{27D7BA21-7386-442F-845A-8DD6343BC7A9}" destId="{BA517F88-A093-41EC-AE10-005E0022682E}" srcOrd="1" destOrd="0" parTransId="{5BDFC59F-4B60-4D81-99D0-35C0BDC944DC}" sibTransId="{21A91DA7-E5D9-4077-A44F-F72EFBEBB6A9}"/>
+    <dgm:cxn modelId="{310717F8-3912-4F87-BC7F-996DDBDBB4BD}" type="presOf" srcId="{75C731B4-5D65-4819-B5D4-8222AD49C35B}" destId="{37ADF92E-E12A-4348-8297-96D96586E726}" srcOrd="0" destOrd="0" presId="urn:microsoft.com/office/officeart/2005/8/layout/StepDownProcess"/>
+    <dgm:cxn modelId="{C34489E9-AA31-4AD5-ABC1-38DD386D09B7}" type="presParOf" srcId="{CD66692A-2A3C-47CC-8073-1A9AC6ABCB42}" destId="{7114C120-EB3B-4FE0-9390-65A4F13A0867}" srcOrd="0" destOrd="0" presId="urn:microsoft.com/office/officeart/2005/8/layout/StepDownProcess"/>
+    <dgm:cxn modelId="{24D12A1A-E899-4645-81C2-F7644AC2231B}" type="presParOf" srcId="{7114C120-EB3B-4FE0-9390-65A4F13A0867}" destId="{07E4548A-0CFD-4C5D-B03B-43DD12B3C037}" srcOrd="0" destOrd="0" presId="urn:microsoft.com/office/officeart/2005/8/layout/StepDownProcess"/>
+    <dgm:cxn modelId="{6CAE1EAE-9639-4428-96BC-063E5E777DE3}" type="presParOf" srcId="{7114C120-EB3B-4FE0-9390-65A4F13A0867}" destId="{55789BE0-8B86-426F-96CD-249D3962FC8D}" srcOrd="1" destOrd="0" presId="urn:microsoft.com/office/officeart/2005/8/layout/StepDownProcess"/>
+    <dgm:cxn modelId="{10E47320-C4BA-4E92-B9F0-7E68087A9F83}" type="presParOf" srcId="{7114C120-EB3B-4FE0-9390-65A4F13A0867}" destId="{E22DA1C7-AEC6-40A4-96E2-1908CA6E4247}" srcOrd="2" destOrd="0" presId="urn:microsoft.com/office/officeart/2005/8/layout/StepDownProcess"/>
+    <dgm:cxn modelId="{F3503257-0A0C-45F3-A740-E9605E909FFB}" type="presParOf" srcId="{CD66692A-2A3C-47CC-8073-1A9AC6ABCB42}" destId="{DB7A99D5-D974-49C1-9F32-720416621413}" srcOrd="1" destOrd="0" presId="urn:microsoft.com/office/officeart/2005/8/layout/StepDownProcess"/>
+    <dgm:cxn modelId="{081B7742-B971-4248-9DAA-395A17217D0B}" type="presParOf" srcId="{CD66692A-2A3C-47CC-8073-1A9AC6ABCB42}" destId="{F2E3F2D1-3E0D-43EA-9DD2-B284C64926DD}" srcOrd="2" destOrd="0" presId="urn:microsoft.com/office/officeart/2005/8/layout/StepDownProcess"/>
+    <dgm:cxn modelId="{2C79442D-ED7C-4AC6-B6E3-D57AD806B25A}" type="presParOf" srcId="{F2E3F2D1-3E0D-43EA-9DD2-B284C64926DD}" destId="{23933CAD-0A27-49D5-8437-281F8B60AEDC}" srcOrd="0" destOrd="0" presId="urn:microsoft.com/office/officeart/2005/8/layout/StepDownProcess"/>
+    <dgm:cxn modelId="{7B552CBA-5EAC-427D-9F76-A454ADB1D4B3}" type="presParOf" srcId="{F2E3F2D1-3E0D-43EA-9DD2-B284C64926DD}" destId="{37ADF92E-E12A-4348-8297-96D96586E726}" srcOrd="1" destOrd="0" presId="urn:microsoft.com/office/officeart/2005/8/layout/StepDownProcess"/>
+    <dgm:cxn modelId="{27C313CF-6567-439F-9BC0-2B56B8126E8B}" type="presParOf" srcId="{F2E3F2D1-3E0D-43EA-9DD2-B284C64926DD}" destId="{D461734E-48C7-4FFF-A7E2-5650157DCDB9}" srcOrd="2" destOrd="0" presId="urn:microsoft.com/office/officeart/2005/8/layout/StepDownProcess"/>
+    <dgm:cxn modelId="{524A484B-F39C-4576-B59C-97BC4DCE71F2}" type="presParOf" srcId="{CD66692A-2A3C-47CC-8073-1A9AC6ABCB42}" destId="{1E6BB1BE-3594-4745-9FDF-59B9AD2B7680}" srcOrd="3" destOrd="0" presId="urn:microsoft.com/office/officeart/2005/8/layout/StepDownProcess"/>
+    <dgm:cxn modelId="{29AEF51E-801B-46B3-9887-D7CA7CDBDD01}" type="presParOf" srcId="{CD66692A-2A3C-47CC-8073-1A9AC6ABCB42}" destId="{EEFFAA02-BD8A-46FA-984F-6F512E3A8408}" srcOrd="4" destOrd="0" presId="urn:microsoft.com/office/officeart/2005/8/layout/StepDownProcess"/>
+    <dgm:cxn modelId="{4306E505-D479-456B-BC6F-7CE2EC6F0186}" type="presParOf" srcId="{EEFFAA02-BD8A-46FA-984F-6F512E3A8408}" destId="{748BD106-9506-45C6-8862-FF0F7DE51C85}" srcOrd="0" destOrd="0" presId="urn:microsoft.com/office/officeart/2005/8/layout/StepDownProcess"/>
+    <dgm:cxn modelId="{B3922FC2-A835-4D3C-BD00-D20C39E6E972}" type="presParOf" srcId="{EEFFAA02-BD8A-46FA-984F-6F512E3A8408}" destId="{D23D9D72-E93D-4181-BCCD-C55211E90337}" srcOrd="1" destOrd="0" presId="urn:microsoft.com/office/officeart/2005/8/layout/StepDownProcess"/>
+    <dgm:cxn modelId="{60072F6B-88F1-4369-9B34-3F6E4387149F}" type="presParOf" srcId="{EEFFAA02-BD8A-46FA-984F-6F512E3A8408}" destId="{6D2E4789-78E8-4320-AB33-2BA23BFAF5B6}" srcOrd="2" destOrd="0" presId="urn:microsoft.com/office/officeart/2005/8/layout/StepDownProcess"/>
+    <dgm:cxn modelId="{9F72CDBC-4D8E-4FF6-AD08-84DEF71F4CA5}" type="presParOf" srcId="{CD66692A-2A3C-47CC-8073-1A9AC6ABCB42}" destId="{78201BCE-C89A-4B68-BD6F-A1DD487D7888}" srcOrd="5" destOrd="0" presId="urn:microsoft.com/office/officeart/2005/8/layout/StepDownProcess"/>
+    <dgm:cxn modelId="{F4D186CC-3859-4CFB-9728-B5A09A127099}" type="presParOf" srcId="{CD66692A-2A3C-47CC-8073-1A9AC6ABCB42}" destId="{6DF6A7F4-A3EF-4DF9-B697-46F1CDA72E45}" srcOrd="6" destOrd="0" presId="urn:microsoft.com/office/officeart/2005/8/layout/StepDownProcess"/>
+    <dgm:cxn modelId="{AD75D2CB-A9DA-45AC-A975-133F4A7D88FC}" type="presParOf" srcId="{6DF6A7F4-A3EF-4DF9-B697-46F1CDA72E45}" destId="{49D891F7-694B-405F-A2B8-454571C9AD0C}" srcOrd="0" destOrd="0" presId="urn:microsoft.com/office/officeart/2005/8/layout/StepDownProcess"/>
+    <dgm:cxn modelId="{54E7D98A-8DD4-4151-B3BF-2952FFAC4415}" type="presParOf" srcId="{6DF6A7F4-A3EF-4DF9-B697-46F1CDA72E45}" destId="{C0E06407-B5B2-46C5-9489-B71B313D9527}" srcOrd="1" destOrd="0" presId="urn:microsoft.com/office/officeart/2005/8/layout/StepDownProcess"/>
+  </dgm:cxnLst>
+  <dgm:bg/>
+  <dgm:whole/>
+  <dgm:extLst>
+    <a:ext uri="http://schemas.microsoft.com/office/drawing/2008/diagram">
+      <dsp:dataModelExt xmlns:dsp="http://schemas.microsoft.com/office/drawing/2008/diagram" relId="rId6" minVer="http://schemas.openxmlformats.org/drawingml/2006/diagram"/>
+    </a:ext>
+  </dgm:extLst>
+</dgm:dataModel>
+</file>
+
+<file path=ppt/diagrams/drawing1.xml><?xml version="1.0" encoding="utf-8"?>
+<dsp:drawing xmlns:dgm="http://schemas.openxmlformats.org/drawingml/2006/diagram" xmlns:dsp="http://schemas.microsoft.com/office/drawing/2008/diagram" xmlns:a="http://schemas.openxmlformats.org/drawingml/2006/main">
+  <dsp:spTree>
+    <dsp:nvGrpSpPr>
+      <dsp:cNvPr id="0" name=""/>
+      <dsp:cNvGrpSpPr/>
+    </dsp:nvGrpSpPr>
+    <dsp:grpSpPr/>
+    <dsp:sp modelId="{07E4548A-0CFD-4C5D-B03B-43DD12B3C037}">
+      <dsp:nvSpPr>
+        <dsp:cNvPr id="0" name=""/>
+        <dsp:cNvSpPr/>
+      </dsp:nvSpPr>
+      <dsp:spPr>
+        <a:xfrm rot="5400000">
+          <a:off x="393112" y="1537910"/>
+          <a:ext cx="798988" cy="909620"/>
+        </a:xfrm>
+        <a:prstGeom prst="bentUpArrow">
+          <a:avLst>
+            <a:gd name="adj1" fmla="val 32840"/>
+            <a:gd name="adj2" fmla="val 25000"/>
+            <a:gd name="adj3" fmla="val 35780"/>
+          </a:avLst>
+        </a:prstGeom>
+        <a:solidFill>
+          <a:schemeClr val="accent1">
+            <a:tint val="50000"/>
+            <a:hueOff val="0"/>
+            <a:satOff val="0"/>
+            <a:lumOff val="0"/>
+            <a:alphaOff val="0"/>
+          </a:schemeClr>
+        </a:solidFill>
+        <a:ln w="12700" cap="flat" cmpd="sng" algn="ctr">
+          <a:solidFill>
+            <a:schemeClr val="lt1">
+              <a:hueOff val="0"/>
+              <a:satOff val="0"/>
+              <a:lumOff val="0"/>
+              <a:alphaOff val="0"/>
+            </a:schemeClr>
+          </a:solidFill>
+          <a:prstDash val="solid"/>
+          <a:miter lim="800000"/>
+        </a:ln>
+        <a:effectLst/>
+      </dsp:spPr>
+      <dsp:style>
+        <a:lnRef idx="2">
+          <a:scrgbClr r="0" g="0" b="0"/>
+        </a:lnRef>
+        <a:fillRef idx="1">
+          <a:scrgbClr r="0" g="0" b="0"/>
+        </a:fillRef>
+        <a:effectRef idx="0">
+          <a:scrgbClr r="0" g="0" b="0"/>
+        </a:effectRef>
+        <a:fontRef idx="minor"/>
+      </dsp:style>
+    </dsp:sp>
+    <dsp:sp modelId="{55789BE0-8B86-426F-96CD-249D3962FC8D}">
+      <dsp:nvSpPr>
+        <dsp:cNvPr id="0" name=""/>
+        <dsp:cNvSpPr/>
+      </dsp:nvSpPr>
+      <dsp:spPr>
+        <a:xfrm>
+          <a:off x="181429" y="652215"/>
+          <a:ext cx="1345026" cy="941475"/>
+        </a:xfrm>
+        <a:prstGeom prst="roundRect">
+          <a:avLst>
+            <a:gd name="adj" fmla="val 16670"/>
+          </a:avLst>
+        </a:prstGeom>
+        <a:solidFill>
+          <a:schemeClr val="accent1">
+            <a:hueOff val="0"/>
+            <a:satOff val="0"/>
+            <a:lumOff val="0"/>
+            <a:alphaOff val="0"/>
+          </a:schemeClr>
+        </a:solidFill>
+        <a:ln w="12700" cap="flat" cmpd="sng" algn="ctr">
+          <a:solidFill>
+            <a:schemeClr val="lt1">
+              <a:hueOff val="0"/>
+              <a:satOff val="0"/>
+              <a:lumOff val="0"/>
+              <a:alphaOff val="0"/>
+            </a:schemeClr>
+          </a:solidFill>
+          <a:prstDash val="solid"/>
+          <a:miter lim="800000"/>
+        </a:ln>
+        <a:effectLst/>
+      </dsp:spPr>
+      <dsp:style>
+        <a:lnRef idx="2">
+          <a:scrgbClr r="0" g="0" b="0"/>
+        </a:lnRef>
+        <a:fillRef idx="1">
+          <a:scrgbClr r="0" g="0" b="0"/>
+        </a:fillRef>
+        <a:effectRef idx="0">
+          <a:scrgbClr r="0" g="0" b="0"/>
+        </a:effectRef>
+        <a:fontRef idx="minor">
+          <a:schemeClr val="lt1"/>
+        </a:fontRef>
+      </dsp:style>
+      <dsp:txBody>
+        <a:bodyPr spcFirstLastPara="0" vert="horz" wrap="square" lIns="80010" tIns="80010" rIns="80010" bIns="80010" numCol="1" spcCol="1270" anchor="ctr" anchorCtr="0">
+          <a:noAutofit/>
+        </a:bodyPr>
+        <a:lstStyle/>
+        <a:p>
+          <a:pPr marL="0" lvl="0" indent="0" algn="ctr" defTabSz="933450">
+            <a:lnSpc>
+              <a:spcPct val="90000"/>
+            </a:lnSpc>
+            <a:spcBef>
+              <a:spcPct val="0"/>
+            </a:spcBef>
+            <a:spcAft>
+              <a:spcPct val="35000"/>
+            </a:spcAft>
+            <a:buNone/>
+          </a:pPr>
+          <a:r>
+            <a:rPr lang="zh-CN" altLang="en-US" sz="2100" kern="1200" dirty="0"/>
+            <a:t>基础模型</a:t>
+          </a:r>
+        </a:p>
+      </dsp:txBody>
+      <dsp:txXfrm>
+        <a:off x="227396" y="698182"/>
+        <a:ext cx="1253092" cy="849541"/>
+      </dsp:txXfrm>
+    </dsp:sp>
+    <dsp:sp modelId="{E22DA1C7-AEC6-40A4-96E2-1908CA6E4247}">
+      <dsp:nvSpPr>
+        <dsp:cNvPr id="0" name=""/>
+        <dsp:cNvSpPr/>
+      </dsp:nvSpPr>
+      <dsp:spPr>
+        <a:xfrm>
+          <a:off x="1513205" y="746952"/>
+          <a:ext cx="4030845" cy="760941"/>
+        </a:xfrm>
+        <a:prstGeom prst="rect">
+          <a:avLst/>
+        </a:prstGeom>
+        <a:noFill/>
+        <a:ln>
+          <a:noFill/>
+        </a:ln>
+        <a:effectLst/>
+      </dsp:spPr>
+      <dsp:style>
+        <a:lnRef idx="0">
+          <a:scrgbClr r="0" g="0" b="0"/>
+        </a:lnRef>
+        <a:fillRef idx="0">
+          <a:scrgbClr r="0" g="0" b="0"/>
+        </a:fillRef>
+        <a:effectRef idx="0">
+          <a:scrgbClr r="0" g="0" b="0"/>
+        </a:effectRef>
+        <a:fontRef idx="minor"/>
+      </dsp:style>
+      <dsp:txBody>
+        <a:bodyPr spcFirstLastPara="0" vert="horz" wrap="square" lIns="80010" tIns="80010" rIns="80010" bIns="80010" numCol="1" spcCol="1270" anchor="ctr" anchorCtr="0">
+          <a:noAutofit/>
+        </a:bodyPr>
+        <a:lstStyle/>
+        <a:p>
+          <a:pPr marL="171450" lvl="1" indent="-171450" algn="l" defTabSz="711200">
+            <a:lnSpc>
+              <a:spcPct val="90000"/>
+            </a:lnSpc>
+            <a:spcBef>
+              <a:spcPct val="0"/>
+            </a:spcBef>
+            <a:spcAft>
+              <a:spcPct val="15000"/>
+            </a:spcAft>
+            <a:buChar char="•"/>
+          </a:pPr>
+          <a:r>
+            <a:rPr lang="en-US" altLang="en-US" sz="1600" kern="1200" dirty="0"/>
+            <a:t>DeepSeek-R1-Distill-Qwen-1.5B</a:t>
+          </a:r>
+          <a:endParaRPr lang="zh-CN" altLang="en-US" sz="1600" kern="1200" dirty="0"/>
+        </a:p>
+      </dsp:txBody>
+      <dsp:txXfrm>
+        <a:off x="1513205" y="746952"/>
+        <a:ext cx="4030845" cy="760941"/>
+      </dsp:txXfrm>
+    </dsp:sp>
+    <dsp:sp modelId="{23933CAD-0A27-49D5-8437-281F8B60AEDC}">
+      <dsp:nvSpPr>
+        <dsp:cNvPr id="0" name=""/>
+        <dsp:cNvSpPr/>
+      </dsp:nvSpPr>
+      <dsp:spPr>
+        <a:xfrm rot="5400000">
+          <a:off x="1612588" y="2595497"/>
+          <a:ext cx="798988" cy="909620"/>
+        </a:xfrm>
+        <a:prstGeom prst="bentUpArrow">
+          <a:avLst>
+            <a:gd name="adj1" fmla="val 32840"/>
+            <a:gd name="adj2" fmla="val 25000"/>
+            <a:gd name="adj3" fmla="val 35780"/>
+          </a:avLst>
+        </a:prstGeom>
+        <a:solidFill>
+          <a:schemeClr val="accent1">
+            <a:tint val="50000"/>
+            <a:hueOff val="0"/>
+            <a:satOff val="0"/>
+            <a:lumOff val="0"/>
+            <a:alphaOff val="0"/>
+          </a:schemeClr>
+        </a:solidFill>
+        <a:ln w="12700" cap="flat" cmpd="sng" algn="ctr">
+          <a:solidFill>
+            <a:schemeClr val="lt1">
+              <a:hueOff val="0"/>
+              <a:satOff val="0"/>
+              <a:lumOff val="0"/>
+              <a:alphaOff val="0"/>
+            </a:schemeClr>
+          </a:solidFill>
+          <a:prstDash val="solid"/>
+          <a:miter lim="800000"/>
+        </a:ln>
+        <a:effectLst/>
+      </dsp:spPr>
+      <dsp:style>
+        <a:lnRef idx="2">
+          <a:scrgbClr r="0" g="0" b="0"/>
+        </a:lnRef>
+        <a:fillRef idx="1">
+          <a:scrgbClr r="0" g="0" b="0"/>
+        </a:fillRef>
+        <a:effectRef idx="0">
+          <a:scrgbClr r="0" g="0" b="0"/>
+        </a:effectRef>
+        <a:fontRef idx="minor"/>
+      </dsp:style>
+    </dsp:sp>
+    <dsp:sp modelId="{37ADF92E-E12A-4348-8297-96D96586E726}">
+      <dsp:nvSpPr>
+        <dsp:cNvPr id="0" name=""/>
+        <dsp:cNvSpPr/>
+      </dsp:nvSpPr>
+      <dsp:spPr>
+        <a:xfrm>
+          <a:off x="1400891" y="1709802"/>
+          <a:ext cx="1345026" cy="941475"/>
+        </a:xfrm>
+        <a:prstGeom prst="roundRect">
+          <a:avLst>
+            <a:gd name="adj" fmla="val 16670"/>
+          </a:avLst>
+        </a:prstGeom>
+        <a:solidFill>
+          <a:schemeClr val="accent1">
+            <a:hueOff val="0"/>
+            <a:satOff val="0"/>
+            <a:lumOff val="0"/>
+            <a:alphaOff val="0"/>
+          </a:schemeClr>
+        </a:solidFill>
+        <a:ln w="12700" cap="flat" cmpd="sng" algn="ctr">
+          <a:solidFill>
+            <a:schemeClr val="lt1">
+              <a:hueOff val="0"/>
+              <a:satOff val="0"/>
+              <a:lumOff val="0"/>
+              <a:alphaOff val="0"/>
+            </a:schemeClr>
+          </a:solidFill>
+          <a:prstDash val="solid"/>
+          <a:miter lim="800000"/>
+        </a:ln>
+        <a:effectLst/>
+      </dsp:spPr>
+      <dsp:style>
+        <a:lnRef idx="2">
+          <a:scrgbClr r="0" g="0" b="0"/>
+        </a:lnRef>
+        <a:fillRef idx="1">
+          <a:scrgbClr r="0" g="0" b="0"/>
+        </a:fillRef>
+        <a:effectRef idx="0">
+          <a:scrgbClr r="0" g="0" b="0"/>
+        </a:effectRef>
+        <a:fontRef idx="minor">
+          <a:schemeClr val="lt1"/>
+        </a:fontRef>
+      </dsp:style>
+      <dsp:txBody>
+        <a:bodyPr spcFirstLastPara="0" vert="horz" wrap="square" lIns="80010" tIns="80010" rIns="80010" bIns="80010" numCol="1" spcCol="1270" anchor="ctr" anchorCtr="0">
+          <a:noAutofit/>
+        </a:bodyPr>
+        <a:lstStyle/>
+        <a:p>
+          <a:pPr marL="0" lvl="0" indent="0" algn="ctr" defTabSz="933450">
+            <a:lnSpc>
+              <a:spcPct val="90000"/>
+            </a:lnSpc>
+            <a:spcBef>
+              <a:spcPct val="0"/>
+            </a:spcBef>
+            <a:spcAft>
+              <a:spcPct val="35000"/>
+            </a:spcAft>
+            <a:buNone/>
+          </a:pPr>
+          <a:r>
+            <a:rPr lang="zh-CN" altLang="en-US" sz="2100" kern="1200" dirty="0"/>
+            <a:t>数据处理</a:t>
+          </a:r>
+        </a:p>
+      </dsp:txBody>
+      <dsp:txXfrm>
+        <a:off x="1446858" y="1755769"/>
+        <a:ext cx="1253092" cy="849541"/>
+      </dsp:txXfrm>
+    </dsp:sp>
+    <dsp:sp modelId="{D461734E-48C7-4FFF-A7E2-5650157DCDB9}">
+      <dsp:nvSpPr>
+        <dsp:cNvPr id="0" name=""/>
+        <dsp:cNvSpPr/>
+      </dsp:nvSpPr>
+      <dsp:spPr>
+        <a:xfrm>
+          <a:off x="2736123" y="1800072"/>
+          <a:ext cx="2323897" cy="760941"/>
+        </a:xfrm>
+        <a:prstGeom prst="rect">
+          <a:avLst/>
+        </a:prstGeom>
+        <a:noFill/>
+        <a:ln>
+          <a:noFill/>
+        </a:ln>
+        <a:effectLst/>
+      </dsp:spPr>
+      <dsp:style>
+        <a:lnRef idx="0">
+          <a:scrgbClr r="0" g="0" b="0"/>
+        </a:lnRef>
+        <a:fillRef idx="0">
+          <a:scrgbClr r="0" g="0" b="0"/>
+        </a:fillRef>
+        <a:effectRef idx="0">
+          <a:scrgbClr r="0" g="0" b="0"/>
+        </a:effectRef>
+        <a:fontRef idx="minor"/>
+      </dsp:style>
+      <dsp:txBody>
+        <a:bodyPr spcFirstLastPara="0" vert="horz" wrap="square" lIns="80010" tIns="80010" rIns="80010" bIns="80010" numCol="1" spcCol="1270" anchor="ctr" anchorCtr="0">
+          <a:noAutofit/>
+        </a:bodyPr>
+        <a:lstStyle/>
+        <a:p>
+          <a:pPr marL="171450" lvl="1" indent="-171450" algn="l" defTabSz="711200">
+            <a:lnSpc>
+              <a:spcPct val="90000"/>
+            </a:lnSpc>
+            <a:spcBef>
+              <a:spcPct val="0"/>
+            </a:spcBef>
+            <a:spcAft>
+              <a:spcPct val="15000"/>
+            </a:spcAft>
+            <a:buChar char="•"/>
+          </a:pPr>
+          <a:r>
+            <a:rPr lang="zh-CN" altLang="en-US" sz="1600" kern="1200" dirty="0"/>
+            <a:t>基于 </a:t>
+          </a:r>
+          <a:r>
+            <a:rPr lang="en-US" altLang="zh-CN" sz="1600" kern="1200" dirty="0"/>
+            <a:t>CDTB</a:t>
+          </a:r>
+          <a:r>
+            <a:rPr lang="zh-CN" altLang="en-US" sz="1600" kern="1200" dirty="0"/>
+            <a:t>数据集</a:t>
+          </a:r>
+        </a:p>
+      </dsp:txBody>
+      <dsp:txXfrm>
+        <a:off x="2736123" y="1800072"/>
+        <a:ext cx="2323897" cy="760941"/>
+      </dsp:txXfrm>
+    </dsp:sp>
+    <dsp:sp modelId="{748BD106-9506-45C6-8862-FF0F7DE51C85}">
+      <dsp:nvSpPr>
+        <dsp:cNvPr id="0" name=""/>
+        <dsp:cNvSpPr/>
+      </dsp:nvSpPr>
+      <dsp:spPr>
+        <a:xfrm rot="5400000">
+          <a:off x="2901163" y="3653084"/>
+          <a:ext cx="798988" cy="909620"/>
+        </a:xfrm>
+        <a:prstGeom prst="bentUpArrow">
+          <a:avLst>
+            <a:gd name="adj1" fmla="val 32840"/>
+            <a:gd name="adj2" fmla="val 25000"/>
+            <a:gd name="adj3" fmla="val 35780"/>
+          </a:avLst>
+        </a:prstGeom>
+        <a:solidFill>
+          <a:schemeClr val="accent1">
+            <a:tint val="50000"/>
+            <a:hueOff val="0"/>
+            <a:satOff val="0"/>
+            <a:lumOff val="0"/>
+            <a:alphaOff val="0"/>
+          </a:schemeClr>
+        </a:solidFill>
+        <a:ln w="12700" cap="flat" cmpd="sng" algn="ctr">
+          <a:solidFill>
+            <a:schemeClr val="lt1">
+              <a:hueOff val="0"/>
+              <a:satOff val="0"/>
+              <a:lumOff val="0"/>
+              <a:alphaOff val="0"/>
+            </a:schemeClr>
+          </a:solidFill>
+          <a:prstDash val="solid"/>
+          <a:miter lim="800000"/>
+        </a:ln>
+        <a:effectLst/>
+      </dsp:spPr>
+      <dsp:style>
+        <a:lnRef idx="2">
+          <a:scrgbClr r="0" g="0" b="0"/>
+        </a:lnRef>
+        <a:fillRef idx="1">
+          <a:scrgbClr r="0" g="0" b="0"/>
+        </a:fillRef>
+        <a:effectRef idx="0">
+          <a:scrgbClr r="0" g="0" b="0"/>
+        </a:effectRef>
+        <a:fontRef idx="minor"/>
+      </dsp:style>
+    </dsp:sp>
+    <dsp:sp modelId="{D23D9D72-E93D-4181-BCCD-C55211E90337}">
+      <dsp:nvSpPr>
+        <dsp:cNvPr id="0" name=""/>
+        <dsp:cNvSpPr/>
+      </dsp:nvSpPr>
+      <dsp:spPr>
+        <a:xfrm>
+          <a:off x="2591776" y="2757504"/>
+          <a:ext cx="1345026" cy="941475"/>
+        </a:xfrm>
+        <a:prstGeom prst="roundRect">
+          <a:avLst>
+            <a:gd name="adj" fmla="val 16670"/>
+          </a:avLst>
+        </a:prstGeom>
+        <a:solidFill>
+          <a:schemeClr val="accent1">
+            <a:hueOff val="0"/>
+            <a:satOff val="0"/>
+            <a:lumOff val="0"/>
+            <a:alphaOff val="0"/>
+          </a:schemeClr>
+        </a:solidFill>
+        <a:ln w="12700" cap="flat" cmpd="sng" algn="ctr">
+          <a:solidFill>
+            <a:schemeClr val="lt1">
+              <a:hueOff val="0"/>
+              <a:satOff val="0"/>
+              <a:lumOff val="0"/>
+              <a:alphaOff val="0"/>
+            </a:schemeClr>
+          </a:solidFill>
+          <a:prstDash val="solid"/>
+          <a:miter lim="800000"/>
+        </a:ln>
+        <a:effectLst/>
+      </dsp:spPr>
+      <dsp:style>
+        <a:lnRef idx="2">
+          <a:scrgbClr r="0" g="0" b="0"/>
+        </a:lnRef>
+        <a:fillRef idx="1">
+          <a:scrgbClr r="0" g="0" b="0"/>
+        </a:fillRef>
+        <a:effectRef idx="0">
+          <a:scrgbClr r="0" g="0" b="0"/>
+        </a:effectRef>
+        <a:fontRef idx="minor">
+          <a:schemeClr val="lt1"/>
+        </a:fontRef>
+      </dsp:style>
+      <dsp:txBody>
+        <a:bodyPr spcFirstLastPara="0" vert="horz" wrap="square" lIns="80010" tIns="80010" rIns="80010" bIns="80010" numCol="1" spcCol="1270" anchor="ctr" anchorCtr="0">
+          <a:noAutofit/>
+        </a:bodyPr>
+        <a:lstStyle/>
+        <a:p>
+          <a:pPr marL="0" lvl="0" indent="0" algn="ctr" defTabSz="933450">
+            <a:lnSpc>
+              <a:spcPct val="90000"/>
+            </a:lnSpc>
+            <a:spcBef>
+              <a:spcPct val="0"/>
+            </a:spcBef>
+            <a:spcAft>
+              <a:spcPct val="35000"/>
+            </a:spcAft>
+            <a:buNone/>
+          </a:pPr>
+          <a:r>
+            <a:rPr lang="zh-CN" altLang="en-US" sz="2100" kern="1200" dirty="0"/>
+            <a:t>技术框架</a:t>
+          </a:r>
+        </a:p>
+      </dsp:txBody>
+      <dsp:txXfrm>
+        <a:off x="2637743" y="2803471"/>
+        <a:ext cx="1253092" cy="849541"/>
+      </dsp:txXfrm>
+    </dsp:sp>
+    <dsp:sp modelId="{6D2E4789-78E8-4320-AB33-2BA23BFAF5B6}">
+      <dsp:nvSpPr>
+        <dsp:cNvPr id="0" name=""/>
+        <dsp:cNvSpPr/>
+      </dsp:nvSpPr>
+      <dsp:spPr>
+        <a:xfrm>
+          <a:off x="3913201" y="2857180"/>
+          <a:ext cx="2868055" cy="760941"/>
+        </a:xfrm>
+        <a:prstGeom prst="rect">
+          <a:avLst/>
+        </a:prstGeom>
+        <a:noFill/>
+        <a:ln>
+          <a:noFill/>
+        </a:ln>
+        <a:effectLst/>
+      </dsp:spPr>
+      <dsp:style>
+        <a:lnRef idx="0">
+          <a:scrgbClr r="0" g="0" b="0"/>
+        </a:lnRef>
+        <a:fillRef idx="0">
+          <a:scrgbClr r="0" g="0" b="0"/>
+        </a:fillRef>
+        <a:effectRef idx="0">
+          <a:scrgbClr r="0" g="0" b="0"/>
+        </a:effectRef>
+        <a:fontRef idx="minor"/>
+      </dsp:style>
+      <dsp:txBody>
+        <a:bodyPr spcFirstLastPara="0" vert="horz" wrap="square" lIns="80010" tIns="80010" rIns="80010" bIns="80010" numCol="1" spcCol="1270" anchor="ctr" anchorCtr="0">
+          <a:noAutofit/>
+        </a:bodyPr>
+        <a:lstStyle/>
+        <a:p>
+          <a:pPr marL="171450" lvl="1" indent="-171450" algn="l" defTabSz="711200">
+            <a:lnSpc>
+              <a:spcPct val="90000"/>
+            </a:lnSpc>
+            <a:spcBef>
+              <a:spcPct val="0"/>
+            </a:spcBef>
+            <a:spcAft>
+              <a:spcPct val="15000"/>
+            </a:spcAft>
+            <a:buChar char="•"/>
+          </a:pPr>
+          <a:r>
+            <a:rPr lang="en-US" altLang="zh-CN" sz="1600" kern="1200" dirty="0" err="1"/>
+            <a:t>MindNLP</a:t>
+          </a:r>
+          <a:endParaRPr lang="zh-CN" altLang="en-US" sz="1600" kern="1200" dirty="0"/>
+        </a:p>
+        <a:p>
+          <a:pPr marL="171450" lvl="1" indent="-171450" algn="l" defTabSz="711200">
+            <a:lnSpc>
+              <a:spcPct val="90000"/>
+            </a:lnSpc>
+            <a:spcBef>
+              <a:spcPct val="0"/>
+            </a:spcBef>
+            <a:spcAft>
+              <a:spcPct val="15000"/>
+            </a:spcAft>
+            <a:buChar char="•"/>
+          </a:pPr>
+          <a:r>
+            <a:rPr lang="en-US" altLang="zh-CN" sz="1600" kern="1200" dirty="0" err="1"/>
+            <a:t>MindSpore</a:t>
+          </a:r>
+          <a:r>
+            <a:rPr lang="zh-CN" altLang="en-US" sz="1600" kern="1200" dirty="0"/>
+            <a:t>等</a:t>
+          </a:r>
+        </a:p>
+      </dsp:txBody>
+      <dsp:txXfrm>
+        <a:off x="3913201" y="2857180"/>
+        <a:ext cx="2868055" cy="760941"/>
+      </dsp:txXfrm>
+    </dsp:sp>
+    <dsp:sp modelId="{49D891F7-694B-405F-A2B8-454571C9AD0C}">
+      <dsp:nvSpPr>
+        <dsp:cNvPr id="0" name=""/>
+        <dsp:cNvSpPr/>
+      </dsp:nvSpPr>
+      <dsp:spPr>
+        <a:xfrm>
+          <a:off x="3820134" y="3818490"/>
+          <a:ext cx="1345026" cy="941475"/>
+        </a:xfrm>
+        <a:prstGeom prst="roundRect">
+          <a:avLst>
+            <a:gd name="adj" fmla="val 16670"/>
+          </a:avLst>
+        </a:prstGeom>
+        <a:solidFill>
+          <a:schemeClr val="accent1">
+            <a:hueOff val="0"/>
+            <a:satOff val="0"/>
+            <a:lumOff val="0"/>
+            <a:alphaOff val="0"/>
+          </a:schemeClr>
+        </a:solidFill>
+        <a:ln w="12700" cap="flat" cmpd="sng" algn="ctr">
+          <a:solidFill>
+            <a:schemeClr val="lt1">
+              <a:hueOff val="0"/>
+              <a:satOff val="0"/>
+              <a:lumOff val="0"/>
+              <a:alphaOff val="0"/>
+            </a:schemeClr>
+          </a:solidFill>
+          <a:prstDash val="solid"/>
+          <a:miter lim="800000"/>
+        </a:ln>
+        <a:effectLst/>
+      </dsp:spPr>
+      <dsp:style>
+        <a:lnRef idx="2">
+          <a:scrgbClr r="0" g="0" b="0"/>
+        </a:lnRef>
+        <a:fillRef idx="1">
+          <a:scrgbClr r="0" g="0" b="0"/>
+        </a:fillRef>
+        <a:effectRef idx="0">
+          <a:scrgbClr r="0" g="0" b="0"/>
+        </a:effectRef>
+        <a:fontRef idx="minor">
+          <a:schemeClr val="lt1"/>
+        </a:fontRef>
+      </dsp:style>
+      <dsp:txBody>
+        <a:bodyPr spcFirstLastPara="0" vert="horz" wrap="square" lIns="80010" tIns="80010" rIns="80010" bIns="80010" numCol="1" spcCol="1270" anchor="ctr" anchorCtr="0">
+          <a:noAutofit/>
+        </a:bodyPr>
+        <a:lstStyle/>
+        <a:p>
+          <a:pPr marL="0" lvl="0" indent="0" algn="ctr" defTabSz="933450">
+            <a:lnSpc>
+              <a:spcPct val="90000"/>
+            </a:lnSpc>
+            <a:spcBef>
+              <a:spcPct val="0"/>
+            </a:spcBef>
+            <a:spcAft>
+              <a:spcPct val="35000"/>
+            </a:spcAft>
+            <a:buNone/>
+          </a:pPr>
+          <a:r>
+            <a:rPr lang="zh-CN" altLang="en-US" sz="2100" kern="1200" dirty="0"/>
+            <a:t>核心技术</a:t>
+          </a:r>
+        </a:p>
+      </dsp:txBody>
+      <dsp:txXfrm>
+        <a:off x="3866101" y="3864457"/>
+        <a:ext cx="1253092" cy="849541"/>
+      </dsp:txXfrm>
+    </dsp:sp>
+    <dsp:sp modelId="{C0E06407-B5B2-46C5-9489-B71B313D9527}">
+      <dsp:nvSpPr>
+        <dsp:cNvPr id="0" name=""/>
+        <dsp:cNvSpPr/>
+      </dsp:nvSpPr>
+      <dsp:spPr>
+        <a:xfrm>
+          <a:off x="5165153" y="3908284"/>
+          <a:ext cx="978244" cy="760941"/>
+        </a:xfrm>
+        <a:prstGeom prst="rect">
+          <a:avLst/>
+        </a:prstGeom>
+        <a:noFill/>
+        <a:ln>
+          <a:noFill/>
+        </a:ln>
+        <a:effectLst/>
+      </dsp:spPr>
+      <dsp:style>
+        <a:lnRef idx="0">
+          <a:scrgbClr r="0" g="0" b="0"/>
+        </a:lnRef>
+        <a:fillRef idx="0">
+          <a:scrgbClr r="0" g="0" b="0"/>
+        </a:fillRef>
+        <a:effectRef idx="0">
+          <a:scrgbClr r="0" g="0" b="0"/>
+        </a:effectRef>
+        <a:fontRef idx="minor"/>
+      </dsp:style>
+      <dsp:txBody>
+        <a:bodyPr spcFirstLastPara="0" vert="horz" wrap="square" lIns="91440" tIns="91440" rIns="91440" bIns="91440" numCol="1" spcCol="1270" anchor="ctr" anchorCtr="0">
+          <a:noAutofit/>
+        </a:bodyPr>
+        <a:lstStyle/>
+        <a:p>
+          <a:pPr marL="171450" lvl="1" indent="-171450" algn="l" defTabSz="844550">
+            <a:lnSpc>
+              <a:spcPct val="90000"/>
+            </a:lnSpc>
+            <a:spcBef>
+              <a:spcPct val="0"/>
+            </a:spcBef>
+            <a:spcAft>
+              <a:spcPct val="15000"/>
+            </a:spcAft>
+            <a:buChar char="•"/>
+          </a:pPr>
+          <a:r>
+            <a:rPr lang="en-US" altLang="zh-CN" sz="1900" kern="1200" dirty="0" err="1"/>
+            <a:t>LoRA</a:t>
+          </a:r>
+          <a:endParaRPr lang="zh-CN" altLang="en-US" sz="1900" kern="1200" dirty="0"/>
+        </a:p>
+      </dsp:txBody>
+      <dsp:txXfrm>
+        <a:off x="5165153" y="3908284"/>
+        <a:ext cx="978244" cy="760941"/>
+      </dsp:txXfrm>
+    </dsp:sp>
+  </dsp:spTree>
+</dsp:drawing>
+</file>
+
+<file path=ppt/diagrams/layout1.xml><?xml version="1.0" encoding="utf-8"?>
+<dgm:layoutDef xmlns:dgm="http://schemas.openxmlformats.org/drawingml/2006/diagram" xmlns:a="http://schemas.openxmlformats.org/drawingml/2006/main" uniqueId="urn:microsoft.com/office/officeart/2005/8/layout/StepDownProcess">
+  <dgm:title val=""/>
+  <dgm:desc val=""/>
+  <dgm:catLst>
+    <dgm:cat type="process" pri="1600"/>
+  </dgm:catLst>
+  <dgm:sampData>
+    <dgm:dataModel>
+      <dgm:ptLst>
+        <dgm:pt modelId="0" type="doc"/>
+        <dgm:pt modelId="10">
+          <dgm:prSet phldr="1"/>
+        </dgm:pt>
+        <dgm:pt modelId="11">
+          <dgm:prSet phldr="1"/>
+        </dgm:pt>
+        <dgm:pt modelId="20">
+          <dgm:prSet phldr="1"/>
+        </dgm:pt>
+        <dgm:pt modelId="21">
+          <dgm:prSet phldr="1"/>
+        </dgm:pt>
+        <dgm:pt modelId="30">
+          <dgm:prSet phldr="1"/>
+        </dgm:pt>
+        <dgm:pt modelId="31">
+          <dgm:prSet phldr="1"/>
+        </dgm:pt>
+      </dgm:ptLst>
+      <dgm:cxnLst>
+        <dgm:cxn modelId="60" srcId="0" destId="10" srcOrd="0" destOrd="0"/>
+        <dgm:cxn modelId="12" srcId="10" destId="11" srcOrd="0" destOrd="0"/>
+        <dgm:cxn modelId="70" srcId="0" destId="20" srcOrd="1" destOrd="0"/>
+        <dgm:cxn modelId="22" srcId="20" destId="21" srcOrd="0" destOrd="0"/>
+        <dgm:cxn modelId="80" srcId="0" destId="30" srcOrd="2" destOrd="0"/>
+        <dgm:cxn modelId="32" srcId="30" destId="31" srcOrd="0" destOrd="0"/>
+      </dgm:cxnLst>
+      <dgm:bg/>
+      <dgm:whole/>
+    </dgm:dataModel>
+  </dgm:sampData>
+  <dgm:styleData>
+    <dgm:dataModel>
+      <dgm:ptLst>
+        <dgm:pt modelId="0" type="doc"/>
+        <dgm:pt modelId="10">
+          <dgm:prSet phldr="1"/>
+        </dgm:pt>
+        <dgm:pt modelId="20">
+          <dgm:prSet phldr="1"/>
+        </dgm:pt>
+      </dgm:ptLst>
+      <dgm:cxnLst>
+        <dgm:cxn modelId="60" srcId="0" destId="10" srcOrd="0" destOrd="0"/>
+        <dgm:cxn modelId="70" srcId="0" destId="20" srcOrd="1" destOrd="0"/>
+      </dgm:cxnLst>
+      <dgm:bg/>
+      <dgm:whole/>
+    </dgm:dataModel>
+  </dgm:styleData>
+  <dgm:clrData>
+    <dgm:dataModel>
+      <dgm:ptLst>
+        <dgm:pt modelId="0" type="doc"/>
+        <dgm:pt modelId="10">
+          <dgm:prSet phldr="1"/>
+        </dgm:pt>
+        <dgm:pt modelId="20">
+          <dgm:prSet phldr="1"/>
+        </dgm:pt>
+        <dgm:pt modelId="30">
+          <dgm:prSet phldr="1"/>
+        </dgm:pt>
+        <dgm:pt modelId="40">
+          <dgm:prSet phldr="1"/>
+        </dgm:pt>
+      </dgm:ptLst>
+      <dgm:cxnLst>
+        <dgm:cxn modelId="60" srcId="0" destId="10" srcOrd="0" destOrd="0"/>
+        <dgm:cxn modelId="70" srcId="0" destId="20" srcOrd="1" destOrd="0"/>
+        <dgm:cxn modelId="80" srcId="0" destId="30" srcOrd="2" destOrd="0"/>
+        <dgm:cxn modelId="90" srcId="0" destId="40" srcOrd="3" destOrd="0"/>
+      </dgm:cxnLst>
+      <dgm:bg/>
+      <dgm:whole/>
+    </dgm:dataModel>
+  </dgm:clrData>
+  <dgm:layoutNode name="rootnode">
+    <dgm:varLst>
+      <dgm:chMax/>
+      <dgm:chPref/>
+      <dgm:dir/>
+      <dgm:animLvl val="lvl"/>
+    </dgm:varLst>
+    <dgm:choose name="Name0">
+      <dgm:if name="Name1" func="var" arg="dir" op="equ" val="norm">
+        <dgm:alg type="snake">
+          <dgm:param type="grDir" val="tL"/>
+          <dgm:param type="flowDir" val="row"/>
+          <dgm:param type="off" val="off"/>
+          <dgm:param type="bkpt" val="fixed"/>
+          <dgm:param type="bkPtFixedVal" val="1"/>
+        </dgm:alg>
+      </dgm:if>
+      <dgm:else name="Name2">
+        <dgm:alg type="snake">
+          <dgm:param type="grDir" val="tR"/>
+          <dgm:param type="flowDir" val="row"/>
+          <dgm:param type="off" val="off"/>
+          <dgm:param type="bkpt" val="fixed"/>
+          <dgm:param type="bkPtFixedVal" val="1"/>
+        </dgm:alg>
+      </dgm:else>
+    </dgm:choose>
+    <dgm:shape xmlns:r="http://schemas.openxmlformats.org/officeDocument/2006/relationships" r:blip="">
+      <dgm:adjLst/>
+    </dgm:shape>
+    <dgm:choose name="Name3">
+      <dgm:if name="Name4" func="var" arg="dir" op="equ" val="norm">
+        <dgm:constrLst>
+          <dgm:constr type="alignOff" forName="rootnode" val="0.48"/>
+          <dgm:constr type="primFontSz" for="des" forName="ParentText" val="65"/>
+          <dgm:constr type="primFontSz" for="des" forName="ChildText" refType="primFontSz" refFor="des" refForName="ParentText" op="lte"/>
+          <dgm:constr type="w" for="ch" forName="composite" refType="w"/>
+          <dgm:constr type="h" for="ch" forName="composite" refType="h"/>
+          <dgm:constr type="sp" refType="h" refFor="ch" refForName="composite" op="equ" fact="-0.38"/>
+        </dgm:constrLst>
+      </dgm:if>
+      <dgm:else name="Name5">
+        <dgm:constrLst>
+          <dgm:constr type="alignOff" forName="rootnode" val="0.48"/>
+          <dgm:constr type="primFontSz" for="des" forName="ParentText" val="65"/>
+          <dgm:constr type="primFontSz" for="des" forName="ChildText" refType="primFontSz" refFor="des" refForName="ParentText" op="lte"/>
+          <dgm:constr type="w" for="ch" forName="composite" refType="w"/>
+          <dgm:constr type="h" for="ch" forName="composite" refType="h"/>
+          <dgm:constr type="sp" refType="h" refFor="ch" refForName="composite" op="equ" fact="-0.38"/>
+        </dgm:constrLst>
+      </dgm:else>
+    </dgm:choose>
+    <dgm:forEach name="nodesForEach" axis="ch" ptType="node">
+      <dgm:layoutNode name="composite">
+        <dgm:alg type="composite">
+          <dgm:param type="ar" val="1.2439"/>
+        </dgm:alg>
+        <dgm:shape xmlns:r="http://schemas.openxmlformats.org/officeDocument/2006/relationships" r:blip="">
+          <dgm:adjLst/>
+        </dgm:shape>
+        <dgm:choose name="Name6">
+          <dgm:if name="Name7" func="var" arg="dir" op="equ" val="norm">
+            <dgm:constrLst>
+              <dgm:constr type="l" for="ch" forName="bentUpArrow1" refType="w" fact="0.07"/>
+              <dgm:constr type="t" for="ch" forName="bentUpArrow1" refType="h" fact="0.524"/>
+              <dgm:constr type="w" for="ch" forName="bentUpArrow1" refType="w" fact="0.3844"/>
+              <dgm:constr type="h" for="ch" forName="bentUpArrow1" refType="h" fact="0.42"/>
+              <dgm:constr type="l" for="ch" forName="ParentText" refType="w" fact="0"/>
+              <dgm:constr type="t" for="ch" forName="ParentText" refType="h" fact="0"/>
+              <dgm:constr type="w" for="ch" forName="ParentText" refType="w" fact="0.5684"/>
+              <dgm:constr type="h" for="ch" forName="ParentText" refType="h" fact="0.4949"/>
+              <dgm:constr type="l" for="ch" forName="ChildText" refType="w" refFor="ch" refForName="ParentText"/>
+              <dgm:constr type="t" for="ch" forName="ChildText" refType="h" fact="0.05"/>
+              <dgm:constr type="w" for="ch" forName="ChildText" refType="w" fact="0.4134"/>
+              <dgm:constr type="h" for="ch" forName="ChildText" refType="h" fact="0.4"/>
+              <dgm:constr type="l" for="ch" forName="FinalChildText" refType="w" refFor="ch" refForName="ParentText"/>
+              <dgm:constr type="t" for="ch" forName="FinalChildText" refType="h" fact="0.05"/>
+              <dgm:constr type="w" for="ch" forName="FinalChildText" refType="w" fact="0.4134"/>
+              <dgm:constr type="h" for="ch" forName="FinalChildText" refType="h" fact="0.4"/>
+            </dgm:constrLst>
+          </dgm:if>
+          <dgm:else name="Name8">
+            <dgm:constrLst>
+              <dgm:constr type="r" for="ch" forName="bentUpArrow1" refType="w" fact="0.97"/>
+              <dgm:constr type="t" for="ch" forName="bentUpArrow1" refType="h" fact="0.524"/>
+              <dgm:constr type="w" for="ch" forName="bentUpArrow1" refType="w" fact="0.3844"/>
+              <dgm:constr type="h" for="ch" forName="bentUpArrow1" refType="h" fact="0.42"/>
+              <dgm:constr type="l" for="ch" forName="ParentText" refType="w" fact="0.4316"/>
+              <dgm:constr type="t" for="ch" forName="ParentText" refType="h" fact="0"/>
+              <dgm:constr type="w" for="ch" forName="ParentText" refType="w" fact="0.5684"/>
+              <dgm:constr type="h" for="ch" forName="ParentText" refType="h" fact="0.4949"/>
+              <dgm:constr type="l" for="ch" forName="ChildText" refType="w" fact="0"/>
+              <dgm:constr type="t" for="ch" forName="ChildText" refType="h" fact="0.05"/>
+              <dgm:constr type="w" for="ch" forName="ChildText" refType="w" fact="0.4134"/>
+              <dgm:constr type="h" for="ch" forName="ChildText" refType="h" fact="0.4"/>
+              <dgm:constr type="l" for="ch" forName="FinalChildText" refType="w" fact="0"/>
+              <dgm:constr type="t" for="ch" forName="FinalChildText" refType="h" fact="0.05"/>
+              <dgm:constr type="w" for="ch" forName="FinalChildText" refType="w" fact="0.4134"/>
+              <dgm:constr type="h" for="ch" forName="FinalChildText" refType="h" fact="0.4"/>
+            </dgm:constrLst>
+          </dgm:else>
+        </dgm:choose>
+        <dgm:choose name="Name9">
+          <dgm:if name="Name10" axis="followSib" ptType="node" func="cnt" op="gte" val="1">
+            <dgm:layoutNode name="bentUpArrow1" styleLbl="alignImgPlace1">
+              <dgm:alg type="sp"/>
+              <dgm:choose name="Name11">
+                <dgm:if name="Name12" func="var" arg="dir" op="equ" val="norm">
+                  <dgm:shape xmlns:r="http://schemas.openxmlformats.org/officeDocument/2006/relationships" rot="90" type="bentUpArrow" r:blip="">
+                    <dgm:adjLst>
+                      <dgm:adj idx="1" val="0.3284"/>
+                      <dgm:adj idx="2" val="0.25"/>
+                      <dgm:adj idx="3" val="0.3578"/>
+                    </dgm:adjLst>
+                  </dgm:shape>
+                </dgm:if>
+                <dgm:else name="Name13">
+                  <dgm:shape xmlns:r="http://schemas.openxmlformats.org/officeDocument/2006/relationships" rot="180" type="bentArrow" r:blip="">
+                    <dgm:adjLst>
+                      <dgm:adj idx="1" val="0.3284"/>
+                      <dgm:adj idx="2" val="0.25"/>
+                      <dgm:adj idx="3" val="0.3578"/>
+                      <dgm:adj idx="4" val="0"/>
+                    </dgm:adjLst>
+                  </dgm:shape>
+                </dgm:else>
+              </dgm:choose>
+              <dgm:presOf/>
+            </dgm:layoutNode>
+          </dgm:if>
+          <dgm:else name="Name14"/>
+        </dgm:choose>
+        <dgm:layoutNode name="ParentText" styleLbl="node1">
+          <dgm:varLst>
+            <dgm:chMax val="1"/>
+            <dgm:chPref val="1"/>
+            <dgm:bulletEnabled val="1"/>
+          </dgm:varLst>
+          <dgm:alg type="tx"/>
+          <dgm:shape xmlns:r="http://schemas.openxmlformats.org/officeDocument/2006/relationships" type="roundRect" r:blip="">
+            <dgm:adjLst>
+              <dgm:adj idx="1" val="0.1667"/>
+            </dgm:adjLst>
+          </dgm:shape>
+          <dgm:presOf axis="self" ptType="node"/>
+          <dgm:constrLst>
+            <dgm:constr type="lMarg" refType="primFontSz" fact="0.3"/>
+            <dgm:constr type="rMarg" refType="primFontSz" fact="0.3"/>
+            <dgm:constr type="tMarg" refType="primFontSz" fact="0.3"/>
+            <dgm:constr type="bMarg" refType="primFontSz" fact="0.3"/>
+          </dgm:constrLst>
+          <dgm:ruleLst>
+            <dgm:rule type="primFontSz" val="5" fact="NaN" max="NaN"/>
+          </dgm:ruleLst>
+        </dgm:layoutNode>
+        <dgm:choose name="Name15">
+          <dgm:if name="Name16" axis="followSib" ptType="node" func="cnt" op="equ" val="0">
+            <dgm:choose name="Name17">
+              <dgm:if name="Name18" axis="ch" ptType="node" func="cnt" op="gte" val="1">
+                <dgm:layoutNode name="FinalChildText" styleLbl="revTx">
+                  <dgm:varLst>
+                    <dgm:chMax val="0"/>
+                    <dgm:chPref val="0"/>
+                    <dgm:bulletEnabled val="1"/>
+                  </dgm:varLst>
+                  <dgm:alg type="tx">
+                    <dgm:param type="stBulletLvl" val="1"/>
+                    <dgm:param type="txAnchorVertCh" val="mid"/>
+                    <dgm:param type="parTxLTRAlign" val="l"/>
+                  </dgm:alg>
+                  <dgm:shape xmlns:r="http://schemas.openxmlformats.org/officeDocument/2006/relationships" type="rect" r:blip="">
+                    <dgm:adjLst/>
+                  </dgm:shape>
+                  <dgm:presOf axis="des" ptType="node"/>
+                  <dgm:constrLst>
+                    <dgm:constr type="lMarg" refType="primFontSz" fact="0.3"/>
+                    <dgm:constr type="rMarg" refType="primFontSz" fact="0.3"/>
+                    <dgm:constr type="tMarg" refType="primFontSz" fact="0.3"/>
+                    <dgm:constr type="bMarg" refType="primFontSz" fact="0.3"/>
+                  </dgm:constrLst>
+                  <dgm:ruleLst>
+                    <dgm:rule type="primFontSz" val="5" fact="NaN" max="NaN"/>
+                  </dgm:ruleLst>
+                </dgm:layoutNode>
+              </dgm:if>
+              <dgm:else name="Name19"/>
+            </dgm:choose>
+          </dgm:if>
+          <dgm:else name="Name20">
+            <dgm:layoutNode name="ChildText" styleLbl="revTx">
+              <dgm:varLst>
+                <dgm:chMax val="0"/>
+                <dgm:chPref val="0"/>
+                <dgm:bulletEnabled val="1"/>
+              </dgm:varLst>
+              <dgm:alg type="tx">
+                <dgm:param type="stBulletLvl" val="1"/>
+                <dgm:param type="txAnchorVertCh" val="mid"/>
+                <dgm:param type="parTxLTRAlign" val="l"/>
+              </dgm:alg>
+              <dgm:shape xmlns:r="http://schemas.openxmlformats.org/officeDocument/2006/relationships" type="rect" r:blip="">
+                <dgm:adjLst/>
+              </dgm:shape>
+              <dgm:presOf axis="des" ptType="node"/>
+              <dgm:constrLst>
+                <dgm:constr type="lMarg" refType="primFontSz" fact="0.3"/>
+                <dgm:constr type="rMarg" refType="primFontSz" fact="0.3"/>
+                <dgm:constr type="tMarg" refType="primFontSz" fact="0.3"/>
+                <dgm:constr type="bMarg" refType="primFontSz" fact="0.3"/>
+              </dgm:constrLst>
+              <dgm:ruleLst>
+                <dgm:rule type="primFontSz" val="5" fact="NaN" max="NaN"/>
+              </dgm:ruleLst>
+            </dgm:layoutNode>
+          </dgm:else>
+        </dgm:choose>
+      </dgm:layoutNode>
+      <dgm:forEach name="sibTransForEach" axis="followSib" ptType="sibTrans" cnt="1">
+        <dgm:layoutNode name="sibTrans">
+          <dgm:alg type="sp"/>
+          <dgm:shape xmlns:r="http://schemas.openxmlformats.org/officeDocument/2006/relationships" r:blip="">
+            <dgm:adjLst/>
+          </dgm:shape>
+        </dgm:layoutNode>
+      </dgm:forEach>
+    </dgm:forEach>
+  </dgm:layoutNode>
+</dgm:layoutDef>
+</file>
+
+<file path=ppt/diagrams/quickStyle1.xml><?xml version="1.0" encoding="utf-8"?>
+<dgm:styleDef xmlns:dgm="http://schemas.openxmlformats.org/drawingml/2006/diagram" xmlns:a="http://schemas.openxmlformats.org/drawingml/2006/main" uniqueId="urn:microsoft.com/office/officeart/2005/8/quickstyle/simple1">
+  <dgm:title val=""/>
+  <dgm:desc val=""/>
+  <dgm:catLst>
+    <dgm:cat type="simple" pri="10100"/>
+  </dgm:catLst>
+  <dgm:scene3d>
+    <a:camera prst="orthographicFront"/>
+    <a:lightRig rig="threePt" dir="t"/>
+  </dgm:scene3d>
+  <dgm:styleLbl name="node0">
+    <dgm:scene3d>
+      <a:camera prst="orthographicFront"/>
+      <a:lightRig rig="threePt" dir="t"/>
+    </dgm:scene3d>
+    <dgm:sp3d/>
+    <dgm:txPr/>
+    <dgm:style>
+      <a:lnRef idx="2">
+        <a:scrgbClr r="0" g="0" b="0"/>
+      </a:lnRef>
+      <a:fillRef idx="1">
+        <a:scrgbClr r="0" g="0" b="0"/>
+      </a:fillRef>
+      <a:effectRef idx="0">
+        <a:scrgbClr r="0" g="0" b="0"/>
+      </a:effectRef>
+      <a:fontRef idx="minor">
+        <a:schemeClr val="lt1"/>
+      </a:fontRef>
+    </dgm:style>
+  </dgm:styleLbl>
+  <dgm:styleLbl name="lnNode1">
+    <dgm:scene3d>
+      <a:camera prst="orthographicFront"/>
+      <a:lightRig rig="threePt" dir="t"/>
+    </dgm:scene3d>
+    <dgm:sp3d/>
+    <dgm:txPr/>
+    <dgm:style>
+      <a:lnRef idx="2">
+        <a:scrgbClr r="0" g="0" b="0"/>
+      </a:lnRef>
+      <a:fillRef idx="1">
+        <a:scrgbClr r="0" g="0" b="0"/>
+      </a:fillRef>
+      <a:effectRef idx="0">
+        <a:scrgbClr r="0" g="0" b="0"/>
+      </a:effectRef>
+      <a:fontRef idx="minor">
+        <a:schemeClr val="lt1"/>
+      </a:fontRef>
+    </dgm:style>
+  </dgm:styleLbl>
+  <dgm:styleLbl name="vennNode1">
+    <dgm:scene3d>
+      <a:camera prst="orthographicFront"/>
+      <a:lightRig rig="threePt" dir="t"/>
+    </dgm:scene3d>
+    <dgm:sp3d/>
+    <dgm:txPr/>
+    <dgm:style>
+      <a:lnRef idx="2">
+        <a:scrgbClr r="0" g="0" b="0"/>
+      </a:lnRef>
+      <a:fillRef idx="1">
+        <a:scrgbClr r="0" g="0" b="0"/>
+      </a:fillRef>
+      <a:effectRef idx="0">
+        <a:scrgbClr r="0" g="0" b="0"/>
+      </a:effectRef>
+      <a:fontRef idx="minor">
+        <a:schemeClr val="tx1"/>
+      </a:fontRef>
+    </dgm:style>
+  </dgm:styleLbl>
+  <dgm:styleLbl name="alignNode1">
+    <dgm:scene3d>
+      <a:camera prst="orthographicFront"/>
+      <a:lightRig rig="threePt" dir="t"/>
+    </dgm:scene3d>
+    <dgm:sp3d/>
+    <dgm:txPr/>
+    <dgm:style>
+      <a:lnRef idx="2">
+        <a:scrgbClr r="0" g="0" b="0"/>
+      </a:lnRef>
+      <a:fillRef idx="1">
+        <a:scrgbClr r="0" g="0" b="0"/>
+      </a:fillRef>
+      <a:effectRef idx="0">
+        <a:scrgbClr r="0" g="0" b="0"/>
+      </a:effectRef>
+      <a:fontRef idx="minor">
+        <a:schemeClr val="lt1"/>
+      </a:fontRef>
+    </dgm:style>
+  </dgm:styleLbl>
+  <dgm:styleLbl name="node1">
+    <dgm:scene3d>
+      <a:camera prst="orthographicFront"/>
+      <a:lightRig rig="threePt" dir="t"/>
+    </dgm:scene3d>
+    <dgm:sp3d/>
+    <dgm:txPr/>
+    <dgm:style>
+      <a:lnRef idx="2">
+        <a:scrgbClr r="0" g="0" b="0"/>
+      </a:lnRef>
+      <a:fillRef idx="1">
+        <a:scrgbClr r="0" g="0" b="0"/>
+      </a:fillRef>
+      <a:effectRef idx="0">
+        <a:scrgbClr r="0" g="0" b="0"/>
+      </a:effectRef>
+      <a:fontRef idx="minor">
+        <a:schemeClr val="lt1"/>
+      </a:fontRef>
+    </dgm:style>
+  </dgm:styleLbl>
+  <dgm:styleLbl name="node2">
+    <dgm:scene3d>
+      <a:camera prst="orthographicFront"/>
+      <a:lightRig rig="threePt" dir="t"/>
+    </dgm:scene3d>
+    <dgm:sp3d/>
+    <dgm:txPr/>
+    <dgm:style>
+      <a:lnRef idx="2">
+        <a:scrgbClr r="0" g="0" b="0"/>
+      </a:lnRef>
+      <a:fillRef idx="1">
+        <a:scrgbClr r="0" g="0" b="0"/>
+      </a:fillRef>
+      <a:effectRef idx="0">
+        <a:scrgbClr r="0" g="0" b="0"/>
+      </a:effectRef>
+      <a:fontRef idx="minor">
+        <a:schemeClr val="lt1"/>
+      </a:fontRef>
+    </dgm:style>
+  </dgm:styleLbl>
+  <dgm:styleLbl name="node3">
+    <dgm:scene3d>
+      <a:camera prst="orthographicFront"/>
+      <a:lightRig rig="threePt" dir="t"/>
+    </dgm:scene3d>
+    <dgm:sp3d/>
+    <dgm:txPr/>
+    <dgm:style>
+      <a:lnRef idx="2">
+        <a:scrgbClr r="0" g="0" b="0"/>
+      </a:lnRef>
+      <a:fillRef idx="1">
+        <a:scrgbClr r="0" g="0" b="0"/>
+      </a:fillRef>
+      <a:effectRef idx="0">
+        <a:scrgbClr r="0" g="0" b="0"/>
+      </a:effectRef>
+      <a:fontRef idx="minor">
+        <a:schemeClr val="lt1"/>
+      </a:fontRef>
+    </dgm:style>
+  </dgm:styleLbl>
+  <dgm:styleLbl name="node4">
+    <dgm:scene3d>
+      <a:camera prst="orthographicFront"/>
+      <a:lightRig rig="threePt" dir="t"/>
+    </dgm:scene3d>
+    <dgm:sp3d/>
+    <dgm:txPr/>
+    <dgm:style>
+      <a:lnRef idx="2">
+        <a:scrgbClr r="0" g="0" b="0"/>
+      </a:lnRef>
+      <a:fillRef idx="1">
+        <a:scrgbClr r="0" g="0" b="0"/>
+      </a:fillRef>
+      <a:effectRef idx="0">
+        <a:scrgbClr r="0" g="0" b="0"/>
+      </a:effectRef>
+      <a:fontRef idx="minor">
+        <a:schemeClr val="lt1"/>
+      </a:fontRef>
+    </dgm:style>
+  </dgm:styleLbl>
+  <dgm:styleLbl name="fgImgPlace1">
+    <dgm:scene3d>
+      <a:camera prst="orthographicFront"/>
+      <a:lightRig rig="threePt" dir="t"/>
+    </dgm:scene3d>
+    <dgm:sp3d/>
+    <dgm:txPr/>
+    <dgm:style>
+      <a:lnRef idx="2">
+        <a:scrgbClr r="0" g="0" b="0"/>
+      </a:lnRef>
+      <a:fillRef idx="1">
+        <a:scrgbClr r="0" g="0" b="0"/>
+      </a:fillRef>
+      <a:effectRef idx="0">
+        <a:scrgbClr r="0" g="0" b="0"/>
+      </a:effectRef>
+      <a:fontRef idx="minor"/>
+    </dgm:style>
+  </dgm:styleLbl>
+  <dgm:styleLbl name="alignImgPlace1">
+    <dgm:scene3d>
+      <a:camera prst="orthographicFront"/>
+      <a:lightRig rig="threePt" dir="t"/>
+    </dgm:scene3d>
+    <dgm:sp3d/>
+    <dgm:txPr/>
+    <dgm:style>
+      <a:lnRef idx="2">
+        <a:scrgbClr r="0" g="0" b="0"/>
+      </a:lnRef>
+      <a:fillRef idx="1">
+        <a:scrgbClr r="0" g="0" b="0"/>
+      </a:fillRef>
+      <a:effectRef idx="0">
+        <a:scrgbClr r="0" g="0" b="0"/>
+      </a:effectRef>
+      <a:fontRef idx="minor"/>
+    </dgm:style>
+  </dgm:styleLbl>
+  <dgm:styleLbl name="bgImgPlace1">
+    <dgm:scene3d>
+      <a:camera prst="orthographicFront"/>
+      <a:lightRig rig="threePt" dir="t"/>
+    </dgm:scene3d>
+    <dgm:sp3d/>
+    <dgm:txPr/>
+    <dgm:style>
+      <a:lnRef idx="2">
+        <a:scrgbClr r="0" g="0" b="0"/>
+      </a:lnRef>
+      <a:fillRef idx="1">
+        <a:scrgbClr r="0" g="0" b="0"/>
+      </a:fillRef>
+      <a:effectRef idx="0">
+        <a:scrgbClr r="0" g="0" b="0"/>
+      </a:effectRef>
+      <a:fontRef idx="minor"/>
+    </dgm:style>
+  </dgm:styleLbl>
+  <dgm:styleLbl name="sibTrans2D1">
+    <dgm:scene3d>
+      <a:camera prst="orthographicFront"/>
+      <a:lightRig rig="threePt" dir="t"/>
+    </dgm:scene3d>
+    <dgm:sp3d/>
+    <dgm:txPr/>
+    <dgm:style>
+      <a:lnRef idx="0">
+        <a:scrgbClr r="0" g="0" b="0"/>
+      </a:lnRef>
+      <a:fillRef idx="1">
+        <a:scrgbClr r="0" g="0" b="0"/>
+      </a:fillRef>
+      <a:effectRef idx="0">
+        <a:scrgbClr r="0" g="0" b="0"/>
+      </a:effectRef>
+      <a:fontRef idx="minor">
+        <a:schemeClr val="lt1"/>
+      </a:fontRef>
+    </dgm:style>
+  </dgm:styleLbl>
+  <dgm:styleLbl name="fgSibTrans2D1">
+    <dgm:scene3d>
+      <a:camera prst="orthographicFront"/>
+      <a:lightRig rig="threePt" dir="t"/>
+    </dgm:scene3d>
+    <dgm:sp3d/>
+    <dgm:txPr/>
+    <dgm:style>
+      <a:lnRef idx="0">
+        <a:scrgbClr r="0" g="0" b="0"/>
+      </a:lnRef>
+      <a:fillRef idx="1">
+        <a:scrgbClr r="0" g="0" b="0"/>
+      </a:fillRef>
+      <a:effectRef idx="0">
+        <a:scrgbClr r="0" g="0" b="0"/>
+      </a:effectRef>
+      <a:fontRef idx="minor">
+        <a:schemeClr val="lt1"/>
+      </a:fontRef>
+    </dgm:style>
+  </dgm:styleLbl>
+  <dgm:styleLbl name="bgSibTrans2D1">
+    <dgm:scene3d>
+      <a:camera prst="orthographicFront"/>
+      <a:lightRig rig="threePt" dir="t"/>
+    </dgm:scene3d>
+    <dgm:sp3d/>
+    <dgm:txPr/>
+    <dgm:style>
+      <a:lnRef idx="0">
+        <a:scrgbClr r="0" g="0" b="0"/>
+      </a:lnRef>
+      <a:fillRef idx="1">
+        <a:scrgbClr r="0" g="0" b="0"/>
+      </a:fillRef>
+      <a:effectRef idx="0">
+        <a:scrgbClr r="0" g="0" b="0"/>
+      </a:effectRef>
+      <a:fontRef idx="minor">
+        <a:schemeClr val="lt1"/>
+      </a:fontRef>
+    </dgm:style>
+  </dgm:styleLbl>
+  <dgm:styleLbl name="sibTrans1D1">
+    <dgm:scene3d>
+      <a:camera prst="orthographicFront"/>
+      <a:lightRig rig="threePt" dir="t"/>
+    </dgm:scene3d>
+    <dgm:sp3d/>
+    <dgm:txPr/>
+    <dgm:style>
+      <a:lnRef idx="1">
+        <a:scrgbClr r="0" g="0" b="0"/>
+      </a:lnRef>
+      <a:fillRef idx="0">
+        <a:scrgbClr r="0" g="0" b="0"/>
+      </a:fillRef>
+      <a:effectRef idx="0">
+        <a:scrgbClr r="0" g="0" b="0"/>
+      </a:effectRef>
+      <a:fontRef idx="minor"/>
+    </dgm:style>
+  </dgm:styleLbl>
+  <dgm:styleLbl name="callout">
+    <dgm:scene3d>
+      <a:camera prst="orthographicFront"/>
+      <a:lightRig rig="threePt" dir="t"/>
+    </dgm:scene3d>
+    <dgm:sp3d/>
+    <dgm:txPr/>
+    <dgm:style>
+      <a:lnRef idx="2">
+        <a:scrgbClr r="0" g="0" b="0"/>
+      </a:lnRef>
+      <a:fillRef idx="1">
+        <a:scrgbClr r="0" g="0" b="0"/>
+      </a:fillRef>
+      <a:effectRef idx="0">
+        <a:scrgbClr r="0" g="0" b="0"/>
+      </a:effectRef>
+      <a:fontRef idx="minor"/>
+    </dgm:style>
+  </dgm:styleLbl>
+  <dgm:styleLbl name="asst0">
+    <dgm:scene3d>
+      <a:camera prst="orthographicFront"/>
+      <a:lightRig rig="threePt" dir="t"/>
+    </dgm:scene3d>
+    <dgm:sp3d/>
+    <dgm:txPr/>
+    <dgm:style>
+      <a:lnRef idx="2">
+        <a:scrgbClr r="0" g="0" b="0"/>
+      </a:lnRef>
+      <a:fillRef idx="1">
+        <a:scrgbClr r="0" g="0" b="0"/>
+      </a:fillRef>
+      <a:effectRef idx="0">
+        <a:scrgbClr r="0" g="0" b="0"/>
+      </a:effectRef>
+      <a:fontRef idx="minor">
+        <a:schemeClr val="lt1"/>
+      </a:fontRef>
+    </dgm:style>
+  </dgm:styleLbl>
+  <dgm:styleLbl name="asst1">
+    <dgm:scene3d>
+      <a:camera prst="orthographicFront"/>
+      <a:lightRig rig="threePt" dir="t"/>
+    </dgm:scene3d>
+    <dgm:sp3d/>
+    <dgm:txPr/>
+    <dgm:style>
+      <a:lnRef idx="2">
+        <a:scrgbClr r="0" g="0" b="0"/>
+      </a:lnRef>
+      <a:fillRef idx="1">
+        <a:scrgbClr r="0" g="0" b="0"/>
+      </a:fillRef>
+      <a:effectRef idx="0">
+        <a:scrgbClr r="0" g="0" b="0"/>
+      </a:effectRef>
+      <a:fontRef idx="minor">
+        <a:schemeClr val="lt1"/>
+      </a:fontRef>
+    </dgm:style>
+  </dgm:styleLbl>
+  <dgm:styleLbl name="asst2">
+    <dgm:scene3d>
+      <a:camera prst="orthographicFront"/>
+      <a:lightRig rig="threePt" dir="t"/>
+    </dgm:scene3d>
+    <dgm:sp3d/>
+    <dgm:txPr/>
+    <dgm:style>
+      <a:lnRef idx="2">
+        <a:scrgbClr r="0" g="0" b="0"/>
+      </a:lnRef>
+      <a:fillRef idx="1">
+        <a:scrgbClr r="0" g="0" b="0"/>
+      </a:fillRef>
+      <a:effectRef idx="0">
+        <a:scrgbClr r="0" g="0" b="0"/>
+      </a:effectRef>
+      <a:fontRef idx="minor">
+        <a:schemeClr val="lt1"/>
+      </a:fontRef>
+    </dgm:style>
+  </dgm:styleLbl>
+  <dgm:styleLbl name="asst3">
+    <dgm:scene3d>
+      <a:camera prst="orthographicFront"/>
+      <a:lightRig rig="threePt" dir="t"/>
+    </dgm:scene3d>
+    <dgm:sp3d/>
+    <dgm:txPr/>
+    <dgm:style>
+      <a:lnRef idx="2">
+        <a:scrgbClr r="0" g="0" b="0"/>
+      </a:lnRef>
+      <a:fillRef idx="1">
+        <a:scrgbClr r="0" g="0" b="0"/>
+      </a:fillRef>
+      <a:effectRef idx="0">
+        <a:scrgbClr r="0" g="0" b="0"/>
+      </a:effectRef>
+      <a:fontRef idx="minor">
+        <a:schemeClr val="lt1"/>
+      </a:fontRef>
+    </dgm:style>
+  </dgm:styleLbl>
+  <dgm:styleLbl name="asst4">
+    <dgm:scene3d>
+      <a:camera prst="orthographicFront"/>
+      <a:lightRig rig="threePt" dir="t"/>
+    </dgm:scene3d>
+    <dgm:sp3d/>
+    <dgm:txPr/>
+    <dgm:style>
+      <a:lnRef idx="2">
+        <a:scrgbClr r="0" g="0" b="0"/>
+      </a:lnRef>
+      <a:fillRef idx="1">
+        <a:scrgbClr r="0" g="0" b="0"/>
+      </a:fillRef>
+      <a:effectRef idx="0">
+        <a:scrgbClr r="0" g="0" b="0"/>
+      </a:effectRef>
+      <a:fontRef idx="minor">
+        <a:schemeClr val="lt1"/>
+      </a:fontRef>
+    </dgm:style>
+  </dgm:styleLbl>
+  <dgm:styleLbl name="parChTrans2D1">
+    <dgm:scene3d>
+      <a:camera prst="orthographicFront"/>
+      <a:lightRig rig="threePt" dir="t"/>
+    </dgm:scene3d>
+    <dgm:sp3d/>
+    <dgm:txPr/>
+    <dgm:style>
+      <a:lnRef idx="2">
+        <a:scrgbClr r="0" g="0" b="0"/>
+      </a:lnRef>
+      <a:fillRef idx="1">
+        <a:scrgbClr r="0" g="0" b="0"/>
+      </a:fillRef>
+      <a:effectRef idx="0">
+        <a:scrgbClr r="0" g="0" b="0"/>
+      </a:effectRef>
+      <a:fontRef idx="minor">
+        <a:schemeClr val="lt1"/>
+      </a:fontRef>
+    </dgm:style>
+  </dgm:styleLbl>
+  <dgm:styleLbl name="parChTrans2D2">
+    <dgm:scene3d>
+      <a:camera prst="orthographicFront"/>
+      <a:lightRig rig="threePt" dir="t"/>
+    </dgm:scene3d>
+    <dgm:sp3d/>
+    <dgm:txPr/>
+    <dgm:style>
+      <a:lnRef idx="2">
+        <a:scrgbClr r="0" g="0" b="0"/>
+      </a:lnRef>
+      <a:fillRef idx="1">
+        <a:scrgbClr r="0" g="0" b="0"/>
+      </a:fillRef>
+      <a:effectRef idx="0">
+        <a:scrgbClr r="0" g="0" b="0"/>
+      </a:effectRef>
+      <a:fontRef idx="minor">
+        <a:schemeClr val="lt1"/>
+      </a:fontRef>
+    </dgm:style>
+  </dgm:styleLbl>
+  <dgm:styleLbl name="parChTrans2D3">
+    <dgm:scene3d>
+      <a:camera prst="orthographicFront"/>
+      <a:lightRig rig="threePt" dir="t"/>
+    </dgm:scene3d>
+    <dgm:sp3d/>
+    <dgm:txPr/>
+    <dgm:style>
+      <a:lnRef idx="2">
+        <a:scrgbClr r="0" g="0" b="0"/>
+      </a:lnRef>
+      <a:fillRef idx="1">
+        <a:scrgbClr r="0" g="0" b="0"/>
+      </a:fillRef>
+      <a:effectRef idx="0">
+        <a:scrgbClr r="0" g="0" b="0"/>
+      </a:effectRef>
+      <a:fontRef idx="minor">
+        <a:schemeClr val="lt1"/>
+      </a:fontRef>
+    </dgm:style>
+  </dgm:styleLbl>
+  <dgm:styleLbl name="parChTrans2D4">
+    <dgm:scene3d>
+      <a:camera prst="orthographicFront"/>
+      <a:lightRig rig="threePt" dir="t"/>
+    </dgm:scene3d>
+    <dgm:sp3d/>
+    <dgm:txPr/>
+    <dgm:style>
+      <a:lnRef idx="2">
+        <a:scrgbClr r="0" g="0" b="0"/>
+      </a:lnRef>
+      <a:fillRef idx="1">
+        <a:scrgbClr r="0" g="0" b="0"/>
+      </a:fillRef>
+      <a:effectRef idx="0">
+        <a:scrgbClr r="0" g="0" b="0"/>
+      </a:effectRef>
+      <a:fontRef idx="minor">
+        <a:schemeClr val="lt1"/>
+      </a:fontRef>
+    </dgm:style>
+  </dgm:styleLbl>
+  <dgm:styleLbl name="parChTrans1D1">
+    <dgm:scene3d>
+      <a:camera prst="orthographicFront"/>
+      <a:lightRig rig="threePt" dir="t"/>
+    </dgm:scene3d>
+    <dgm:sp3d/>
+    <dgm:txPr/>
+    <dgm:style>
+      <a:lnRef idx="2">
+        <a:scrgbClr r="0" g="0" b="0"/>
+      </a:lnRef>
+      <a:fillRef idx="0">
+        <a:scrgbClr r="0" g="0" b="0"/>
+      </a:fillRef>
+      <a:effectRef idx="0">
+        <a:scrgbClr r="0" g="0" b="0"/>
+      </a:effectRef>
+      <a:fontRef idx="minor"/>
+    </dgm:style>
+  </dgm:styleLbl>
+  <dgm:styleLbl name="parChTrans1D2">
+    <dgm:scene3d>
+      <a:camera prst="orthographicFront"/>
+      <a:lightRig rig="threePt" dir="t"/>
+    </dgm:scene3d>
+    <dgm:sp3d/>
+    <dgm:txPr/>
+    <dgm:style>
+      <a:lnRef idx="2">
+        <a:scrgbClr r="0" g="0" b="0"/>
+      </a:lnRef>
+      <a:fillRef idx="0">
+        <a:scrgbClr r="0" g="0" b="0"/>
+      </a:fillRef>
+      <a:effectRef idx="0">
+        <a:scrgbClr r="0" g="0" b="0"/>
+      </a:effectRef>
+      <a:fontRef idx="minor"/>
+    </dgm:style>
+  </dgm:styleLbl>
+  <dgm:styleLbl name="parChTrans1D3">
+    <dgm:scene3d>
+      <a:camera prst="orthographicFront"/>
+      <a:lightRig rig="threePt" dir="t"/>
+    </dgm:scene3d>
+    <dgm:sp3d/>
+    <dgm:txPr/>
+    <dgm:style>
+      <a:lnRef idx="2">
+        <a:scrgbClr r="0" g="0" b="0"/>
+      </a:lnRef>
+      <a:fillRef idx="0">
+        <a:scrgbClr r="0" g="0" b="0"/>
+      </a:fillRef>
+      <a:effectRef idx="0">
+        <a:scrgbClr r="0" g="0" b="0"/>
+      </a:effectRef>
+      <a:fontRef idx="minor"/>
+    </dgm:style>
+  </dgm:styleLbl>
+  <dgm:styleLbl name="parChTrans1D4">
+    <dgm:scene3d>
+      <a:camera prst="orthographicFront"/>
+      <a:lightRig rig="threePt" dir="t"/>
+    </dgm:scene3d>
+    <dgm:sp3d/>
+    <dgm:txPr/>
+    <dgm:style>
+      <a:lnRef idx="2">
+        <a:scrgbClr r="0" g="0" b="0"/>
+      </a:lnRef>
+      <a:fillRef idx="0">
+        <a:scrgbClr r="0" g="0" b="0"/>
+      </a:fillRef>
+      <a:effectRef idx="0">
+        <a:scrgbClr r="0" g="0" b="0"/>
+      </a:effectRef>
+      <a:fontRef idx="minor"/>
+    </dgm:style>
+  </dgm:styleLbl>
+  <dgm:styleLbl name="fgAcc1">
+    <dgm:scene3d>
+      <a:camera prst="orthographicFront"/>
+      <a:lightRig rig="threePt" dir="t"/>
+    </dgm:scene3d>
+    <dgm:sp3d/>
+    <dgm:txPr/>
+    <dgm:style>
+      <a:lnRef idx="2">
+        <a:scrgbClr r="0" g="0" b="0"/>
+      </a:lnRef>
+      <a:fillRef idx="1">
+        <a:scrgbClr r="0" g="0" b="0"/>
+      </a:fillRef>
+      <a:effectRef idx="0">
+        <a:scrgbClr r="0" g="0" b="0"/>
+      </a:effectRef>
+      <a:fontRef idx="minor"/>
+    </dgm:style>
+  </dgm:styleLbl>
+  <dgm:styleLbl name="conFgAcc1">
+    <dgm:scene3d>
+      <a:camera prst="orthographicFront"/>
+      <a:lightRig rig="threePt" dir="t"/>
+    </dgm:scene3d>
+    <dgm:sp3d/>
+    <dgm:txPr/>
+    <dgm:style>
+      <a:lnRef idx="2">
+        <a:scrgbClr r="0" g="0" b="0"/>
+      </a:lnRef>
+      <a:fillRef idx="1">
+        <a:scrgbClr r="0" g="0" b="0"/>
+      </a:fillRef>
+      <a:effectRef idx="0">
+        <a:scrgbClr r="0" g="0" b="0"/>
+      </a:effectRef>
+      <a:fontRef idx="minor"/>
+    </dgm:style>
+  </dgm:styleLbl>
+  <dgm:styleLbl name="alignAcc1">
+    <dgm:scene3d>
+      <a:camera prst="orthographicFront"/>
+      <a:lightRig rig="threePt" dir="t"/>
+    </dgm:scene3d>
+    <dgm:sp3d/>
+    <dgm:txPr/>
+    <dgm:style>
+      <a:lnRef idx="2">
+        <a:scrgbClr r="0" g="0" b="0"/>
+      </a:lnRef>
+      <a:fillRef idx="1">
+        <a:scrgbClr r="0" g="0" b="0"/>
+      </a:fillRef>
+      <a:effectRef idx="0">
+        <a:scrgbClr r="0" g="0" b="0"/>
+      </a:effectRef>
+      <a:fontRef idx="minor"/>
+    </dgm:style>
+  </dgm:styleLbl>
+  <dgm:styleLbl name="trAlignAcc1">
+    <dgm:scene3d>
+      <a:camera prst="orthographicFront"/>
+      <a:lightRig rig="threePt" dir="t"/>
+    </dgm:scene3d>
+    <dgm:sp3d/>
+    <dgm:txPr/>
+    <dgm:style>
+      <a:lnRef idx="1">
+        <a:scrgbClr r="0" g="0" b="0"/>
+      </a:lnRef>
+      <a:fillRef idx="1">
+        <a:scrgbClr r="0" g="0" b="0"/>
+      </a:fillRef>
+      <a:effectRef idx="0">
+        <a:scrgbClr r="0" g="0" b="0"/>
+      </a:effectRef>
+      <a:fontRef idx="minor"/>
+    </dgm:style>
+  </dgm:styleLbl>
+  <dgm:styleLbl name="bgAcc1">
+    <dgm:scene3d>
+      <a:camera prst="orthographicFront"/>
+      <a:lightRig rig="threePt" dir="t"/>
+    </dgm:scene3d>
+    <dgm:sp3d/>
+    <dgm:txPr/>
+    <dgm:style>
+      <a:lnRef idx="2">
+        <a:scrgbClr r="0" g="0" b="0"/>
+      </a:lnRef>
+      <a:fillRef idx="1">
+        <a:scrgbClr r="0" g="0" b="0"/>
+      </a:fillRef>
+      <a:effectRef idx="0">
+        <a:scrgbClr r="0" g="0" b="0"/>
+      </a:effectRef>
+      <a:fontRef idx="minor"/>
+    </dgm:style>
+  </dgm:styleLbl>
+  <dgm:styleLbl name="solidFgAcc1">
+    <dgm:scene3d>
+      <a:camera prst="orthographicFront"/>
+      <a:lightRig rig="threePt" dir="t"/>
+    </dgm:scene3d>
+    <dgm:sp3d/>
+    <dgm:txPr/>
+    <dgm:style>
+      <a:lnRef idx="2">
+        <a:scrgbClr r="0" g="0" b="0"/>
+      </a:lnRef>
+      <a:fillRef idx="1">
+        <a:scrgbClr r="0" g="0" b="0"/>
+      </a:fillRef>
+      <a:effectRef idx="0">
+        <a:scrgbClr r="0" g="0" b="0"/>
+      </a:effectRef>
+      <a:fontRef idx="minor"/>
+    </dgm:style>
+  </dgm:styleLbl>
+  <dgm:styleLbl name="solidAlignAcc1">
+    <dgm:scene3d>
+      <a:camera prst="orthographicFront"/>
+      <a:lightRig rig="threePt" dir="t"/>
+    </dgm:scene3d>
+    <dgm:sp3d/>
+    <dgm:txPr/>
+    <dgm:style>
+      <a:lnRef idx="2">
+        <a:scrgbClr r="0" g="0" b="0"/>
+      </a:lnRef>
+      <a:fillRef idx="1">
+        <a:scrgbClr r="0" g="0" b="0"/>
+      </a:fillRef>
+      <a:effectRef idx="0">
+        <a:scrgbClr r="0" g="0" b="0"/>
+      </a:effectRef>
+      <a:fontRef idx="minor"/>
+    </dgm:style>
+  </dgm:styleLbl>
+  <dgm:styleLbl name="solidBgAcc1">
+    <dgm:scene3d>
+      <a:camera prst="orthographicFront"/>
+      <a:lightRig rig="threePt" dir="t"/>
+    </dgm:scene3d>
+    <dgm:sp3d/>
+    <dgm:txPr/>
+    <dgm:style>
+      <a:lnRef idx="2">
+        <a:scrgbClr r="0" g="0" b="0"/>
+      </a:lnRef>
+      <a:fillRef idx="1">
+        <a:scrgbClr r="0" g="0" b="0"/>
+      </a:fillRef>
+      <a:effectRef idx="0">
+        <a:scrgbClr r="0" g="0" b="0"/>
+      </a:effectRef>
+      <a:fontRef idx="minor"/>
+    </dgm:style>
+  </dgm:styleLbl>
+  <dgm:styleLbl name="fgAccFollowNode1">
+    <dgm:scene3d>
+      <a:camera prst="orthographicFront"/>
+      <a:lightRig rig="threePt" dir="t"/>
+    </dgm:scene3d>
+    <dgm:sp3d/>
+    <dgm:txPr/>
+    <dgm:style>
+      <a:lnRef idx="2">
+        <a:scrgbClr r="0" g="0" b="0"/>
+      </a:lnRef>
+      <a:fillRef idx="1">
+        <a:scrgbClr r="0" g="0" b="0"/>
+      </a:fillRef>
+      <a:effectRef idx="0">
+        <a:scrgbClr r="0" g="0" b="0"/>
+      </a:effectRef>
+      <a:fontRef idx="minor"/>
+    </dgm:style>
+  </dgm:styleLbl>
+  <dgm:styleLbl name="alignAccFollowNode1">
+    <dgm:scene3d>
+      <a:camera prst="orthographicFront"/>
+      <a:lightRig rig="threePt" dir="t"/>
+    </dgm:scene3d>
+    <dgm:sp3d/>
+    <dgm:txPr/>
+    <dgm:style>
+      <a:lnRef idx="2">
+        <a:scrgbClr r="0" g="0" b="0"/>
+      </a:lnRef>
+      <a:fillRef idx="1">
+        <a:scrgbClr r="0" g="0" b="0"/>
+      </a:fillRef>
+      <a:effectRef idx="0">
+        <a:scrgbClr r="0" g="0" b="0"/>
+      </a:effectRef>
+      <a:fontRef idx="minor"/>
+    </dgm:style>
+  </dgm:styleLbl>
+  <dgm:styleLbl name="bgAccFollowNode1">
+    <dgm:scene3d>
+      <a:camera prst="orthographicFront"/>
+      <a:lightRig rig="threePt" dir="t"/>
+    </dgm:scene3d>
+    <dgm:sp3d/>
+    <dgm:txPr/>
+    <dgm:style>
+      <a:lnRef idx="2">
+        <a:scrgbClr r="0" g="0" b="0"/>
+      </a:lnRef>
+      <a:fillRef idx="1">
+        <a:scrgbClr r="0" g="0" b="0"/>
+      </a:fillRef>
+      <a:effectRef idx="0">
+        <a:scrgbClr r="0" g="0" b="0"/>
+      </a:effectRef>
+      <a:fontRef idx="minor"/>
+    </dgm:style>
+  </dgm:styleLbl>
+  <dgm:styleLbl name="fgAcc0">
+    <dgm:scene3d>
+      <a:camera prst="orthographicFront"/>
+      <a:lightRig rig="threePt" dir="t"/>
+    </dgm:scene3d>
+    <dgm:sp3d/>
+    <dgm:txPr/>
+    <dgm:style>
+      <a:lnRef idx="2">
+        <a:scrgbClr r="0" g="0" b="0"/>
+      </a:lnRef>
+      <a:fillRef idx="1">
+        <a:scrgbClr r="0" g="0" b="0"/>
+      </a:fillRef>
+      <a:effectRef idx="0">
+        <a:scrgbClr r="0" g="0" b="0"/>
+      </a:effectRef>
+      <a:fontRef idx="minor"/>
+    </dgm:style>
+  </dgm:styleLbl>
+  <dgm:styleLbl name="fgAcc2">
+    <dgm:scene3d>
+      <a:camera prst="orthographicFront"/>
+      <a:lightRig rig="threePt" dir="t"/>
+    </dgm:scene3d>
+    <dgm:sp3d/>
+    <dgm:txPr/>
+    <dgm:style>
+      <a:lnRef idx="2">
+        <a:scrgbClr r="0" g="0" b="0"/>
+      </a:lnRef>
+      <a:fillRef idx="1">
+        <a:scrgbClr r="0" g="0" b="0"/>
+      </a:fillRef>
+      <a:effectRef idx="0">
+        <a:scrgbClr r="0" g="0" b="0"/>
+      </a:effectRef>
+      <a:fontRef idx="minor"/>
+    </dgm:style>
+  </dgm:styleLbl>
+  <dgm:styleLbl name="fgAcc3">
+    <dgm:scene3d>
+      <a:camera prst="orthographicFront"/>
+      <a:lightRig rig="threePt" dir="t"/>
+    </dgm:scene3d>
+    <dgm:sp3d/>
+    <dgm:txPr/>
+    <dgm:style>
+      <a:lnRef idx="2">
+        <a:scrgbClr r="0" g="0" b="0"/>
+      </a:lnRef>
+      <a:fillRef idx="1">
+        <a:scrgbClr r="0" g="0" b="0"/>
+      </a:fillRef>
+      <a:effectRef idx="0">
+        <a:scrgbClr r="0" g="0" b="0"/>
+      </a:effectRef>
+      <a:fontRef idx="minor"/>
+    </dgm:style>
+  </dgm:styleLbl>
+  <dgm:styleLbl name="fgAcc4">
+    <dgm:scene3d>
+      <a:camera prst="orthographicFront"/>
+      <a:lightRig rig="threePt" dir="t"/>
+    </dgm:scene3d>
+    <dgm:sp3d/>
+    <dgm:txPr/>
+    <dgm:style>
+      <a:lnRef idx="2">
+        <a:scrgbClr r="0" g="0" b="0"/>
+      </a:lnRef>
+      <a:fillRef idx="1">
+        <a:scrgbClr r="0" g="0" b="0"/>
+      </a:fillRef>
+      <a:effectRef idx="0">
+        <a:scrgbClr r="0" g="0" b="0"/>
+      </a:effectRef>
+      <a:fontRef idx="minor"/>
+    </dgm:style>
+  </dgm:styleLbl>
+  <dgm:styleLbl name="bgShp">
+    <dgm:scene3d>
+      <a:camera prst="orthographicFront"/>
+      <a:lightRig rig="threePt" dir="t"/>
+    </dgm:scene3d>
+    <dgm:sp3d/>
+    <dgm:txPr/>
+    <dgm:style>
+      <a:lnRef idx="0">
+        <a:scrgbClr r="0" g="0" b="0"/>
+      </a:lnRef>
+      <a:fillRef idx="1">
+        <a:scrgbClr r="0" g="0" b="0"/>
+      </a:fillRef>
+      <a:effectRef idx="0">
+        <a:scrgbClr r="0" g="0" b="0"/>
+      </a:effectRef>
+      <a:fontRef idx="minor"/>
+    </dgm:style>
+  </dgm:styleLbl>
+  <dgm:styleLbl name="dkBgShp">
+    <dgm:scene3d>
+      <a:camera prst="orthographicFront"/>
+      <a:lightRig rig="threePt" dir="t"/>
+    </dgm:scene3d>
+    <dgm:sp3d/>
+    <dgm:txPr/>
+    <dgm:style>
+      <a:lnRef idx="0">
+        <a:scrgbClr r="0" g="0" b="0"/>
+      </a:lnRef>
+      <a:fillRef idx="1">
+        <a:scrgbClr r="0" g="0" b="0"/>
+      </a:fillRef>
+      <a:effectRef idx="0">
+        <a:scrgbClr r="0" g="0" b="0"/>
+      </a:effectRef>
+      <a:fontRef idx="minor"/>
+    </dgm:style>
+  </dgm:styleLbl>
+  <dgm:styleLbl name="trBgShp">
+    <dgm:scene3d>
+      <a:camera prst="orthographicFront"/>
+      <a:lightRig rig="threePt" dir="t"/>
+    </dgm:scene3d>
+    <dgm:sp3d/>
+    <dgm:txPr/>
+    <dgm:style>
+      <a:lnRef idx="0">
+        <a:scrgbClr r="0" g="0" b="0"/>
+      </a:lnRef>
+      <a:fillRef idx="1">
+        <a:scrgbClr r="0" g="0" b="0"/>
+      </a:fillRef>
+      <a:effectRef idx="0">
+        <a:scrgbClr r="0" g="0" b="0"/>
+      </a:effectRef>
+      <a:fontRef idx="minor"/>
+    </dgm:style>
+  </dgm:styleLbl>
+  <dgm:styleLbl name="fgShp">
+    <dgm:scene3d>
+      <a:camera prst="orthographicFront"/>
+      <a:lightRig rig="threePt" dir="t"/>
+    </dgm:scene3d>
+    <dgm:sp3d/>
+    <dgm:txPr/>
+    <dgm:style>
+      <a:lnRef idx="2">
+        <a:scrgbClr r="0" g="0" b="0"/>
+      </a:lnRef>
+      <a:fillRef idx="1">
+        <a:scrgbClr r="0" g="0" b="0"/>
+      </a:fillRef>
+      <a:effectRef idx="0">
+        <a:scrgbClr r="0" g="0" b="0"/>
+      </a:effectRef>
+      <a:fontRef idx="minor"/>
+    </dgm:style>
+  </dgm:styleLbl>
+  <dgm:styleLbl name="revTx">
+    <dgm:scene3d>
+      <a:camera prst="orthographicFront"/>
+      <a:lightRig rig="threePt" dir="t"/>
+    </dgm:scene3d>
+    <dgm:sp3d/>
+    <dgm:txPr/>
+    <dgm:style>
+      <a:lnRef idx="0">
+        <a:scrgbClr r="0" g="0" b="0"/>
+      </a:lnRef>
+      <a:fillRef idx="0">
+        <a:scrgbClr r="0" g="0" b="0"/>
+      </a:fillRef>
+      <a:effectRef idx="0">
+        <a:scrgbClr r="0" g="0" b="0"/>
+      </a:effectRef>
+      <a:fontRef idx="minor"/>
+    </dgm:style>
+  </dgm:styleLbl>
+</dgm:styleDef>
 </file>
 
 <file path=ppt/handoutMasters/handoutMaster1.xml><?xml version="1.0" encoding="utf-8"?>
@@ -231,7 +3663,7 @@
           <a:p>
             <a:fld id="{F0461AFB-0ACA-4244-8D65-F5E9B8DF6B8F}" type="datetimeFigureOut">
               <a:rPr lang="zh-CN" altLang="en-US" smtClean="0"/>
-              <a:t>2025/11/26</a:t>
+              <a:t>2025/11/29</a:t>
             </a:fld>
             <a:endParaRPr lang="zh-CN" altLang="en-US"/>
           </a:p>
@@ -402,7 +3834,7 @@
           <a:p>
             <a:fld id="{CB1E06ED-9F18-4EAF-B1AC-B3927E626EC4}" type="datetimeFigureOut">
               <a:rPr lang="zh-CN" altLang="en-US" smtClean="0"/>
-              <a:t>2025/11/26</a:t>
+              <a:t>2025/11/29</a:t>
             </a:fld>
             <a:endParaRPr lang="zh-CN" altLang="en-US" dirty="0"/>
           </a:p>
@@ -3179,7 +6611,7 @@
           <a:p>
             <a:fld id="{82F288E0-7875-42C4-84C8-98DBBD3BF4D2}" type="datetimeFigureOut">
               <a:rPr lang="zh-CN" altLang="en-US" smtClean="0"/>
-              <a:t>2025/11/26</a:t>
+              <a:t>2025/11/29</a:t>
             </a:fld>
             <a:endParaRPr lang="zh-CN" altLang="en-US"/>
           </a:p>
@@ -3645,6 +7077,227 @@
 </p:sld>
 </file>
 
+<file path=ppt/slides/slide10.xml><?xml version="1.0" encoding="utf-8"?>
+<p:sld xmlns:a="http://schemas.openxmlformats.org/drawingml/2006/main" xmlns:r="http://schemas.openxmlformats.org/officeDocument/2006/relationships" xmlns:p="http://schemas.openxmlformats.org/presentationml/2006/main">
+  <p:cSld>
+    <p:spTree>
+      <p:nvGrpSpPr>
+        <p:cNvPr id="1" name=""/>
+        <p:cNvGrpSpPr/>
+        <p:nvPr/>
+      </p:nvGrpSpPr>
+      <p:grpSpPr>
+        <a:xfrm>
+          <a:off x="0" y="0"/>
+          <a:ext cx="0" cy="0"/>
+          <a:chOff x="0" y="0"/>
+          <a:chExt cx="0" cy="0"/>
+        </a:xfrm>
+      </p:grpSpPr>
+      <p:sp>
+        <p:nvSpPr>
+          <p:cNvPr id="2" name="文本占位符 1"/>
+          <p:cNvSpPr>
+            <a:spLocks noGrp="1"/>
+          </p:cNvSpPr>
+          <p:nvPr>
+            <p:ph type="body" sz="quarter" idx="10"/>
+          </p:nvPr>
+        </p:nvSpPr>
+        <p:spPr>
+          <a:xfrm>
+            <a:off x="6096000" y="1455060"/>
+            <a:ext cx="4792494" cy="549446"/>
+          </a:xfrm>
+        </p:spPr>
+        <p:txBody>
+          <a:bodyPr/>
+          <a:lstStyle/>
+          <a:p>
+            <a:r>
+              <a:rPr lang="zh-CN" altLang="en-US" sz="2800" dirty="0"/>
+              <a:t>基础模型</a:t>
+            </a:r>
+          </a:p>
+        </p:txBody>
+      </p:sp>
+      <p:sp>
+        <p:nvSpPr>
+          <p:cNvPr id="3" name="文本占位符 2"/>
+          <p:cNvSpPr>
+            <a:spLocks noGrp="1"/>
+          </p:cNvSpPr>
+          <p:nvPr>
+            <p:ph type="body" sz="quarter" idx="11"/>
+          </p:nvPr>
+        </p:nvSpPr>
+        <p:spPr/>
+        <p:txBody>
+          <a:bodyPr/>
+          <a:lstStyle/>
+          <a:p>
+            <a:r>
+              <a:rPr lang="zh-CN" altLang="en-US" dirty="0"/>
+              <a:t>技术方案</a:t>
+            </a:r>
+            <a:endParaRPr lang="en-US" altLang="zh-CN" dirty="0"/>
+          </a:p>
+        </p:txBody>
+      </p:sp>
+      <p:sp>
+        <p:nvSpPr>
+          <p:cNvPr id="4" name="文本占位符 3"/>
+          <p:cNvSpPr>
+            <a:spLocks noGrp="1"/>
+          </p:cNvSpPr>
+          <p:nvPr>
+            <p:ph type="body" sz="quarter" idx="12"/>
+          </p:nvPr>
+        </p:nvSpPr>
+        <p:spPr>
+          <a:xfrm>
+            <a:off x="6095999" y="2142939"/>
+            <a:ext cx="5525311" cy="3375887"/>
+          </a:xfrm>
+        </p:spPr>
+        <p:txBody>
+          <a:bodyPr/>
+          <a:lstStyle/>
+          <a:p>
+            <a:pPr marL="457200" indent="-457200">
+              <a:lnSpc>
+                <a:spcPct val="150000"/>
+              </a:lnSpc>
+              <a:buFont typeface="+mj-ea"/>
+              <a:buAutoNum type="circleNumDbPlain"/>
+            </a:pPr>
+            <a:r>
+              <a:rPr lang="zh-CN" altLang="en-US" sz="2400" dirty="0"/>
+              <a:t>基于 </a:t>
+            </a:r>
+            <a:r>
+              <a:rPr lang="en-US" altLang="zh-CN" sz="2400" dirty="0" err="1"/>
+              <a:t>LoRA</a:t>
+            </a:r>
+            <a:r>
+              <a:rPr lang="en-US" altLang="zh-CN" sz="2400" dirty="0"/>
+              <a:t> </a:t>
+            </a:r>
+            <a:r>
+              <a:rPr lang="zh-CN" altLang="en-US" sz="2400" dirty="0"/>
+              <a:t>微调大模型，在保证性能的同时，兼顾可解释性</a:t>
+            </a:r>
+            <a:endParaRPr lang="en-US" altLang="zh-CN" sz="2400" dirty="0"/>
+          </a:p>
+          <a:p>
+            <a:pPr marL="457200" indent="-457200">
+              <a:lnSpc>
+                <a:spcPct val="150000"/>
+              </a:lnSpc>
+              <a:buFont typeface="+mj-ea"/>
+              <a:buAutoNum type="circleNumDbPlain"/>
+            </a:pPr>
+            <a:r>
+              <a:rPr lang="zh-CN" altLang="en-US" sz="2400" dirty="0"/>
+              <a:t>提供相应的封装代码，实现端到端的程序调用</a:t>
+            </a:r>
+            <a:endParaRPr lang="en-US" altLang="zh-CN" sz="2400" dirty="0"/>
+          </a:p>
+        </p:txBody>
+      </p:sp>
+    </p:spTree>
+    <p:extLst>
+      <p:ext uri="{BB962C8B-B14F-4D97-AF65-F5344CB8AC3E}">
+        <p14:creationId xmlns:p14="http://schemas.microsoft.com/office/powerpoint/2010/main" val="3557609264"/>
+      </p:ext>
+    </p:extLst>
+  </p:cSld>
+  <p:clrMapOvr>
+    <a:masterClrMapping/>
+  </p:clrMapOvr>
+</p:sld>
+</file>
+
+<file path=ppt/slides/slide11.xml><?xml version="1.0" encoding="utf-8"?>
+<p:sld xmlns:a="http://schemas.openxmlformats.org/drawingml/2006/main" xmlns:r="http://schemas.openxmlformats.org/officeDocument/2006/relationships" xmlns:p="http://schemas.openxmlformats.org/presentationml/2006/main">
+  <p:cSld>
+    <p:spTree>
+      <p:nvGrpSpPr>
+        <p:cNvPr id="1" name=""/>
+        <p:cNvGrpSpPr/>
+        <p:nvPr/>
+      </p:nvGrpSpPr>
+      <p:grpSpPr>
+        <a:xfrm>
+          <a:off x="0" y="0"/>
+          <a:ext cx="0" cy="0"/>
+          <a:chOff x="0" y="0"/>
+          <a:chExt cx="0" cy="0"/>
+        </a:xfrm>
+      </p:grpSpPr>
+      <p:sp>
+        <p:nvSpPr>
+          <p:cNvPr id="2" name="文本占位符 1"/>
+          <p:cNvSpPr>
+            <a:spLocks noGrp="1"/>
+          </p:cNvSpPr>
+          <p:nvPr>
+            <p:ph type="body" sz="quarter" idx="11"/>
+          </p:nvPr>
+        </p:nvSpPr>
+        <p:spPr>
+          <a:xfrm>
+            <a:off x="2646833" y="2631133"/>
+            <a:ext cx="7124677" cy="1007284"/>
+          </a:xfrm>
+        </p:spPr>
+        <p:txBody>
+          <a:bodyPr/>
+          <a:lstStyle/>
+          <a:p>
+            <a:r>
+              <a:rPr lang="en-US" altLang="zh-CN" sz="8000" dirty="0"/>
+              <a:t>THANKS</a:t>
+            </a:r>
+            <a:endParaRPr lang="zh-CN" altLang="en-US" sz="8000" dirty="0"/>
+          </a:p>
+        </p:txBody>
+      </p:sp>
+      <p:sp>
+        <p:nvSpPr>
+          <p:cNvPr id="3" name="文本占位符 2"/>
+          <p:cNvSpPr>
+            <a:spLocks noGrp="1"/>
+          </p:cNvSpPr>
+          <p:nvPr>
+            <p:ph type="body" sz="quarter" idx="10"/>
+          </p:nvPr>
+        </p:nvSpPr>
+        <p:spPr>
+          <a:xfrm>
+            <a:off x="2646833" y="3864936"/>
+            <a:ext cx="2551819" cy="918079"/>
+          </a:xfrm>
+        </p:spPr>
+        <p:txBody>
+          <a:bodyPr/>
+          <a:lstStyle/>
+          <a:p>
+            <a:r>
+              <a:rPr lang="zh-CN" altLang="en-US" sz="2400" dirty="0"/>
+              <a:t>汇报人：刘承龙</a:t>
+            </a:r>
+          </a:p>
+        </p:txBody>
+      </p:sp>
+    </p:spTree>
+  </p:cSld>
+  <p:clrMapOvr>
+    <a:masterClrMapping/>
+  </p:clrMapOvr>
+</p:sld>
+</file>
+
 <file path=ppt/slides/slide2.xml><?xml version="1.0" encoding="utf-8"?>
 <p:sld xmlns:a="http://schemas.openxmlformats.org/drawingml/2006/main" xmlns:r="http://schemas.openxmlformats.org/officeDocument/2006/relationships" xmlns:p="http://schemas.openxmlformats.org/presentationml/2006/main">
   <p:cSld>
@@ -3677,7 +7330,10 @@
           <a:bodyPr/>
           <a:lstStyle/>
           <a:p>
-            <a:endParaRPr lang="zh-CN" altLang="en-US"/>
+            <a:r>
+              <a:rPr lang="zh-CN" altLang="en-US" dirty="0"/>
+              <a:t>项目背景</a:t>
+            </a:r>
           </a:p>
         </p:txBody>
       </p:sp>
@@ -3696,7 +7352,11 @@
           <a:bodyPr/>
           <a:lstStyle/>
           <a:p>
-            <a:endParaRPr lang="zh-CN" altLang="en-US"/>
+            <a:r>
+              <a:rPr lang="en-US" altLang="zh-CN" dirty="0"/>
+              <a:t>01</a:t>
+            </a:r>
+            <a:endParaRPr lang="zh-CN" altLang="en-US" dirty="0"/>
           </a:p>
         </p:txBody>
       </p:sp>
@@ -3715,7 +7375,10 @@
           <a:bodyPr/>
           <a:lstStyle/>
           <a:p>
-            <a:endParaRPr lang="zh-CN" altLang="en-US"/>
+            <a:r>
+              <a:rPr lang="zh-CN" altLang="en-US" dirty="0"/>
+              <a:t>项目简介</a:t>
+            </a:r>
           </a:p>
         </p:txBody>
       </p:sp>
@@ -3734,7 +7397,11 @@
           <a:bodyPr/>
           <a:lstStyle/>
           <a:p>
-            <a:endParaRPr lang="zh-CN" altLang="en-US"/>
+            <a:r>
+              <a:rPr lang="en-US" altLang="zh-CN" dirty="0"/>
+              <a:t>02</a:t>
+            </a:r>
+            <a:endParaRPr lang="zh-CN" altLang="en-US" dirty="0"/>
           </a:p>
         </p:txBody>
       </p:sp>
@@ -3753,7 +7420,10 @@
           <a:bodyPr/>
           <a:lstStyle/>
           <a:p>
-            <a:endParaRPr lang="zh-CN" altLang="en-US"/>
+            <a:r>
+              <a:rPr lang="zh-CN" altLang="en-US" dirty="0"/>
+              <a:t>技术方案</a:t>
+            </a:r>
           </a:p>
         </p:txBody>
       </p:sp>
@@ -3772,7 +7442,11 @@
           <a:bodyPr/>
           <a:lstStyle/>
           <a:p>
-            <a:endParaRPr lang="zh-CN" altLang="en-US"/>
+            <a:r>
+              <a:rPr lang="en-US" altLang="zh-CN" dirty="0"/>
+              <a:t>03</a:t>
+            </a:r>
+            <a:endParaRPr lang="zh-CN" altLang="en-US" dirty="0"/>
           </a:p>
         </p:txBody>
       </p:sp>
@@ -3791,7 +7465,10 @@
           <a:bodyPr/>
           <a:lstStyle/>
           <a:p>
-            <a:endParaRPr lang="zh-CN" altLang="en-US"/>
+            <a:r>
+              <a:rPr lang="zh-CN" altLang="en-US" dirty="0"/>
+              <a:t>使用方法</a:t>
+            </a:r>
           </a:p>
         </p:txBody>
       </p:sp>
@@ -3810,7 +7487,11 @@
           <a:bodyPr/>
           <a:lstStyle/>
           <a:p>
-            <a:endParaRPr lang="zh-CN" altLang="en-US"/>
+            <a:r>
+              <a:rPr lang="en-US" altLang="zh-CN" dirty="0"/>
+              <a:t>04</a:t>
+            </a:r>
+            <a:endParaRPr lang="zh-CN" altLang="en-US" dirty="0"/>
           </a:p>
         </p:txBody>
       </p:sp>
@@ -3849,12 +7530,20 @@
             <p:ph type="body" sz="quarter" idx="10"/>
           </p:nvPr>
         </p:nvSpPr>
-        <p:spPr/>
+        <p:spPr>
+          <a:xfrm>
+            <a:off x="3265160" y="2954375"/>
+            <a:ext cx="7071515" cy="949250"/>
+          </a:xfrm>
+        </p:spPr>
         <p:txBody>
           <a:bodyPr/>
           <a:lstStyle/>
           <a:p>
-            <a:endParaRPr lang="zh-CN" altLang="en-US"/>
+            <a:r>
+              <a:rPr lang="zh-CN" altLang="en-US" sz="6000" dirty="0"/>
+              <a:t>项目背景</a:t>
+            </a:r>
           </a:p>
         </p:txBody>
       </p:sp>
@@ -3873,7 +7562,11 @@
           <a:bodyPr/>
           <a:lstStyle/>
           <a:p>
-            <a:endParaRPr lang="zh-CN" altLang="en-US"/>
+            <a:r>
+              <a:rPr lang="en-US" altLang="zh-CN" dirty="0"/>
+              <a:t>01</a:t>
+            </a:r>
+            <a:endParaRPr lang="zh-CN" altLang="en-US" dirty="0"/>
           </a:p>
         </p:txBody>
       </p:sp>
@@ -3892,7 +7585,19 @@
           <a:bodyPr/>
           <a:lstStyle/>
           <a:p>
-            <a:endParaRPr lang="zh-CN" altLang="en-US"/>
+            <a:r>
+              <a:rPr lang="en-US" altLang="zh-CN" dirty="0"/>
+              <a:t>PART</a:t>
+            </a:r>
+            <a:r>
+              <a:rPr lang="zh-CN" altLang="en-US" dirty="0"/>
+              <a:t> </a:t>
+            </a:r>
+            <a:r>
+              <a:rPr lang="en-US" altLang="zh-CN" dirty="0"/>
+              <a:t>01</a:t>
+            </a:r>
+            <a:endParaRPr lang="zh-CN" altLang="en-US" dirty="0"/>
           </a:p>
         </p:txBody>
       </p:sp>
@@ -3923,25 +7628,6 @@
       </p:grpSpPr>
       <p:sp>
         <p:nvSpPr>
-          <p:cNvPr id="2" name="文本占位符 1"/>
-          <p:cNvSpPr>
-            <a:spLocks noGrp="1"/>
-          </p:cNvSpPr>
-          <p:nvPr>
-            <p:ph type="body" sz="quarter" idx="10"/>
-          </p:nvPr>
-        </p:nvSpPr>
-        <p:spPr/>
-        <p:txBody>
-          <a:bodyPr/>
-          <a:lstStyle/>
-          <a:p>
-            <a:endParaRPr lang="zh-CN" altLang="en-US"/>
-          </a:p>
-        </p:txBody>
-      </p:sp>
-      <p:sp>
-        <p:nvSpPr>
           <p:cNvPr id="3" name="文本占位符 2"/>
           <p:cNvSpPr>
             <a:spLocks noGrp="1"/>
@@ -3955,140 +7641,155 @@
           <a:bodyPr/>
           <a:lstStyle/>
           <a:p>
-            <a:endParaRPr lang="zh-CN" altLang="en-US"/>
+            <a:r>
+              <a:rPr lang="zh-CN" altLang="en-US" dirty="0"/>
+              <a:t>项目背景</a:t>
+            </a:r>
           </a:p>
         </p:txBody>
       </p:sp>
       <p:sp>
         <p:nvSpPr>
-          <p:cNvPr id="4" name="文本占位符 3"/>
+          <p:cNvPr id="18" name="文本占位符 3">
+            <a:extLst>
+              <a:ext uri="{FF2B5EF4-FFF2-40B4-BE49-F238E27FC236}">
+                <a16:creationId xmlns:a16="http://schemas.microsoft.com/office/drawing/2014/main" id="{B1B84937-0EA5-4208-9EA6-5236C92285CD}"/>
+              </a:ext>
+            </a:extLst>
+          </p:cNvPr>
           <p:cNvSpPr>
             <a:spLocks noGrp="1"/>
           </p:cNvSpPr>
           <p:nvPr>
-            <p:ph type="body" sz="quarter" idx="12"/>
+            <p:ph type="body" sz="quarter" idx="10"/>
           </p:nvPr>
         </p:nvSpPr>
-        <p:spPr/>
+        <p:spPr>
+          <a:xfrm>
+            <a:off x="1048408" y="1308894"/>
+            <a:ext cx="10095183" cy="4240212"/>
+          </a:xfrm>
+        </p:spPr>
         <p:txBody>
           <a:bodyPr/>
           <a:lstStyle/>
           <a:p>
-            <a:endParaRPr lang="zh-CN" altLang="en-US"/>
+            <a:pPr>
+              <a:lnSpc>
+                <a:spcPct val="150000"/>
+              </a:lnSpc>
+              <a:buFont typeface="Wingdings" panose="05000000000000000000" pitchFamily="2" charset="2"/>
+              <a:buChar char="l"/>
+            </a:pPr>
+            <a:r>
+              <a:rPr lang="zh-CN" altLang="en-US" sz="2800" b="1" i="1" dirty="0">
+                <a:latin typeface="微软雅黑" panose="020B0503020204020204" pitchFamily="34" charset="-122"/>
+                <a:ea typeface="微软雅黑" panose="020B0503020204020204" pitchFamily="34" charset="-122"/>
+              </a:rPr>
+              <a:t>项目要解决什么样的实际问题</a:t>
+            </a:r>
+            <a:endParaRPr lang="en-US" altLang="zh-CN" sz="2800" b="1" i="1" dirty="0">
+              <a:latin typeface="微软雅黑" panose="020B0503020204020204" pitchFamily="34" charset="-122"/>
+              <a:ea typeface="微软雅黑" panose="020B0503020204020204" pitchFamily="34" charset="-122"/>
+            </a:endParaRPr>
           </a:p>
-        </p:txBody>
-      </p:sp>
-      <p:sp>
-        <p:nvSpPr>
-          <p:cNvPr id="5" name="文本占位符 4"/>
-          <p:cNvSpPr>
-            <a:spLocks noGrp="1"/>
-          </p:cNvSpPr>
-          <p:nvPr>
-            <p:ph type="body" sz="quarter" idx="13"/>
-          </p:nvPr>
-        </p:nvSpPr>
-        <p:spPr/>
-        <p:txBody>
-          <a:bodyPr/>
-          <a:lstStyle/>
           <a:p>
-            <a:endParaRPr lang="zh-CN" altLang="en-US"/>
+            <a:pPr marL="935990" lvl="1" indent="-342900">
+              <a:lnSpc>
+                <a:spcPct val="150000"/>
+              </a:lnSpc>
+            </a:pPr>
+            <a:r>
+              <a:rPr lang="zh-CN" altLang="en-US" sz="2000" dirty="0">
+                <a:latin typeface="微软雅黑" panose="020B0503020204020204" pitchFamily="34" charset="-122"/>
+                <a:ea typeface="微软雅黑" panose="020B0503020204020204" pitchFamily="34" charset="-122"/>
+              </a:rPr>
+              <a:t>教师与学生间的互动对授课效果的影响</a:t>
+            </a:r>
+            <a:endParaRPr lang="en-US" altLang="zh-CN" sz="2000" dirty="0">
+              <a:latin typeface="微软雅黑" panose="020B0503020204020204" pitchFamily="34" charset="-122"/>
+              <a:ea typeface="微软雅黑" panose="020B0503020204020204" pitchFamily="34" charset="-122"/>
+            </a:endParaRPr>
           </a:p>
-        </p:txBody>
-      </p:sp>
-      <p:sp>
-        <p:nvSpPr>
-          <p:cNvPr id="6" name="文本占位符 5"/>
-          <p:cNvSpPr>
-            <a:spLocks noGrp="1"/>
-          </p:cNvSpPr>
-          <p:nvPr>
-            <p:ph type="body" sz="quarter" idx="14"/>
-          </p:nvPr>
-        </p:nvSpPr>
-        <p:spPr/>
-        <p:txBody>
-          <a:bodyPr/>
-          <a:lstStyle/>
           <a:p>
-            <a:endParaRPr lang="zh-CN" altLang="en-US"/>
+            <a:pPr>
+              <a:lnSpc>
+                <a:spcPct val="150000"/>
+              </a:lnSpc>
+              <a:buFont typeface="Wingdings" panose="05000000000000000000" pitchFamily="2" charset="2"/>
+              <a:buChar char="l"/>
+            </a:pPr>
+            <a:r>
+              <a:rPr lang="zh-CN" altLang="en-US" sz="2800" b="1" i="1" dirty="0">
+                <a:latin typeface="微软雅黑" panose="020B0503020204020204" pitchFamily="34" charset="-122"/>
+                <a:ea typeface="微软雅黑" panose="020B0503020204020204" pitchFamily="34" charset="-122"/>
+              </a:rPr>
+              <a:t>这些问题有什么痛点和难点</a:t>
+            </a:r>
+            <a:endParaRPr lang="en-US" altLang="zh-CN" sz="2800" b="1" i="1" dirty="0">
+              <a:latin typeface="微软雅黑" panose="020B0503020204020204" pitchFamily="34" charset="-122"/>
+              <a:ea typeface="微软雅黑" panose="020B0503020204020204" pitchFamily="34" charset="-122"/>
+            </a:endParaRPr>
           </a:p>
-        </p:txBody>
-      </p:sp>
-      <p:sp>
-        <p:nvSpPr>
-          <p:cNvPr id="7" name="文本占位符 6"/>
-          <p:cNvSpPr>
-            <a:spLocks noGrp="1"/>
-          </p:cNvSpPr>
-          <p:nvPr>
-            <p:ph type="body" sz="quarter" idx="15"/>
-          </p:nvPr>
-        </p:nvSpPr>
-        <p:spPr/>
-        <p:txBody>
-          <a:bodyPr/>
-          <a:lstStyle/>
           <a:p>
-            <a:endParaRPr lang="zh-CN" altLang="en-US"/>
+            <a:pPr marL="935990" lvl="1" indent="-342900">
+              <a:lnSpc>
+                <a:spcPct val="150000"/>
+              </a:lnSpc>
+            </a:pPr>
+            <a:r>
+              <a:rPr lang="zh-CN" altLang="en-US" sz="2000" dirty="0">
+                <a:latin typeface="微软雅黑" panose="020B0503020204020204" pitchFamily="34" charset="-122"/>
+                <a:ea typeface="微软雅黑" panose="020B0503020204020204" pitchFamily="34" charset="-122"/>
+                <a:sym typeface="+mn-ea"/>
+              </a:rPr>
+              <a:t>教师可通过提问了解学生对课堂知识的掌握程度，但问题应该如何提</a:t>
+            </a:r>
+            <a:endParaRPr lang="en-US" altLang="zh-CN" sz="2000" dirty="0">
+              <a:latin typeface="微软雅黑" panose="020B0503020204020204" pitchFamily="34" charset="-122"/>
+              <a:ea typeface="微软雅黑" panose="020B0503020204020204" pitchFamily="34" charset="-122"/>
+            </a:endParaRPr>
           </a:p>
-        </p:txBody>
-      </p:sp>
-      <p:sp>
-        <p:nvSpPr>
-          <p:cNvPr id="8" name="文本占位符 7"/>
-          <p:cNvSpPr>
-            <a:spLocks noGrp="1"/>
-          </p:cNvSpPr>
-          <p:nvPr>
-            <p:ph type="body" sz="quarter" idx="16"/>
-          </p:nvPr>
-        </p:nvSpPr>
-        <p:spPr/>
-        <p:txBody>
-          <a:bodyPr/>
-          <a:lstStyle/>
           <a:p>
-            <a:endParaRPr lang="zh-CN" altLang="en-US"/>
+            <a:pPr>
+              <a:lnSpc>
+                <a:spcPct val="150000"/>
+              </a:lnSpc>
+              <a:buFont typeface="Wingdings" panose="05000000000000000000" pitchFamily="2" charset="2"/>
+              <a:buChar char="l"/>
+            </a:pPr>
+            <a:r>
+              <a:rPr lang="zh-CN" altLang="en-US" sz="2800" b="1" i="1" kern="100" dirty="0">
+                <a:latin typeface="微软雅黑" panose="020B0503020204020204" pitchFamily="34" charset="-122"/>
+                <a:ea typeface="微软雅黑" panose="020B0503020204020204" pitchFamily="34" charset="-122"/>
+                <a:cs typeface="Times New Roman" panose="02020603050405020304" pitchFamily="18" charset="0"/>
+              </a:rPr>
+              <a:t>问题解决所带来的商业和社会价值</a:t>
+            </a:r>
+            <a:endParaRPr lang="en-US" altLang="zh-CN" sz="2800" b="1" i="1" kern="100" dirty="0">
+              <a:latin typeface="微软雅黑" panose="020B0503020204020204" pitchFamily="34" charset="-122"/>
+              <a:ea typeface="微软雅黑" panose="020B0503020204020204" pitchFamily="34" charset="-122"/>
+              <a:cs typeface="Times New Roman" panose="02020603050405020304" pitchFamily="18" charset="0"/>
+            </a:endParaRPr>
           </a:p>
-        </p:txBody>
-      </p:sp>
-      <p:sp>
-        <p:nvSpPr>
-          <p:cNvPr id="9" name="文本占位符 8"/>
-          <p:cNvSpPr>
-            <a:spLocks noGrp="1"/>
-          </p:cNvSpPr>
-          <p:nvPr>
-            <p:ph type="body" sz="quarter" idx="17"/>
-          </p:nvPr>
-        </p:nvSpPr>
-        <p:spPr/>
-        <p:txBody>
-          <a:bodyPr/>
-          <a:lstStyle/>
           <a:p>
-            <a:endParaRPr lang="zh-CN" altLang="en-US"/>
-          </a:p>
-        </p:txBody>
-      </p:sp>
-      <p:sp>
-        <p:nvSpPr>
-          <p:cNvPr id="10" name="文本占位符 9"/>
-          <p:cNvSpPr>
-            <a:spLocks noGrp="1"/>
-          </p:cNvSpPr>
-          <p:nvPr>
-            <p:ph type="body" sz="quarter" idx="18"/>
-          </p:nvPr>
-        </p:nvSpPr>
-        <p:spPr/>
-        <p:txBody>
-          <a:bodyPr/>
-          <a:lstStyle/>
-          <a:p>
-            <a:endParaRPr lang="zh-CN" altLang="en-US"/>
+            <a:pPr marL="935990" lvl="1" indent="-342900">
+              <a:lnSpc>
+                <a:spcPct val="150000"/>
+              </a:lnSpc>
+            </a:pPr>
+            <a:r>
+              <a:rPr lang="zh-CN" altLang="en-US" sz="2000" dirty="0">
+                <a:latin typeface="微软雅黑" panose="020B0503020204020204" pitchFamily="34" charset="-122"/>
+                <a:ea typeface="微软雅黑" panose="020B0503020204020204" pitchFamily="34" charset="-122"/>
+                <a:sym typeface="+mn-ea"/>
+              </a:rPr>
+              <a:t>优化课堂质量，通过课程问答判断教师与学生互动情况，掌握学生跟进课堂程度，促进教育发展</a:t>
+            </a:r>
+            <a:endParaRPr lang="en-US" altLang="zh-CN" sz="2000" dirty="0">
+              <a:latin typeface="微软雅黑" panose="020B0503020204020204" pitchFamily="34" charset="-122"/>
+              <a:ea typeface="微软雅黑" panose="020B0503020204020204" pitchFamily="34" charset="-122"/>
+            </a:endParaRPr>
           </a:p>
         </p:txBody>
       </p:sp>
@@ -4124,15 +7825,23 @@
             <a:spLocks noGrp="1"/>
           </p:cNvSpPr>
           <p:nvPr>
-            <p:ph type="body" sz="quarter" idx="11"/>
+            <p:ph type="body" sz="quarter" idx="10"/>
           </p:nvPr>
         </p:nvSpPr>
-        <p:spPr/>
+        <p:spPr>
+          <a:xfrm>
+            <a:off x="6096000" y="1455060"/>
+            <a:ext cx="4792494" cy="549446"/>
+          </a:xfrm>
+        </p:spPr>
         <p:txBody>
           <a:bodyPr/>
           <a:lstStyle/>
           <a:p>
-            <a:endParaRPr lang="zh-CN" altLang="en-US"/>
+            <a:r>
+              <a:rPr lang="zh-CN" altLang="en-US" sz="2800" dirty="0"/>
+              <a:t>传统课堂分析领域中的缺陷：</a:t>
+            </a:r>
           </a:p>
         </p:txBody>
       </p:sp>
@@ -4143,7 +7852,7 @@
             <a:spLocks noGrp="1"/>
           </p:cNvSpPr>
           <p:nvPr>
-            <p:ph type="body" sz="quarter" idx="10"/>
+            <p:ph type="body" sz="quarter" idx="11"/>
           </p:nvPr>
         </p:nvSpPr>
         <p:spPr/>
@@ -4151,7 +7860,10 @@
           <a:bodyPr/>
           <a:lstStyle/>
           <a:p>
-            <a:endParaRPr lang="zh-CN" altLang="en-US"/>
+            <a:r>
+              <a:rPr lang="zh-CN" altLang="en-US" dirty="0"/>
+              <a:t>项目背景</a:t>
+            </a:r>
           </a:p>
         </p:txBody>
       </p:sp>
@@ -4165,21 +7877,1034 @@
             <p:ph type="body" sz="quarter" idx="12"/>
           </p:nvPr>
         </p:nvSpPr>
+        <p:spPr>
+          <a:xfrm>
+            <a:off x="6095999" y="2142939"/>
+            <a:ext cx="5525311" cy="3375887"/>
+          </a:xfrm>
+        </p:spPr>
+        <p:txBody>
+          <a:bodyPr/>
+          <a:lstStyle/>
+          <a:p>
+            <a:pPr>
+              <a:lnSpc>
+                <a:spcPct val="150000"/>
+              </a:lnSpc>
+            </a:pPr>
+            <a:r>
+              <a:rPr lang="zh-CN" altLang="en-US" sz="2400" dirty="0"/>
+              <a:t>特征工程：</a:t>
+            </a:r>
+            <a:endParaRPr lang="en-US" altLang="zh-CN" sz="2400" dirty="0"/>
+          </a:p>
+          <a:p>
+            <a:pPr marL="342900" indent="-342900">
+              <a:lnSpc>
+                <a:spcPct val="150000"/>
+              </a:lnSpc>
+              <a:buFont typeface="Arial" panose="020B0604020202020204" pitchFamily="34" charset="0"/>
+              <a:buChar char="•"/>
+            </a:pPr>
+            <a:r>
+              <a:rPr lang="zh-CN" altLang="en-US" sz="2400" dirty="0"/>
+              <a:t>效果不错，但耗时耗力</a:t>
+            </a:r>
+            <a:endParaRPr lang="en-US" altLang="zh-CN" sz="2400" dirty="0"/>
+          </a:p>
+          <a:p>
+            <a:pPr>
+              <a:lnSpc>
+                <a:spcPct val="150000"/>
+              </a:lnSpc>
+            </a:pPr>
+            <a:r>
+              <a:rPr lang="zh-CN" altLang="en-US" sz="2400" dirty="0"/>
+              <a:t>经典深度学习：</a:t>
+            </a:r>
+            <a:endParaRPr lang="en-US" altLang="zh-CN" sz="2400" dirty="0"/>
+          </a:p>
+          <a:p>
+            <a:pPr marL="342900" indent="-342900">
+              <a:lnSpc>
+                <a:spcPct val="150000"/>
+              </a:lnSpc>
+              <a:buFont typeface="Arial" panose="020B0604020202020204" pitchFamily="34" charset="0"/>
+              <a:buChar char="•"/>
+            </a:pPr>
+            <a:r>
+              <a:rPr lang="zh-CN" altLang="en-US" sz="2400" dirty="0"/>
+              <a:t>作用高效，但可解释性弱</a:t>
+            </a:r>
+          </a:p>
+        </p:txBody>
+      </p:sp>
+      <p:pic>
+        <p:nvPicPr>
+          <p:cNvPr id="1026" name="Picture 2" descr="智慧课堂">
+            <a:extLst>
+              <a:ext uri="{FF2B5EF4-FFF2-40B4-BE49-F238E27FC236}">
+                <a16:creationId xmlns:a16="http://schemas.microsoft.com/office/drawing/2014/main" id="{8E49B7B7-B1FC-4F7A-A70A-E9B4179E6807}"/>
+              </a:ext>
+            </a:extLst>
+          </p:cNvPr>
+          <p:cNvPicPr>
+            <a:picLocks noChangeAspect="1" noChangeArrowheads="1"/>
+          </p:cNvPicPr>
+          <p:nvPr/>
+        </p:nvPicPr>
+        <p:blipFill rotWithShape="1">
+          <a:blip r:embed="rId2">
+            <a:extLst>
+              <a:ext uri="{28A0092B-C50C-407E-A947-70E740481C1C}">
+                <a14:useLocalDpi xmlns:a14="http://schemas.microsoft.com/office/drawing/2010/main" val="0"/>
+              </a:ext>
+            </a:extLst>
+          </a:blip>
+          <a:srcRect l="23679" r="24728"/>
+          <a:stretch/>
+        </p:blipFill>
+        <p:spPr bwMode="auto">
+          <a:xfrm>
+            <a:off x="756142" y="1054559"/>
+            <a:ext cx="4469403" cy="4872828"/>
+          </a:xfrm>
+          <a:prstGeom prst="rect">
+            <a:avLst/>
+          </a:prstGeom>
+          <a:noFill/>
+          <a:extLst>
+            <a:ext uri="{909E8E84-426E-40DD-AFC4-6F175D3DCCD1}">
+              <a14:hiddenFill xmlns:a14="http://schemas.microsoft.com/office/drawing/2010/main">
+                <a:solidFill>
+                  <a:srgbClr val="FFFFFF"/>
+                </a:solidFill>
+              </a14:hiddenFill>
+            </a:ext>
+          </a:extLst>
+        </p:spPr>
+      </p:pic>
+    </p:spTree>
+    <p:extLst>
+      <p:ext uri="{BB962C8B-B14F-4D97-AF65-F5344CB8AC3E}">
+        <p14:creationId xmlns:p14="http://schemas.microsoft.com/office/powerpoint/2010/main" val="2703340671"/>
+      </p:ext>
+    </p:extLst>
+  </p:cSld>
+  <p:clrMapOvr>
+    <a:masterClrMapping/>
+  </p:clrMapOvr>
+</p:sld>
+</file>
+
+<file path=ppt/slides/slide6.xml><?xml version="1.0" encoding="utf-8"?>
+<p:sld xmlns:a="http://schemas.openxmlformats.org/drawingml/2006/main" xmlns:r="http://schemas.openxmlformats.org/officeDocument/2006/relationships" xmlns:p="http://schemas.openxmlformats.org/presentationml/2006/main">
+  <p:cSld>
+    <p:spTree>
+      <p:nvGrpSpPr>
+        <p:cNvPr id="1" name=""/>
+        <p:cNvGrpSpPr/>
+        <p:nvPr/>
+      </p:nvGrpSpPr>
+      <p:grpSpPr>
+        <a:xfrm>
+          <a:off x="0" y="0"/>
+          <a:ext cx="0" cy="0"/>
+          <a:chOff x="0" y="0"/>
+          <a:chExt cx="0" cy="0"/>
+        </a:xfrm>
+      </p:grpSpPr>
+      <p:sp>
+        <p:nvSpPr>
+          <p:cNvPr id="3" name="文本占位符 2">
+            <a:extLst>
+              <a:ext uri="{FF2B5EF4-FFF2-40B4-BE49-F238E27FC236}">
+                <a16:creationId xmlns:a16="http://schemas.microsoft.com/office/drawing/2014/main" id="{2D057DF7-83AF-4B5E-A26D-68678162AC03}"/>
+              </a:ext>
+            </a:extLst>
+          </p:cNvPr>
+          <p:cNvSpPr>
+            <a:spLocks noGrp="1"/>
+          </p:cNvSpPr>
+          <p:nvPr>
+            <p:ph type="body" sz="quarter" idx="14"/>
+          </p:nvPr>
+        </p:nvSpPr>
         <p:spPr/>
         <p:txBody>
           <a:bodyPr/>
           <a:lstStyle/>
           <a:p>
-            <a:endParaRPr lang="zh-CN" altLang="en-US"/>
+            <a:r>
+              <a:rPr lang="en-US" altLang="zh-CN" dirty="0"/>
+              <a:t>02</a:t>
+            </a:r>
+            <a:endParaRPr lang="zh-CN" altLang="en-US" dirty="0"/>
+          </a:p>
+        </p:txBody>
+      </p:sp>
+      <p:sp>
+        <p:nvSpPr>
+          <p:cNvPr id="4" name="文本占位符 3">
+            <a:extLst>
+              <a:ext uri="{FF2B5EF4-FFF2-40B4-BE49-F238E27FC236}">
+                <a16:creationId xmlns:a16="http://schemas.microsoft.com/office/drawing/2014/main" id="{406740D6-DFBD-4A15-8DFC-DBC7D5EA4429}"/>
+              </a:ext>
+            </a:extLst>
+          </p:cNvPr>
+          <p:cNvSpPr>
+            <a:spLocks noGrp="1"/>
+          </p:cNvSpPr>
+          <p:nvPr>
+            <p:ph type="body" sz="quarter" idx="17"/>
+          </p:nvPr>
+        </p:nvSpPr>
+        <p:spPr/>
+        <p:txBody>
+          <a:bodyPr/>
+          <a:lstStyle/>
+          <a:p>
+            <a:r>
+              <a:rPr lang="en-US" altLang="zh-CN" dirty="0"/>
+              <a:t>PART 02</a:t>
+            </a:r>
+            <a:endParaRPr lang="zh-CN" altLang="en-US" dirty="0"/>
+          </a:p>
+        </p:txBody>
+      </p:sp>
+      <p:sp>
+        <p:nvSpPr>
+          <p:cNvPr id="7" name="文本占位符 1">
+            <a:extLst>
+              <a:ext uri="{FF2B5EF4-FFF2-40B4-BE49-F238E27FC236}">
+                <a16:creationId xmlns:a16="http://schemas.microsoft.com/office/drawing/2014/main" id="{87891115-2ECD-4AD3-95EC-FCE2A671BAFA}"/>
+              </a:ext>
+            </a:extLst>
+          </p:cNvPr>
+          <p:cNvSpPr txBox="1">
+            <a:spLocks/>
+          </p:cNvSpPr>
+          <p:nvPr/>
+        </p:nvSpPr>
+        <p:spPr>
+          <a:xfrm>
+            <a:off x="3265160" y="2954375"/>
+            <a:ext cx="7071515" cy="949250"/>
+          </a:xfrm>
+          <a:prstGeom prst="rect">
+            <a:avLst/>
+          </a:prstGeom>
+        </p:spPr>
+        <p:txBody>
+          <a:bodyPr>
+            <a:noAutofit/>
+          </a:bodyPr>
+          <a:lstStyle>
+            <a:lvl1pPr marL="0" indent="0" algn="l" defTabSz="914400" rtl="0" eaLnBrk="1" latinLnBrk="0" hangingPunct="1">
+              <a:lnSpc>
+                <a:spcPct val="90000"/>
+              </a:lnSpc>
+              <a:spcBef>
+                <a:spcPts val="1000"/>
+              </a:spcBef>
+              <a:buFont typeface="Arial" panose="020B0604020202020204" pitchFamily="34" charset="0"/>
+              <a:buNone/>
+              <a:defRPr sz="3600" b="0" i="0" kern="1200">
+                <a:solidFill>
+                  <a:schemeClr val="bg1"/>
+                </a:solidFill>
+                <a:latin typeface="微软雅黑" charset="-122"/>
+                <a:ea typeface="微软雅黑" charset="-122"/>
+                <a:cs typeface="微软雅黑" charset="-122"/>
+              </a:defRPr>
+            </a:lvl1pPr>
+            <a:lvl2pPr marL="685800" indent="-228600" algn="l" defTabSz="914400" rtl="0" eaLnBrk="1" latinLnBrk="0" hangingPunct="1">
+              <a:lnSpc>
+                <a:spcPct val="90000"/>
+              </a:lnSpc>
+              <a:spcBef>
+                <a:spcPts val="500"/>
+              </a:spcBef>
+              <a:buFont typeface="Arial" panose="020B0604020202020204"/>
+              <a:buChar char="•"/>
+              <a:defRPr sz="2400" kern="1200">
+                <a:solidFill>
+                  <a:schemeClr val="tx1"/>
+                </a:solidFill>
+                <a:latin typeface="+mn-lt"/>
+                <a:ea typeface="+mn-ea"/>
+                <a:cs typeface="+mn-cs"/>
+              </a:defRPr>
+            </a:lvl2pPr>
+            <a:lvl3pPr marL="1143000" indent="-228600" algn="l" defTabSz="914400" rtl="0" eaLnBrk="1" latinLnBrk="0" hangingPunct="1">
+              <a:lnSpc>
+                <a:spcPct val="90000"/>
+              </a:lnSpc>
+              <a:spcBef>
+                <a:spcPts val="500"/>
+              </a:spcBef>
+              <a:buFont typeface="Arial" panose="020B0604020202020204"/>
+              <a:buChar char="•"/>
+              <a:defRPr sz="2000" kern="1200">
+                <a:solidFill>
+                  <a:schemeClr val="tx1"/>
+                </a:solidFill>
+                <a:latin typeface="+mn-lt"/>
+                <a:ea typeface="+mn-ea"/>
+                <a:cs typeface="+mn-cs"/>
+              </a:defRPr>
+            </a:lvl3pPr>
+            <a:lvl4pPr marL="1600200" indent="-228600" algn="l" defTabSz="914400" rtl="0" eaLnBrk="1" latinLnBrk="0" hangingPunct="1">
+              <a:lnSpc>
+                <a:spcPct val="90000"/>
+              </a:lnSpc>
+              <a:spcBef>
+                <a:spcPts val="500"/>
+              </a:spcBef>
+              <a:buFont typeface="Arial" panose="020B0604020202020204"/>
+              <a:buChar char="•"/>
+              <a:defRPr sz="1800" kern="1200">
+                <a:solidFill>
+                  <a:schemeClr val="tx1"/>
+                </a:solidFill>
+                <a:latin typeface="+mn-lt"/>
+                <a:ea typeface="+mn-ea"/>
+                <a:cs typeface="+mn-cs"/>
+              </a:defRPr>
+            </a:lvl4pPr>
+            <a:lvl5pPr marL="2057400" indent="-228600" algn="l" defTabSz="914400" rtl="0" eaLnBrk="1" latinLnBrk="0" hangingPunct="1">
+              <a:lnSpc>
+                <a:spcPct val="90000"/>
+              </a:lnSpc>
+              <a:spcBef>
+                <a:spcPts val="500"/>
+              </a:spcBef>
+              <a:buFont typeface="Arial" panose="020B0604020202020204"/>
+              <a:buChar char="•"/>
+              <a:defRPr sz="1800" kern="1200">
+                <a:solidFill>
+                  <a:schemeClr val="tx1"/>
+                </a:solidFill>
+                <a:latin typeface="+mn-lt"/>
+                <a:ea typeface="+mn-ea"/>
+                <a:cs typeface="+mn-cs"/>
+              </a:defRPr>
+            </a:lvl5pPr>
+            <a:lvl6pPr marL="2514600" indent="-228600" algn="l" defTabSz="914400" rtl="0" eaLnBrk="1" latinLnBrk="0" hangingPunct="1">
+              <a:lnSpc>
+                <a:spcPct val="90000"/>
+              </a:lnSpc>
+              <a:spcBef>
+                <a:spcPts val="500"/>
+              </a:spcBef>
+              <a:buFont typeface="Arial" panose="020B0604020202020204"/>
+              <a:buChar char="•"/>
+              <a:defRPr sz="1800" kern="1200">
+                <a:solidFill>
+                  <a:schemeClr val="tx1"/>
+                </a:solidFill>
+                <a:latin typeface="+mn-lt"/>
+                <a:ea typeface="+mn-ea"/>
+                <a:cs typeface="+mn-cs"/>
+              </a:defRPr>
+            </a:lvl6pPr>
+            <a:lvl7pPr marL="2971800" indent="-228600" algn="l" defTabSz="914400" rtl="0" eaLnBrk="1" latinLnBrk="0" hangingPunct="1">
+              <a:lnSpc>
+                <a:spcPct val="90000"/>
+              </a:lnSpc>
+              <a:spcBef>
+                <a:spcPts val="500"/>
+              </a:spcBef>
+              <a:buFont typeface="Arial" panose="020B0604020202020204"/>
+              <a:buChar char="•"/>
+              <a:defRPr sz="1800" kern="1200">
+                <a:solidFill>
+                  <a:schemeClr val="tx1"/>
+                </a:solidFill>
+                <a:latin typeface="+mn-lt"/>
+                <a:ea typeface="+mn-ea"/>
+                <a:cs typeface="+mn-cs"/>
+              </a:defRPr>
+            </a:lvl7pPr>
+            <a:lvl8pPr marL="3429000" indent="-228600" algn="l" defTabSz="914400" rtl="0" eaLnBrk="1" latinLnBrk="0" hangingPunct="1">
+              <a:lnSpc>
+                <a:spcPct val="90000"/>
+              </a:lnSpc>
+              <a:spcBef>
+                <a:spcPts val="500"/>
+              </a:spcBef>
+              <a:buFont typeface="Arial" panose="020B0604020202020204"/>
+              <a:buChar char="•"/>
+              <a:defRPr sz="1800" kern="1200">
+                <a:solidFill>
+                  <a:schemeClr val="tx1"/>
+                </a:solidFill>
+                <a:latin typeface="+mn-lt"/>
+                <a:ea typeface="+mn-ea"/>
+                <a:cs typeface="+mn-cs"/>
+              </a:defRPr>
+            </a:lvl8pPr>
+            <a:lvl9pPr marL="3886200" indent="-228600" algn="l" defTabSz="914400" rtl="0" eaLnBrk="1" latinLnBrk="0" hangingPunct="1">
+              <a:lnSpc>
+                <a:spcPct val="90000"/>
+              </a:lnSpc>
+              <a:spcBef>
+                <a:spcPts val="500"/>
+              </a:spcBef>
+              <a:buFont typeface="Arial" panose="020B0604020202020204"/>
+              <a:buChar char="•"/>
+              <a:defRPr sz="1800" kern="1200">
+                <a:solidFill>
+                  <a:schemeClr val="tx1"/>
+                </a:solidFill>
+                <a:latin typeface="+mn-lt"/>
+                <a:ea typeface="+mn-ea"/>
+                <a:cs typeface="+mn-cs"/>
+              </a:defRPr>
+            </a:lvl9pPr>
+          </a:lstStyle>
+          <a:p>
+            <a:r>
+              <a:rPr lang="zh-CN" altLang="en-US" sz="6000" dirty="0"/>
+              <a:t>项目简介</a:t>
+            </a:r>
           </a:p>
         </p:txBody>
       </p:sp>
     </p:spTree>
+    <p:extLst>
+      <p:ext uri="{BB962C8B-B14F-4D97-AF65-F5344CB8AC3E}">
+        <p14:creationId xmlns:p14="http://schemas.microsoft.com/office/powerpoint/2010/main" val="3053641363"/>
+      </p:ext>
+    </p:extLst>
   </p:cSld>
   <p:clrMapOvr>
     <a:masterClrMapping/>
   </p:clrMapOvr>
 </p:sld>
+</file>
+
+<file path=ppt/slides/slide7.xml><?xml version="1.0" encoding="utf-8"?>
+<p:sld xmlns:a="http://schemas.openxmlformats.org/drawingml/2006/main" xmlns:r="http://schemas.openxmlformats.org/officeDocument/2006/relationships" xmlns:p="http://schemas.openxmlformats.org/presentationml/2006/main">
+  <p:cSld>
+    <p:spTree>
+      <p:nvGrpSpPr>
+        <p:cNvPr id="1" name=""/>
+        <p:cNvGrpSpPr/>
+        <p:nvPr/>
+      </p:nvGrpSpPr>
+      <p:grpSpPr>
+        <a:xfrm>
+          <a:off x="0" y="0"/>
+          <a:ext cx="0" cy="0"/>
+          <a:chOff x="0" y="0"/>
+          <a:chExt cx="0" cy="0"/>
+        </a:xfrm>
+      </p:grpSpPr>
+      <p:sp>
+        <p:nvSpPr>
+          <p:cNvPr id="2" name="文本占位符 1"/>
+          <p:cNvSpPr>
+            <a:spLocks noGrp="1"/>
+          </p:cNvSpPr>
+          <p:nvPr>
+            <p:ph type="body" sz="quarter" idx="10"/>
+          </p:nvPr>
+        </p:nvSpPr>
+        <p:spPr>
+          <a:xfrm>
+            <a:off x="6096000" y="1455060"/>
+            <a:ext cx="4792494" cy="549446"/>
+          </a:xfrm>
+        </p:spPr>
+        <p:txBody>
+          <a:bodyPr/>
+          <a:lstStyle/>
+          <a:p>
+            <a:r>
+              <a:rPr lang="zh-CN" altLang="en-US" sz="2800" dirty="0"/>
+              <a:t>项目方案：</a:t>
+            </a:r>
+          </a:p>
+        </p:txBody>
+      </p:sp>
+      <p:sp>
+        <p:nvSpPr>
+          <p:cNvPr id="3" name="文本占位符 2"/>
+          <p:cNvSpPr>
+            <a:spLocks noGrp="1"/>
+          </p:cNvSpPr>
+          <p:nvPr>
+            <p:ph type="body" sz="quarter" idx="11"/>
+          </p:nvPr>
+        </p:nvSpPr>
+        <p:spPr/>
+        <p:txBody>
+          <a:bodyPr/>
+          <a:lstStyle/>
+          <a:p>
+            <a:r>
+              <a:rPr lang="zh-CN" altLang="en-US" dirty="0"/>
+              <a:t>项目简介</a:t>
+            </a:r>
+          </a:p>
+        </p:txBody>
+      </p:sp>
+      <p:sp>
+        <p:nvSpPr>
+          <p:cNvPr id="4" name="文本占位符 3"/>
+          <p:cNvSpPr>
+            <a:spLocks noGrp="1"/>
+          </p:cNvSpPr>
+          <p:nvPr>
+            <p:ph type="body" sz="quarter" idx="12"/>
+          </p:nvPr>
+        </p:nvSpPr>
+        <p:spPr>
+          <a:xfrm>
+            <a:off x="6095999" y="2142939"/>
+            <a:ext cx="5525311" cy="3375887"/>
+          </a:xfrm>
+        </p:spPr>
+        <p:txBody>
+          <a:bodyPr/>
+          <a:lstStyle/>
+          <a:p>
+            <a:pPr marL="457200" indent="-457200">
+              <a:lnSpc>
+                <a:spcPct val="150000"/>
+              </a:lnSpc>
+              <a:buFont typeface="+mj-ea"/>
+              <a:buAutoNum type="circleNumDbPlain"/>
+            </a:pPr>
+            <a:r>
+              <a:rPr lang="zh-CN" altLang="en-US" sz="2400" dirty="0"/>
+              <a:t>基于 </a:t>
+            </a:r>
+            <a:r>
+              <a:rPr lang="en-US" altLang="zh-CN" sz="2400" dirty="0" err="1"/>
+              <a:t>LoRA</a:t>
+            </a:r>
+            <a:r>
+              <a:rPr lang="en-US" altLang="zh-CN" sz="2400" dirty="0"/>
+              <a:t> </a:t>
+            </a:r>
+            <a:r>
+              <a:rPr lang="zh-CN" altLang="en-US" sz="2400" dirty="0"/>
+              <a:t>微调大模型，在保证性能的同时，兼顾可解释性</a:t>
+            </a:r>
+            <a:endParaRPr lang="en-US" altLang="zh-CN" sz="2400" dirty="0"/>
+          </a:p>
+          <a:p>
+            <a:pPr marL="457200" indent="-457200">
+              <a:lnSpc>
+                <a:spcPct val="150000"/>
+              </a:lnSpc>
+              <a:buFont typeface="+mj-ea"/>
+              <a:buAutoNum type="circleNumDbPlain"/>
+            </a:pPr>
+            <a:r>
+              <a:rPr lang="zh-CN" altLang="en-US" sz="2400" dirty="0"/>
+              <a:t>提供相应的封装代码，实现端到端的程序调用</a:t>
+            </a:r>
+            <a:endParaRPr lang="en-US" altLang="zh-CN" sz="2400" dirty="0"/>
+          </a:p>
+        </p:txBody>
+      </p:sp>
+      <p:pic>
+        <p:nvPicPr>
+          <p:cNvPr id="2050" name="Picture 2">
+            <a:extLst>
+              <a:ext uri="{FF2B5EF4-FFF2-40B4-BE49-F238E27FC236}">
+                <a16:creationId xmlns:a16="http://schemas.microsoft.com/office/drawing/2014/main" id="{98EE467D-29C7-4449-A728-A1314F24FD5E}"/>
+              </a:ext>
+            </a:extLst>
+          </p:cNvPr>
+          <p:cNvPicPr>
+            <a:picLocks noChangeAspect="1" noChangeArrowheads="1"/>
+          </p:cNvPicPr>
+          <p:nvPr/>
+        </p:nvPicPr>
+        <p:blipFill>
+          <a:blip r:embed="rId2">
+            <a:extLst>
+              <a:ext uri="{28A0092B-C50C-407E-A947-70E740481C1C}">
+                <a14:useLocalDpi xmlns:a14="http://schemas.microsoft.com/office/drawing/2010/main" val="0"/>
+              </a:ext>
+            </a:extLst>
+          </a:blip>
+          <a:srcRect/>
+          <a:stretch>
+            <a:fillRect/>
+          </a:stretch>
+        </p:blipFill>
+        <p:spPr bwMode="auto">
+          <a:xfrm>
+            <a:off x="756142" y="1063760"/>
+            <a:ext cx="4965327" cy="4730480"/>
+          </a:xfrm>
+          <a:prstGeom prst="rect">
+            <a:avLst/>
+          </a:prstGeom>
+          <a:noFill/>
+          <a:extLst>
+            <a:ext uri="{909E8E84-426E-40DD-AFC4-6F175D3DCCD1}">
+              <a14:hiddenFill xmlns:a14="http://schemas.microsoft.com/office/drawing/2010/main">
+                <a:solidFill>
+                  <a:srgbClr val="FFFFFF"/>
+                </a:solidFill>
+              </a14:hiddenFill>
+            </a:ext>
+          </a:extLst>
+        </p:spPr>
+      </p:pic>
+    </p:spTree>
+    <p:extLst>
+      <p:ext uri="{BB962C8B-B14F-4D97-AF65-F5344CB8AC3E}">
+        <p14:creationId xmlns:p14="http://schemas.microsoft.com/office/powerpoint/2010/main" val="3096542027"/>
+      </p:ext>
+    </p:extLst>
+  </p:cSld>
+  <p:clrMapOvr>
+    <a:masterClrMapping/>
+  </p:clrMapOvr>
+</p:sld>
+</file>
+
+<file path=ppt/slides/slide8.xml><?xml version="1.0" encoding="utf-8"?>
+<p:sld xmlns:a="http://schemas.openxmlformats.org/drawingml/2006/main" xmlns:r="http://schemas.openxmlformats.org/officeDocument/2006/relationships" xmlns:p="http://schemas.openxmlformats.org/presentationml/2006/main">
+  <p:cSld>
+    <p:spTree>
+      <p:nvGrpSpPr>
+        <p:cNvPr id="1" name=""/>
+        <p:cNvGrpSpPr/>
+        <p:nvPr/>
+      </p:nvGrpSpPr>
+      <p:grpSpPr>
+        <a:xfrm>
+          <a:off x="0" y="0"/>
+          <a:ext cx="0" cy="0"/>
+          <a:chOff x="0" y="0"/>
+          <a:chExt cx="0" cy="0"/>
+        </a:xfrm>
+      </p:grpSpPr>
+      <p:sp>
+        <p:nvSpPr>
+          <p:cNvPr id="3" name="文本占位符 2">
+            <a:extLst>
+              <a:ext uri="{FF2B5EF4-FFF2-40B4-BE49-F238E27FC236}">
+                <a16:creationId xmlns:a16="http://schemas.microsoft.com/office/drawing/2014/main" id="{7EC4B2BA-DABA-4CB3-A1B6-647415946500}"/>
+              </a:ext>
+            </a:extLst>
+          </p:cNvPr>
+          <p:cNvSpPr>
+            <a:spLocks noGrp="1"/>
+          </p:cNvSpPr>
+          <p:nvPr>
+            <p:ph type="body" sz="quarter" idx="14"/>
+          </p:nvPr>
+        </p:nvSpPr>
+        <p:spPr/>
+        <p:txBody>
+          <a:bodyPr/>
+          <a:lstStyle/>
+          <a:p>
+            <a:r>
+              <a:rPr lang="en-US" altLang="zh-CN" dirty="0"/>
+              <a:t>03</a:t>
+            </a:r>
+            <a:endParaRPr lang="zh-CN" altLang="en-US" dirty="0"/>
+          </a:p>
+        </p:txBody>
+      </p:sp>
+      <p:sp>
+        <p:nvSpPr>
+          <p:cNvPr id="4" name="文本占位符 3">
+            <a:extLst>
+              <a:ext uri="{FF2B5EF4-FFF2-40B4-BE49-F238E27FC236}">
+                <a16:creationId xmlns:a16="http://schemas.microsoft.com/office/drawing/2014/main" id="{751C35B9-CE97-425B-8E93-5DE930AB8227}"/>
+              </a:ext>
+            </a:extLst>
+          </p:cNvPr>
+          <p:cNvSpPr>
+            <a:spLocks noGrp="1"/>
+          </p:cNvSpPr>
+          <p:nvPr>
+            <p:ph type="body" sz="quarter" idx="17"/>
+          </p:nvPr>
+        </p:nvSpPr>
+        <p:spPr/>
+        <p:txBody>
+          <a:bodyPr/>
+          <a:lstStyle/>
+          <a:p>
+            <a:r>
+              <a:rPr lang="en-US" altLang="zh-CN" dirty="0"/>
+              <a:t>PART 03</a:t>
+            </a:r>
+            <a:endParaRPr lang="zh-CN" altLang="en-US" dirty="0"/>
+          </a:p>
+        </p:txBody>
+      </p:sp>
+      <p:sp>
+        <p:nvSpPr>
+          <p:cNvPr id="5" name="文本占位符 1">
+            <a:extLst>
+              <a:ext uri="{FF2B5EF4-FFF2-40B4-BE49-F238E27FC236}">
+                <a16:creationId xmlns:a16="http://schemas.microsoft.com/office/drawing/2014/main" id="{9E179CAD-AE08-4C6B-8178-E03BF08877BE}"/>
+              </a:ext>
+            </a:extLst>
+          </p:cNvPr>
+          <p:cNvSpPr txBox="1">
+            <a:spLocks/>
+          </p:cNvSpPr>
+          <p:nvPr/>
+        </p:nvSpPr>
+        <p:spPr>
+          <a:xfrm>
+            <a:off x="3265160" y="2954375"/>
+            <a:ext cx="7071515" cy="949250"/>
+          </a:xfrm>
+          <a:prstGeom prst="rect">
+            <a:avLst/>
+          </a:prstGeom>
+        </p:spPr>
+        <p:txBody>
+          <a:bodyPr>
+            <a:noAutofit/>
+          </a:bodyPr>
+          <a:lstStyle>
+            <a:lvl1pPr marL="0" indent="0" algn="l" defTabSz="914400" rtl="0" eaLnBrk="1" latinLnBrk="0" hangingPunct="1">
+              <a:lnSpc>
+                <a:spcPct val="90000"/>
+              </a:lnSpc>
+              <a:spcBef>
+                <a:spcPts val="1000"/>
+              </a:spcBef>
+              <a:buFont typeface="Arial" panose="020B0604020202020204" pitchFamily="34" charset="0"/>
+              <a:buNone/>
+              <a:defRPr sz="3600" b="0" i="0" kern="1200">
+                <a:solidFill>
+                  <a:schemeClr val="bg1"/>
+                </a:solidFill>
+                <a:latin typeface="微软雅黑" charset="-122"/>
+                <a:ea typeface="微软雅黑" charset="-122"/>
+                <a:cs typeface="微软雅黑" charset="-122"/>
+              </a:defRPr>
+            </a:lvl1pPr>
+            <a:lvl2pPr marL="685800" indent="-228600" algn="l" defTabSz="914400" rtl="0" eaLnBrk="1" latinLnBrk="0" hangingPunct="1">
+              <a:lnSpc>
+                <a:spcPct val="90000"/>
+              </a:lnSpc>
+              <a:spcBef>
+                <a:spcPts val="500"/>
+              </a:spcBef>
+              <a:buFont typeface="Arial" panose="020B0604020202020204"/>
+              <a:buChar char="•"/>
+              <a:defRPr sz="2400" kern="1200">
+                <a:solidFill>
+                  <a:schemeClr val="tx1"/>
+                </a:solidFill>
+                <a:latin typeface="+mn-lt"/>
+                <a:ea typeface="+mn-ea"/>
+                <a:cs typeface="+mn-cs"/>
+              </a:defRPr>
+            </a:lvl2pPr>
+            <a:lvl3pPr marL="1143000" indent="-228600" algn="l" defTabSz="914400" rtl="0" eaLnBrk="1" latinLnBrk="0" hangingPunct="1">
+              <a:lnSpc>
+                <a:spcPct val="90000"/>
+              </a:lnSpc>
+              <a:spcBef>
+                <a:spcPts val="500"/>
+              </a:spcBef>
+              <a:buFont typeface="Arial" panose="020B0604020202020204"/>
+              <a:buChar char="•"/>
+              <a:defRPr sz="2000" kern="1200">
+                <a:solidFill>
+                  <a:schemeClr val="tx1"/>
+                </a:solidFill>
+                <a:latin typeface="+mn-lt"/>
+                <a:ea typeface="+mn-ea"/>
+                <a:cs typeface="+mn-cs"/>
+              </a:defRPr>
+            </a:lvl3pPr>
+            <a:lvl4pPr marL="1600200" indent="-228600" algn="l" defTabSz="914400" rtl="0" eaLnBrk="1" latinLnBrk="0" hangingPunct="1">
+              <a:lnSpc>
+                <a:spcPct val="90000"/>
+              </a:lnSpc>
+              <a:spcBef>
+                <a:spcPts val="500"/>
+              </a:spcBef>
+              <a:buFont typeface="Arial" panose="020B0604020202020204"/>
+              <a:buChar char="•"/>
+              <a:defRPr sz="1800" kern="1200">
+                <a:solidFill>
+                  <a:schemeClr val="tx1"/>
+                </a:solidFill>
+                <a:latin typeface="+mn-lt"/>
+                <a:ea typeface="+mn-ea"/>
+                <a:cs typeface="+mn-cs"/>
+              </a:defRPr>
+            </a:lvl4pPr>
+            <a:lvl5pPr marL="2057400" indent="-228600" algn="l" defTabSz="914400" rtl="0" eaLnBrk="1" latinLnBrk="0" hangingPunct="1">
+              <a:lnSpc>
+                <a:spcPct val="90000"/>
+              </a:lnSpc>
+              <a:spcBef>
+                <a:spcPts val="500"/>
+              </a:spcBef>
+              <a:buFont typeface="Arial" panose="020B0604020202020204"/>
+              <a:buChar char="•"/>
+              <a:defRPr sz="1800" kern="1200">
+                <a:solidFill>
+                  <a:schemeClr val="tx1"/>
+                </a:solidFill>
+                <a:latin typeface="+mn-lt"/>
+                <a:ea typeface="+mn-ea"/>
+                <a:cs typeface="+mn-cs"/>
+              </a:defRPr>
+            </a:lvl5pPr>
+            <a:lvl6pPr marL="2514600" indent="-228600" algn="l" defTabSz="914400" rtl="0" eaLnBrk="1" latinLnBrk="0" hangingPunct="1">
+              <a:lnSpc>
+                <a:spcPct val="90000"/>
+              </a:lnSpc>
+              <a:spcBef>
+                <a:spcPts val="500"/>
+              </a:spcBef>
+              <a:buFont typeface="Arial" panose="020B0604020202020204"/>
+              <a:buChar char="•"/>
+              <a:defRPr sz="1800" kern="1200">
+                <a:solidFill>
+                  <a:schemeClr val="tx1"/>
+                </a:solidFill>
+                <a:latin typeface="+mn-lt"/>
+                <a:ea typeface="+mn-ea"/>
+                <a:cs typeface="+mn-cs"/>
+              </a:defRPr>
+            </a:lvl6pPr>
+            <a:lvl7pPr marL="2971800" indent="-228600" algn="l" defTabSz="914400" rtl="0" eaLnBrk="1" latinLnBrk="0" hangingPunct="1">
+              <a:lnSpc>
+                <a:spcPct val="90000"/>
+              </a:lnSpc>
+              <a:spcBef>
+                <a:spcPts val="500"/>
+              </a:spcBef>
+              <a:buFont typeface="Arial" panose="020B0604020202020204"/>
+              <a:buChar char="•"/>
+              <a:defRPr sz="1800" kern="1200">
+                <a:solidFill>
+                  <a:schemeClr val="tx1"/>
+                </a:solidFill>
+                <a:latin typeface="+mn-lt"/>
+                <a:ea typeface="+mn-ea"/>
+                <a:cs typeface="+mn-cs"/>
+              </a:defRPr>
+            </a:lvl7pPr>
+            <a:lvl8pPr marL="3429000" indent="-228600" algn="l" defTabSz="914400" rtl="0" eaLnBrk="1" latinLnBrk="0" hangingPunct="1">
+              <a:lnSpc>
+                <a:spcPct val="90000"/>
+              </a:lnSpc>
+              <a:spcBef>
+                <a:spcPts val="500"/>
+              </a:spcBef>
+              <a:buFont typeface="Arial" panose="020B0604020202020204"/>
+              <a:buChar char="•"/>
+              <a:defRPr sz="1800" kern="1200">
+                <a:solidFill>
+                  <a:schemeClr val="tx1"/>
+                </a:solidFill>
+                <a:latin typeface="+mn-lt"/>
+                <a:ea typeface="+mn-ea"/>
+                <a:cs typeface="+mn-cs"/>
+              </a:defRPr>
+            </a:lvl8pPr>
+            <a:lvl9pPr marL="3886200" indent="-228600" algn="l" defTabSz="914400" rtl="0" eaLnBrk="1" latinLnBrk="0" hangingPunct="1">
+              <a:lnSpc>
+                <a:spcPct val="90000"/>
+              </a:lnSpc>
+              <a:spcBef>
+                <a:spcPts val="500"/>
+              </a:spcBef>
+              <a:buFont typeface="Arial" panose="020B0604020202020204"/>
+              <a:buChar char="•"/>
+              <a:defRPr sz="1800" kern="1200">
+                <a:solidFill>
+                  <a:schemeClr val="tx1"/>
+                </a:solidFill>
+                <a:latin typeface="+mn-lt"/>
+                <a:ea typeface="+mn-ea"/>
+                <a:cs typeface="+mn-cs"/>
+              </a:defRPr>
+            </a:lvl9pPr>
+          </a:lstStyle>
+          <a:p>
+            <a:r>
+              <a:rPr lang="zh-CN" altLang="en-US" sz="6000" dirty="0"/>
+              <a:t>技术方案</a:t>
+            </a:r>
+          </a:p>
+        </p:txBody>
+      </p:sp>
+    </p:spTree>
+    <p:extLst>
+      <p:ext uri="{BB962C8B-B14F-4D97-AF65-F5344CB8AC3E}">
+        <p14:creationId xmlns:p14="http://schemas.microsoft.com/office/powerpoint/2010/main" val="1047987476"/>
+      </p:ext>
+    </p:extLst>
+  </p:cSld>
+  <p:clrMapOvr>
+    <a:masterClrMapping/>
+  </p:clrMapOvr>
+</p:sld>
+</file>
+
+<file path=ppt/slides/slide9.xml><?xml version="1.0" encoding="utf-8"?>
+<p:sld xmlns:a="http://schemas.openxmlformats.org/drawingml/2006/main" xmlns:r="http://schemas.openxmlformats.org/officeDocument/2006/relationships" xmlns:p="http://schemas.openxmlformats.org/presentationml/2006/main">
+  <p:cSld>
+    <p:spTree>
+      <p:nvGrpSpPr>
+        <p:cNvPr id="1" name=""/>
+        <p:cNvGrpSpPr/>
+        <p:nvPr/>
+      </p:nvGrpSpPr>
+      <p:grpSpPr>
+        <a:xfrm>
+          <a:off x="0" y="0"/>
+          <a:ext cx="0" cy="0"/>
+          <a:chOff x="0" y="0"/>
+          <a:chExt cx="0" cy="0"/>
+        </a:xfrm>
+      </p:grpSpPr>
+      <p:sp>
+        <p:nvSpPr>
+          <p:cNvPr id="3" name="文本占位符 2"/>
+          <p:cNvSpPr>
+            <a:spLocks noGrp="1"/>
+          </p:cNvSpPr>
+          <p:nvPr>
+            <p:ph type="body" sz="quarter" idx="11"/>
+          </p:nvPr>
+        </p:nvSpPr>
+        <p:spPr/>
+        <p:txBody>
+          <a:bodyPr/>
+          <a:lstStyle/>
+          <a:p>
+            <a:r>
+              <a:rPr lang="zh-CN" altLang="en-US" dirty="0"/>
+              <a:t>技术方案</a:t>
+            </a:r>
+          </a:p>
+        </p:txBody>
+      </p:sp>
+      <p:graphicFrame>
+        <p:nvGraphicFramePr>
+          <p:cNvPr id="10" name="图示 9">
+            <a:extLst>
+              <a:ext uri="{FF2B5EF4-FFF2-40B4-BE49-F238E27FC236}">
+                <a16:creationId xmlns:a16="http://schemas.microsoft.com/office/drawing/2014/main" id="{50CECBC6-606F-4166-9663-73226DC7E96F}"/>
+              </a:ext>
+            </a:extLst>
+          </p:cNvPr>
+          <p:cNvGraphicFramePr/>
+          <p:nvPr>
+            <p:extLst>
+              <p:ext uri="{D42A27DB-BD31-4B8C-83A1-F6EECF244321}">
+                <p14:modId xmlns:p14="http://schemas.microsoft.com/office/powerpoint/2010/main" val="2687027308"/>
+              </p:ext>
+            </p:extLst>
+          </p:nvPr>
+        </p:nvGraphicFramePr>
+        <p:xfrm>
+          <a:off x="5371830" y="719666"/>
+          <a:ext cx="8128000" cy="5418667"/>
+        </p:xfrm>
+        <a:graphic>
+          <a:graphicData uri="http://schemas.openxmlformats.org/drawingml/2006/diagram">
+            <dgm:relIds xmlns:dgm="http://schemas.openxmlformats.org/drawingml/2006/diagram" xmlns:r="http://schemas.openxmlformats.org/officeDocument/2006/relationships" r:dm="rId2" r:lo="rId3" r:qs="rId4" r:cs="rId5"/>
+          </a:graphicData>
+        </a:graphic>
+      </p:graphicFrame>
+      <p:pic>
+        <p:nvPicPr>
+          <p:cNvPr id="4098" name="Picture 2" descr="论文精读：LoRa: Low-Rank Adaptation of Large Language Models">
+            <a:extLst>
+              <a:ext uri="{FF2B5EF4-FFF2-40B4-BE49-F238E27FC236}">
+                <a16:creationId xmlns:a16="http://schemas.microsoft.com/office/drawing/2014/main" id="{3557981F-60C8-4E65-BD69-45477131B87C}"/>
+              </a:ext>
+            </a:extLst>
+          </p:cNvPr>
+          <p:cNvPicPr>
+            <a:picLocks noChangeAspect="1" noChangeArrowheads="1"/>
+          </p:cNvPicPr>
+          <p:nvPr/>
+        </p:nvPicPr>
+        <p:blipFill>
+          <a:blip r:embed="rId7" cstate="print">
+            <a:extLst>
+              <a:ext uri="{28A0092B-C50C-407E-A947-70E740481C1C}">
+                <a14:useLocalDpi xmlns:a14="http://schemas.microsoft.com/office/drawing/2010/main" val="0"/>
+              </a:ext>
+            </a:extLst>
+          </a:blip>
+          <a:srcRect/>
+          <a:stretch>
+            <a:fillRect/>
+          </a:stretch>
+        </p:blipFill>
+        <p:spPr bwMode="auto">
+          <a:xfrm>
+            <a:off x="756142" y="1533726"/>
+            <a:ext cx="4621483" cy="3790546"/>
+          </a:xfrm>
+          <a:prstGeom prst="rect">
+            <a:avLst/>
+          </a:prstGeom>
+          <a:ln>
+            <a:noFill/>
+          </a:ln>
+          <a:effectLst>
+            <a:reflection blurRad="12700" stA="30000" endPos="30000" dist="5000" dir="5400000" sy="-100000" algn="bl" rotWithShape="0"/>
+          </a:effectLst>
+          <a:scene3d>
+            <a:camera prst="perspectiveContrastingLeftFacing">
+              <a:rot lat="300000" lon="19800000" rev="0"/>
+            </a:camera>
+            <a:lightRig rig="threePt" dir="t">
+              <a:rot lat="0" lon="0" rev="2700000"/>
+            </a:lightRig>
+          </a:scene3d>
+          <a:sp3d>
+            <a:bevelT w="63500" h="50800"/>
+          </a:sp3d>
+          <a:extLst>
+            <a:ext uri="{909E8E84-426E-40DD-AFC4-6F175D3DCCD1}">
+              <a14:hiddenFill xmlns:a14="http://schemas.microsoft.com/office/drawing/2010/main">
+                <a:solidFill>
+                  <a:srgbClr val="FFFFFF"/>
+                </a:solidFill>
+              </a14:hiddenFill>
+            </a:ext>
+          </a:extLst>
+        </p:spPr>
+      </p:pic>
+    </p:spTree>
+    <p:extLst>
+      <p:ext uri="{BB962C8B-B14F-4D97-AF65-F5344CB8AC3E}">
+        <p14:creationId xmlns:p14="http://schemas.microsoft.com/office/powerpoint/2010/main" val="2712928345"/>
+      </p:ext>
+    </p:extLst>
+  </p:cSld>
+  <p:clrMapOvr>
+    <a:masterClrMapping/>
+  </p:clrMapOvr>
+</p:sld>
+</file>
+
+<file path=ppt/tags/tag1.xml><?xml version="1.0" encoding="utf-8"?>
+<p:tagLst xmlns:a="http://schemas.openxmlformats.org/drawingml/2006/main" xmlns:r="http://schemas.openxmlformats.org/officeDocument/2006/relationships" xmlns:p="http://schemas.openxmlformats.org/presentationml/2006/main">
+  <p:tag name="OPFI" val=""/>
+</p:tagLst>
 </file>
 
 <file path=ppt/theme/theme1.xml><?xml version="1.0" encoding="utf-8"?>
